--- a/docs/策划配置系统.pptx
+++ b/docs/策划配置系统.pptx
@@ -5,7 +5,7 @@
     <p:sldMasterId id="2147483648" r:id="rId1"/>
   </p:sldMasterIdLst>
   <p:notesMasterIdLst>
-    <p:notesMasterId r:id="rId47"/>
+    <p:notesMasterId r:id="rId48"/>
   </p:notesMasterIdLst>
   <p:sldIdLst>
     <p:sldId id="256" r:id="rId2"/>
@@ -50,9 +50,10 @@
     <p:sldId id="299" r:id="rId41"/>
     <p:sldId id="300" r:id="rId42"/>
     <p:sldId id="302" r:id="rId43"/>
-    <p:sldId id="303" r:id="rId44"/>
-    <p:sldId id="304" r:id="rId45"/>
-    <p:sldId id="301" r:id="rId46"/>
+    <p:sldId id="316" r:id="rId44"/>
+    <p:sldId id="303" r:id="rId45"/>
+    <p:sldId id="304" r:id="rId46"/>
+    <p:sldId id="301" r:id="rId47"/>
   </p:sldIdLst>
   <p:sldSz cx="12192000" cy="6858000"/>
   <p:notesSz cx="6858000" cy="9144000"/>
@@ -241,7 +242,7 @@
           <a:p>
             <a:fld id="{6EAC5273-D546-4593-AB73-B44386829A74}" type="datetimeFigureOut">
               <a:rPr lang="zh-CN" altLang="en-US" smtClean="0"/>
-              <a:t>2020/8/3</a:t>
+              <a:t>2021/1/14</a:t>
             </a:fld>
             <a:endParaRPr lang="zh-CN" altLang="en-US"/>
           </a:p>
@@ -721,7 +722,7 @@
           <a:p>
             <a:fld id="{DFDF1F5D-0294-482C-B1CF-3711577E50B4}" type="datetimeFigureOut">
               <a:rPr lang="zh-CN" altLang="en-US" smtClean="0"/>
-              <a:t>2020/8/3</a:t>
+              <a:t>2021/1/14</a:t>
             </a:fld>
             <a:endParaRPr lang="zh-CN" altLang="en-US"/>
           </a:p>
@@ -889,7 +890,7 @@
           <a:p>
             <a:fld id="{DFDF1F5D-0294-482C-B1CF-3711577E50B4}" type="datetimeFigureOut">
               <a:rPr lang="zh-CN" altLang="en-US" smtClean="0"/>
-              <a:t>2020/8/3</a:t>
+              <a:t>2021/1/14</a:t>
             </a:fld>
             <a:endParaRPr lang="zh-CN" altLang="en-US"/>
           </a:p>
@@ -1067,7 +1068,7 @@
           <a:p>
             <a:fld id="{DFDF1F5D-0294-482C-B1CF-3711577E50B4}" type="datetimeFigureOut">
               <a:rPr lang="zh-CN" altLang="en-US" smtClean="0"/>
-              <a:t>2020/8/3</a:t>
+              <a:t>2021/1/14</a:t>
             </a:fld>
             <a:endParaRPr lang="zh-CN" altLang="en-US"/>
           </a:p>
@@ -1235,7 +1236,7 @@
           <a:p>
             <a:fld id="{DFDF1F5D-0294-482C-B1CF-3711577E50B4}" type="datetimeFigureOut">
               <a:rPr lang="zh-CN" altLang="en-US" smtClean="0"/>
-              <a:t>2020/8/3</a:t>
+              <a:t>2021/1/14</a:t>
             </a:fld>
             <a:endParaRPr lang="zh-CN" altLang="en-US"/>
           </a:p>
@@ -1480,7 +1481,7 @@
           <a:p>
             <a:fld id="{DFDF1F5D-0294-482C-B1CF-3711577E50B4}" type="datetimeFigureOut">
               <a:rPr lang="zh-CN" altLang="en-US" smtClean="0"/>
-              <a:t>2020/8/3</a:t>
+              <a:t>2021/1/14</a:t>
             </a:fld>
             <a:endParaRPr lang="zh-CN" altLang="en-US"/>
           </a:p>
@@ -1709,7 +1710,7 @@
           <a:p>
             <a:fld id="{DFDF1F5D-0294-482C-B1CF-3711577E50B4}" type="datetimeFigureOut">
               <a:rPr lang="zh-CN" altLang="en-US" smtClean="0"/>
-              <a:t>2020/8/3</a:t>
+              <a:t>2021/1/14</a:t>
             </a:fld>
             <a:endParaRPr lang="zh-CN" altLang="en-US"/>
           </a:p>
@@ -2073,7 +2074,7 @@
           <a:p>
             <a:fld id="{DFDF1F5D-0294-482C-B1CF-3711577E50B4}" type="datetimeFigureOut">
               <a:rPr lang="zh-CN" altLang="en-US" smtClean="0"/>
-              <a:t>2020/8/3</a:t>
+              <a:t>2021/1/14</a:t>
             </a:fld>
             <a:endParaRPr lang="zh-CN" altLang="en-US"/>
           </a:p>
@@ -2190,7 +2191,7 @@
           <a:p>
             <a:fld id="{DFDF1F5D-0294-482C-B1CF-3711577E50B4}" type="datetimeFigureOut">
               <a:rPr lang="zh-CN" altLang="en-US" smtClean="0"/>
-              <a:t>2020/8/3</a:t>
+              <a:t>2021/1/14</a:t>
             </a:fld>
             <a:endParaRPr lang="zh-CN" altLang="en-US"/>
           </a:p>
@@ -2285,7 +2286,7 @@
           <a:p>
             <a:fld id="{DFDF1F5D-0294-482C-B1CF-3711577E50B4}" type="datetimeFigureOut">
               <a:rPr lang="zh-CN" altLang="en-US" smtClean="0"/>
-              <a:t>2020/8/3</a:t>
+              <a:t>2021/1/14</a:t>
             </a:fld>
             <a:endParaRPr lang="zh-CN" altLang="en-US"/>
           </a:p>
@@ -2560,7 +2561,7 @@
           <a:p>
             <a:fld id="{DFDF1F5D-0294-482C-B1CF-3711577E50B4}" type="datetimeFigureOut">
               <a:rPr lang="zh-CN" altLang="en-US" smtClean="0"/>
-              <a:t>2020/8/3</a:t>
+              <a:t>2021/1/14</a:t>
             </a:fld>
             <a:endParaRPr lang="zh-CN" altLang="en-US"/>
           </a:p>
@@ -2812,7 +2813,7 @@
           <a:p>
             <a:fld id="{DFDF1F5D-0294-482C-B1CF-3711577E50B4}" type="datetimeFigureOut">
               <a:rPr lang="zh-CN" altLang="en-US" smtClean="0"/>
-              <a:t>2020/8/3</a:t>
+              <a:t>2021/1/14</a:t>
             </a:fld>
             <a:endParaRPr lang="zh-CN" altLang="en-US"/>
           </a:p>
@@ -3023,7 +3024,7 @@
           <a:p>
             <a:fld id="{DFDF1F5D-0294-482C-B1CF-3711577E50B4}" type="datetimeFigureOut">
               <a:rPr lang="zh-CN" altLang="en-US" smtClean="0"/>
-              <a:t>2020/8/3</a:t>
+              <a:t>2021/1/14</a:t>
             </a:fld>
             <a:endParaRPr lang="zh-CN" altLang="en-US"/>
           </a:p>
@@ -11064,7 +11065,7 @@
           <p:cNvPr id="2" name="标题 1">
             <a:extLst>
               <a:ext uri="{FF2B5EF4-FFF2-40B4-BE49-F238E27FC236}">
-                <a16:creationId xmlns:a16="http://schemas.microsoft.com/office/drawing/2014/main" id="{B56DFC8C-77FA-42DB-BE04-CD763AC24EE3}"/>
+                <a16:creationId xmlns:a16="http://schemas.microsoft.com/office/drawing/2014/main" id="{F99B54A7-CC73-4BEA-AC99-59D661217ACC}"/>
               </a:ext>
             </a:extLst>
           </p:cNvPr>
@@ -11080,279 +11081,49 @@
           <a:bodyPr/>
           <a:lstStyle/>
           <a:p>
-            <a:r>
-              <a:rPr lang="zh-CN" altLang="en-US" dirty="0"/>
-              <a:t>处理流程</a:t>
-            </a:r>
-          </a:p>
-        </p:txBody>
-      </p:sp>
-      <p:sp>
-        <p:nvSpPr>
-          <p:cNvPr id="3" name="内容占位符 2">
+            <a:endParaRPr lang="zh-CN" altLang="en-US"/>
+          </a:p>
+        </p:txBody>
+      </p:sp>
+      <p:pic>
+        <p:nvPicPr>
+          <p:cNvPr id="5" name="内容占位符 4">
             <a:extLst>
               <a:ext uri="{FF2B5EF4-FFF2-40B4-BE49-F238E27FC236}">
-                <a16:creationId xmlns:a16="http://schemas.microsoft.com/office/drawing/2014/main" id="{8394BBCC-7343-4A5C-8CD1-CF115FDF43A3}"/>
+                <a16:creationId xmlns:a16="http://schemas.microsoft.com/office/drawing/2014/main" id="{CF27EC2F-D943-44D5-8403-322AFC60C501}"/>
               </a:ext>
             </a:extLst>
           </p:cNvPr>
-          <p:cNvSpPr>
-            <a:spLocks noGrp="1"/>
-          </p:cNvSpPr>
+          <p:cNvPicPr>
+            <a:picLocks noGrp="1" noChangeAspect="1"/>
+          </p:cNvPicPr>
           <p:nvPr>
             <p:ph idx="1"/>
           </p:nvPr>
-        </p:nvSpPr>
-        <p:spPr/>
-        <p:txBody>
-          <a:bodyPr>
-            <a:normAutofit fontScale="70000" lnSpcReduction="20000"/>
-          </a:bodyPr>
-          <a:lstStyle/>
-          <a:p>
-            <a:r>
-              <a:rPr lang="zh-CN" altLang="en-US" dirty="0"/>
-              <a:t>读取</a:t>
-            </a:r>
-            <a:r>
-              <a:rPr lang="en-US" altLang="zh-CN" dirty="0"/>
-              <a:t>config.xml, csv</a:t>
-            </a:r>
-            <a:r>
-              <a:rPr lang="zh-CN" altLang="en-US" dirty="0"/>
-              <a:t>文件，生成</a:t>
-            </a:r>
-            <a:r>
-              <a:rPr lang="en-US" altLang="zh-CN" dirty="0" err="1"/>
-              <a:t>FullDefine</a:t>
-            </a:r>
-            <a:r>
-              <a:rPr lang="zh-CN" altLang="en-US" dirty="0"/>
-              <a:t>，</a:t>
-            </a:r>
-            <a:r>
-              <a:rPr lang="en-US" altLang="zh-CN" dirty="0" err="1"/>
-              <a:t>FullType</a:t>
-            </a:r>
-            <a:r>
-              <a:rPr lang="zh-CN" altLang="en-US" dirty="0"/>
-              <a:t>，</a:t>
-            </a:r>
-            <a:r>
-              <a:rPr lang="en-US" altLang="zh-CN" dirty="0"/>
-              <a:t>Data</a:t>
-            </a:r>
-            <a:r>
-              <a:rPr lang="zh-CN" altLang="en-US" dirty="0"/>
-              <a:t>。</a:t>
-            </a:r>
-            <a:endParaRPr lang="en-US" altLang="zh-CN" dirty="0"/>
-          </a:p>
-          <a:p>
-            <a:endParaRPr lang="en-US" altLang="zh-CN" dirty="0"/>
-          </a:p>
-          <a:p>
-            <a:pPr>
-              <a:lnSpc>
-                <a:spcPct val="120000"/>
-              </a:lnSpc>
-            </a:pPr>
-            <a:r>
-              <a:rPr lang="zh-CN" altLang="en-US" dirty="0"/>
-              <a:t>然后根据</a:t>
-            </a:r>
-            <a:r>
-              <a:rPr lang="en-US" altLang="zh-CN" dirty="0"/>
-              <a:t>Data, csv</a:t>
-            </a:r>
-            <a:r>
-              <a:rPr lang="zh-CN" altLang="en-US" dirty="0"/>
-              <a:t>前</a:t>
-            </a:r>
-            <a:r>
-              <a:rPr lang="en-US" altLang="zh-CN" dirty="0"/>
-              <a:t>2</a:t>
-            </a:r>
-            <a:r>
-              <a:rPr lang="zh-CN" altLang="en-US" dirty="0"/>
-              <a:t>行里的信息来自动完善</a:t>
-            </a:r>
-            <a:r>
-              <a:rPr lang="en-US" altLang="zh-CN" dirty="0" err="1"/>
-              <a:t>FullDefine</a:t>
-            </a:r>
-            <a:r>
-              <a:rPr lang="en-US" altLang="zh-CN" dirty="0"/>
-              <a:t> </a:t>
-            </a:r>
-            <a:r>
-              <a:rPr lang="zh-CN" altLang="en-US" dirty="0"/>
-              <a:t>，</a:t>
-            </a:r>
-            <a:r>
-              <a:rPr lang="en-US" altLang="zh-CN" dirty="0"/>
-              <a:t> </a:t>
-            </a:r>
-            <a:r>
-              <a:rPr lang="en-US" altLang="zh-CN" dirty="0" err="1"/>
-              <a:t>FullType</a:t>
-            </a:r>
-            <a:r>
-              <a:rPr lang="en-US" altLang="zh-CN" dirty="0"/>
-              <a:t> </a:t>
-            </a:r>
-            <a:r>
-              <a:rPr lang="zh-CN" altLang="en-US" dirty="0"/>
-              <a:t>（补充</a:t>
-            </a:r>
-            <a:r>
-              <a:rPr lang="en-US" altLang="zh-CN" dirty="0"/>
-              <a:t>column</a:t>
-            </a:r>
-            <a:r>
-              <a:rPr lang="zh-CN" altLang="en-US" dirty="0"/>
-              <a:t>，猜测</a:t>
-            </a:r>
-            <a:r>
-              <a:rPr lang="en-US" altLang="zh-CN" dirty="0"/>
-              <a:t>type</a:t>
-            </a:r>
-            <a:r>
-              <a:rPr lang="zh-CN" altLang="en-US" dirty="0"/>
-              <a:t>），之后保存完善后的</a:t>
-            </a:r>
-            <a:r>
-              <a:rPr lang="en-US" altLang="zh-CN" dirty="0"/>
-              <a:t>Define</a:t>
-            </a:r>
-            <a:r>
-              <a:rPr lang="zh-CN" altLang="en-US" dirty="0"/>
-              <a:t>到</a:t>
-            </a:r>
-            <a:r>
-              <a:rPr lang="en-US" altLang="zh-CN" dirty="0"/>
-              <a:t>config.xml</a:t>
-            </a:r>
-            <a:r>
-              <a:rPr lang="zh-CN" altLang="en-US" dirty="0"/>
-              <a:t>，同时让</a:t>
-            </a:r>
-            <a:r>
-              <a:rPr lang="en-US" altLang="zh-CN" dirty="0"/>
-              <a:t>Data</a:t>
-            </a:r>
-            <a:r>
-              <a:rPr lang="zh-CN" altLang="en-US" dirty="0"/>
-              <a:t>内含自己的</a:t>
-            </a:r>
-            <a:r>
-              <a:rPr lang="en-US" altLang="zh-CN" dirty="0" err="1"/>
-              <a:t>FullType</a:t>
-            </a:r>
-            <a:endParaRPr lang="en-US" altLang="zh-CN" dirty="0"/>
-          </a:p>
-          <a:p>
-            <a:endParaRPr lang="en-US" altLang="zh-CN" dirty="0"/>
-          </a:p>
-          <a:p>
-            <a:r>
-              <a:rPr lang="zh-CN" altLang="en-US" dirty="0"/>
-              <a:t>如有部分提取，根据</a:t>
-            </a:r>
-            <a:r>
-              <a:rPr lang="en-US" altLang="zh-CN" dirty="0"/>
-              <a:t>Full Define</a:t>
-            </a:r>
-            <a:r>
-              <a:rPr lang="zh-CN" altLang="en-US" dirty="0"/>
-              <a:t>和</a:t>
-            </a:r>
-            <a:r>
-              <a:rPr lang="en-US" altLang="zh-CN" dirty="0"/>
-              <a:t>own</a:t>
-            </a:r>
-            <a:r>
-              <a:rPr lang="zh-CN" altLang="en-US" dirty="0"/>
-              <a:t>生成提取后</a:t>
-            </a:r>
-            <a:r>
-              <a:rPr lang="en-US" altLang="zh-CN" dirty="0" err="1"/>
-              <a:t>SubType</a:t>
-            </a:r>
-            <a:endParaRPr lang="en-US" altLang="zh-CN" dirty="0"/>
-          </a:p>
-          <a:p>
-            <a:endParaRPr lang="en-US" altLang="zh-CN" dirty="0"/>
-          </a:p>
-          <a:p>
-            <a:r>
-              <a:rPr lang="zh-CN" altLang="en-US" dirty="0"/>
-              <a:t>根据</a:t>
-            </a:r>
-            <a:r>
-              <a:rPr lang="en-US" altLang="zh-CN" dirty="0" err="1"/>
-              <a:t>SubType</a:t>
-            </a:r>
-            <a:r>
-              <a:rPr lang="zh-CN" altLang="en-US" dirty="0"/>
-              <a:t>和</a:t>
-            </a:r>
-            <a:r>
-              <a:rPr lang="en-US" altLang="zh-CN" dirty="0"/>
-              <a:t>Data</a:t>
-            </a:r>
-            <a:r>
-              <a:rPr lang="zh-CN" altLang="en-US" dirty="0"/>
-              <a:t>生成</a:t>
-            </a:r>
-            <a:r>
-              <a:rPr lang="en-US" altLang="zh-CN" dirty="0"/>
-              <a:t>Value</a:t>
-            </a:r>
-            <a:r>
-              <a:rPr lang="zh-CN" altLang="en-US" dirty="0"/>
-              <a:t>，检验实际数据的约束</a:t>
-            </a:r>
-            <a:endParaRPr lang="en-US" altLang="zh-CN" dirty="0"/>
-          </a:p>
-          <a:p>
-            <a:endParaRPr lang="en-US" altLang="zh-CN" dirty="0"/>
-          </a:p>
-          <a:p>
-            <a:endParaRPr lang="en-US" altLang="zh-CN" dirty="0"/>
-          </a:p>
-          <a:p>
-            <a:r>
-              <a:rPr lang="zh-CN" altLang="en-US" dirty="0"/>
-              <a:t>根据</a:t>
-            </a:r>
-            <a:r>
-              <a:rPr lang="en-US" altLang="zh-CN" dirty="0" err="1"/>
-              <a:t>SubType</a:t>
-            </a:r>
-            <a:r>
-              <a:rPr lang="zh-CN" altLang="en-US" dirty="0"/>
-              <a:t>和</a:t>
-            </a:r>
-            <a:r>
-              <a:rPr lang="en-US" altLang="zh-CN" dirty="0"/>
-              <a:t>Value</a:t>
-            </a:r>
-            <a:r>
-              <a:rPr lang="zh-CN" altLang="en-US" dirty="0"/>
-              <a:t>生成各语言的代码和数据文件</a:t>
-            </a:r>
-            <a:endParaRPr lang="en-US" altLang="zh-CN" dirty="0"/>
-          </a:p>
-          <a:p>
-            <a:endParaRPr lang="zh-CN" altLang="en-US" dirty="0"/>
-          </a:p>
-        </p:txBody>
-      </p:sp>
+        </p:nvPicPr>
+        <p:blipFill>
+          <a:blip r:embed="rId2">
+            <a:extLst>
+              <a:ext uri="{28A0092B-C50C-407E-A947-70E740481C1C}">
+                <a14:useLocalDpi xmlns:a14="http://schemas.microsoft.com/office/drawing/2010/main" val="0"/>
+              </a:ext>
+            </a:extLst>
+          </a:blip>
+          <a:stretch>
+            <a:fillRect/>
+          </a:stretch>
+        </p:blipFill>
+        <p:spPr>
+          <a:xfrm>
+            <a:off x="122082" y="365125"/>
+            <a:ext cx="11947836" cy="5965469"/>
+          </a:xfrm>
+        </p:spPr>
+      </p:pic>
     </p:spTree>
     <p:extLst>
       <p:ext uri="{BB962C8B-B14F-4D97-AF65-F5344CB8AC3E}">
-        <p14:creationId xmlns:p14="http://schemas.microsoft.com/office/powerpoint/2010/main" val="559816761"/>
+        <p14:creationId xmlns:p14="http://schemas.microsoft.com/office/powerpoint/2010/main" val="2408010756"/>
       </p:ext>
     </p:extLst>
   </p:cSld>
@@ -11384,6 +11155,326 @@
           <p:cNvPr id="2" name="标题 1">
             <a:extLst>
               <a:ext uri="{FF2B5EF4-FFF2-40B4-BE49-F238E27FC236}">
+                <a16:creationId xmlns:a16="http://schemas.microsoft.com/office/drawing/2014/main" id="{B56DFC8C-77FA-42DB-BE04-CD763AC24EE3}"/>
+              </a:ext>
+            </a:extLst>
+          </p:cNvPr>
+          <p:cNvSpPr>
+            <a:spLocks noGrp="1"/>
+          </p:cNvSpPr>
+          <p:nvPr>
+            <p:ph type="title"/>
+          </p:nvPr>
+        </p:nvSpPr>
+        <p:spPr/>
+        <p:txBody>
+          <a:bodyPr/>
+          <a:lstStyle/>
+          <a:p>
+            <a:r>
+              <a:rPr lang="zh-CN" altLang="en-US" dirty="0"/>
+              <a:t>处理流程</a:t>
+            </a:r>
+          </a:p>
+        </p:txBody>
+      </p:sp>
+      <p:sp>
+        <p:nvSpPr>
+          <p:cNvPr id="3" name="内容占位符 2">
+            <a:extLst>
+              <a:ext uri="{FF2B5EF4-FFF2-40B4-BE49-F238E27FC236}">
+                <a16:creationId xmlns:a16="http://schemas.microsoft.com/office/drawing/2014/main" id="{8394BBCC-7343-4A5C-8CD1-CF115FDF43A3}"/>
+              </a:ext>
+            </a:extLst>
+          </p:cNvPr>
+          <p:cNvSpPr>
+            <a:spLocks noGrp="1"/>
+          </p:cNvSpPr>
+          <p:nvPr>
+            <p:ph idx="1"/>
+          </p:nvPr>
+        </p:nvSpPr>
+        <p:spPr/>
+        <p:txBody>
+          <a:bodyPr>
+            <a:normAutofit fontScale="70000" lnSpcReduction="20000"/>
+          </a:bodyPr>
+          <a:lstStyle/>
+          <a:p>
+            <a:r>
+              <a:rPr lang="zh-CN" altLang="en-US" dirty="0"/>
+              <a:t>读取</a:t>
+            </a:r>
+            <a:r>
+              <a:rPr lang="en-US" altLang="zh-CN" dirty="0"/>
+              <a:t>config.xml, csv</a:t>
+            </a:r>
+            <a:r>
+              <a:rPr lang="zh-CN" altLang="en-US" dirty="0"/>
+              <a:t>文件，生成</a:t>
+            </a:r>
+            <a:r>
+              <a:rPr lang="en-US" altLang="zh-CN" dirty="0" err="1"/>
+              <a:t>FullDefine</a:t>
+            </a:r>
+            <a:r>
+              <a:rPr lang="zh-CN" altLang="en-US" dirty="0"/>
+              <a:t>，</a:t>
+            </a:r>
+            <a:r>
+              <a:rPr lang="en-US" altLang="zh-CN" dirty="0" err="1"/>
+              <a:t>FullType</a:t>
+            </a:r>
+            <a:r>
+              <a:rPr lang="zh-CN" altLang="en-US" dirty="0"/>
+              <a:t>，</a:t>
+            </a:r>
+            <a:r>
+              <a:rPr lang="en-US" altLang="zh-CN" dirty="0"/>
+              <a:t>Data</a:t>
+            </a:r>
+            <a:r>
+              <a:rPr lang="zh-CN" altLang="en-US" dirty="0"/>
+              <a:t>。</a:t>
+            </a:r>
+            <a:endParaRPr lang="en-US" altLang="zh-CN" dirty="0"/>
+          </a:p>
+          <a:p>
+            <a:endParaRPr lang="en-US" altLang="zh-CN" dirty="0"/>
+          </a:p>
+          <a:p>
+            <a:pPr>
+              <a:lnSpc>
+                <a:spcPct val="120000"/>
+              </a:lnSpc>
+            </a:pPr>
+            <a:r>
+              <a:rPr lang="zh-CN" altLang="en-US" dirty="0"/>
+              <a:t>然后根据</a:t>
+            </a:r>
+            <a:r>
+              <a:rPr lang="en-US" altLang="zh-CN" dirty="0"/>
+              <a:t>Data, csv</a:t>
+            </a:r>
+            <a:r>
+              <a:rPr lang="zh-CN" altLang="en-US" dirty="0"/>
+              <a:t>前</a:t>
+            </a:r>
+            <a:r>
+              <a:rPr lang="en-US" altLang="zh-CN" dirty="0"/>
+              <a:t>2</a:t>
+            </a:r>
+            <a:r>
+              <a:rPr lang="zh-CN" altLang="en-US" dirty="0"/>
+              <a:t>行里的信息来自动完善</a:t>
+            </a:r>
+            <a:r>
+              <a:rPr lang="en-US" altLang="zh-CN" dirty="0" err="1"/>
+              <a:t>FullDefine</a:t>
+            </a:r>
+            <a:r>
+              <a:rPr lang="en-US" altLang="zh-CN" dirty="0"/>
+              <a:t> </a:t>
+            </a:r>
+            <a:r>
+              <a:rPr lang="zh-CN" altLang="en-US" dirty="0"/>
+              <a:t>，</a:t>
+            </a:r>
+            <a:r>
+              <a:rPr lang="en-US" altLang="zh-CN" dirty="0"/>
+              <a:t> </a:t>
+            </a:r>
+            <a:r>
+              <a:rPr lang="en-US" altLang="zh-CN" dirty="0" err="1"/>
+              <a:t>FullType</a:t>
+            </a:r>
+            <a:r>
+              <a:rPr lang="en-US" altLang="zh-CN" dirty="0"/>
+              <a:t> </a:t>
+            </a:r>
+            <a:r>
+              <a:rPr lang="zh-CN" altLang="en-US" dirty="0"/>
+              <a:t>（补充</a:t>
+            </a:r>
+            <a:r>
+              <a:rPr lang="en-US" altLang="zh-CN" dirty="0"/>
+              <a:t>column</a:t>
+            </a:r>
+            <a:r>
+              <a:rPr lang="zh-CN" altLang="en-US" dirty="0"/>
+              <a:t>，猜测</a:t>
+            </a:r>
+            <a:r>
+              <a:rPr lang="en-US" altLang="zh-CN" dirty="0"/>
+              <a:t>type</a:t>
+            </a:r>
+            <a:r>
+              <a:rPr lang="zh-CN" altLang="en-US" dirty="0"/>
+              <a:t>），之后保存完善后的</a:t>
+            </a:r>
+            <a:r>
+              <a:rPr lang="en-US" altLang="zh-CN" dirty="0"/>
+              <a:t>Define</a:t>
+            </a:r>
+            <a:r>
+              <a:rPr lang="zh-CN" altLang="en-US" dirty="0"/>
+              <a:t>到</a:t>
+            </a:r>
+            <a:r>
+              <a:rPr lang="en-US" altLang="zh-CN" dirty="0"/>
+              <a:t>config.xml</a:t>
+            </a:r>
+            <a:r>
+              <a:rPr lang="zh-CN" altLang="en-US" dirty="0"/>
+              <a:t>，同时让</a:t>
+            </a:r>
+            <a:r>
+              <a:rPr lang="en-US" altLang="zh-CN" dirty="0"/>
+              <a:t>Data</a:t>
+            </a:r>
+            <a:r>
+              <a:rPr lang="zh-CN" altLang="en-US" dirty="0"/>
+              <a:t>内含自己的</a:t>
+            </a:r>
+            <a:r>
+              <a:rPr lang="en-US" altLang="zh-CN" dirty="0" err="1"/>
+              <a:t>FullType</a:t>
+            </a:r>
+            <a:endParaRPr lang="en-US" altLang="zh-CN" dirty="0"/>
+          </a:p>
+          <a:p>
+            <a:endParaRPr lang="en-US" altLang="zh-CN" dirty="0"/>
+          </a:p>
+          <a:p>
+            <a:r>
+              <a:rPr lang="zh-CN" altLang="en-US" dirty="0"/>
+              <a:t>如有部分提取，根据</a:t>
+            </a:r>
+            <a:r>
+              <a:rPr lang="en-US" altLang="zh-CN" dirty="0"/>
+              <a:t>Full Define</a:t>
+            </a:r>
+            <a:r>
+              <a:rPr lang="zh-CN" altLang="en-US" dirty="0"/>
+              <a:t>和</a:t>
+            </a:r>
+            <a:r>
+              <a:rPr lang="en-US" altLang="zh-CN" dirty="0"/>
+              <a:t>own</a:t>
+            </a:r>
+            <a:r>
+              <a:rPr lang="zh-CN" altLang="en-US" dirty="0"/>
+              <a:t>生成提取后</a:t>
+            </a:r>
+            <a:r>
+              <a:rPr lang="en-US" altLang="zh-CN" dirty="0" err="1"/>
+              <a:t>SubType</a:t>
+            </a:r>
+            <a:endParaRPr lang="en-US" altLang="zh-CN" dirty="0"/>
+          </a:p>
+          <a:p>
+            <a:endParaRPr lang="en-US" altLang="zh-CN" dirty="0"/>
+          </a:p>
+          <a:p>
+            <a:r>
+              <a:rPr lang="zh-CN" altLang="en-US" dirty="0"/>
+              <a:t>根据</a:t>
+            </a:r>
+            <a:r>
+              <a:rPr lang="en-US" altLang="zh-CN" dirty="0" err="1"/>
+              <a:t>SubType</a:t>
+            </a:r>
+            <a:r>
+              <a:rPr lang="zh-CN" altLang="en-US" dirty="0"/>
+              <a:t>和</a:t>
+            </a:r>
+            <a:r>
+              <a:rPr lang="en-US" altLang="zh-CN" dirty="0"/>
+              <a:t>Data</a:t>
+            </a:r>
+            <a:r>
+              <a:rPr lang="zh-CN" altLang="en-US" dirty="0"/>
+              <a:t>生成</a:t>
+            </a:r>
+            <a:r>
+              <a:rPr lang="en-US" altLang="zh-CN" dirty="0"/>
+              <a:t>Value</a:t>
+            </a:r>
+            <a:r>
+              <a:rPr lang="zh-CN" altLang="en-US" dirty="0"/>
+              <a:t>，检验实际数据的约束</a:t>
+            </a:r>
+            <a:endParaRPr lang="en-US" altLang="zh-CN" dirty="0"/>
+          </a:p>
+          <a:p>
+            <a:endParaRPr lang="en-US" altLang="zh-CN" dirty="0"/>
+          </a:p>
+          <a:p>
+            <a:endParaRPr lang="en-US" altLang="zh-CN" dirty="0"/>
+          </a:p>
+          <a:p>
+            <a:r>
+              <a:rPr lang="zh-CN" altLang="en-US" dirty="0"/>
+              <a:t>根据</a:t>
+            </a:r>
+            <a:r>
+              <a:rPr lang="en-US" altLang="zh-CN" dirty="0" err="1"/>
+              <a:t>SubType</a:t>
+            </a:r>
+            <a:r>
+              <a:rPr lang="zh-CN" altLang="en-US" dirty="0"/>
+              <a:t>和</a:t>
+            </a:r>
+            <a:r>
+              <a:rPr lang="en-US" altLang="zh-CN" dirty="0"/>
+              <a:t>Value</a:t>
+            </a:r>
+            <a:r>
+              <a:rPr lang="zh-CN" altLang="en-US" dirty="0"/>
+              <a:t>生成各语言的代码和数据文件</a:t>
+            </a:r>
+            <a:endParaRPr lang="en-US" altLang="zh-CN" dirty="0"/>
+          </a:p>
+          <a:p>
+            <a:endParaRPr lang="zh-CN" altLang="en-US" dirty="0"/>
+          </a:p>
+        </p:txBody>
+      </p:sp>
+    </p:spTree>
+    <p:extLst>
+      <p:ext uri="{BB962C8B-B14F-4D97-AF65-F5344CB8AC3E}">
+        <p14:creationId xmlns:p14="http://schemas.microsoft.com/office/powerpoint/2010/main" val="559816761"/>
+      </p:ext>
+    </p:extLst>
+  </p:cSld>
+  <p:clrMapOvr>
+    <a:masterClrMapping/>
+  </p:clrMapOvr>
+</p:sld>
+</file>
+
+<file path=ppt/slides/slide45.xml><?xml version="1.0" encoding="utf-8"?>
+<p:sld xmlns:a="http://schemas.openxmlformats.org/drawingml/2006/main" xmlns:r="http://schemas.openxmlformats.org/officeDocument/2006/relationships" xmlns:p="http://schemas.openxmlformats.org/presentationml/2006/main">
+  <p:cSld>
+    <p:spTree>
+      <p:nvGrpSpPr>
+        <p:cNvPr id="1" name=""/>
+        <p:cNvGrpSpPr/>
+        <p:nvPr/>
+      </p:nvGrpSpPr>
+      <p:grpSpPr>
+        <a:xfrm>
+          <a:off x="0" y="0"/>
+          <a:ext cx="0" cy="0"/>
+          <a:chOff x="0" y="0"/>
+          <a:chExt cx="0" cy="0"/>
+        </a:xfrm>
+      </p:grpSpPr>
+      <p:sp>
+        <p:nvSpPr>
+          <p:cNvPr id="2" name="标题 1">
+            <a:extLst>
+              <a:ext uri="{FF2B5EF4-FFF2-40B4-BE49-F238E27FC236}">
                 <a16:creationId xmlns:a16="http://schemas.microsoft.com/office/drawing/2014/main" id="{BD27CFA5-0945-4FE3-BBC8-232677B75DD6}"/>
               </a:ext>
             </a:extLst>
@@ -11531,19 +11622,31 @@
             </a:r>
             <a:r>
               <a:rPr lang="zh-CN" altLang="en-US" dirty="0"/>
-              <a:t>，但不支持生成</a:t>
+              <a:t>，用于辅助开发</a:t>
+            </a:r>
+            <a:r>
+              <a:rPr lang="en-US" altLang="zh-CN" dirty="0"/>
+              <a:t>unity</a:t>
+            </a:r>
+            <a:r>
+              <a:rPr lang="zh-CN" altLang="en-US" dirty="0"/>
+              <a:t>工具（技能编辑器）</a:t>
+            </a:r>
+            <a:endParaRPr lang="en-US" altLang="zh-CN" dirty="0"/>
+          </a:p>
+          <a:p>
+            <a:pPr lvl="1"/>
+            <a:r>
+              <a:rPr lang="zh-CN" altLang="en-US" dirty="0"/>
+              <a:t>但不支持生成</a:t>
             </a:r>
             <a:r>
               <a:rPr lang="en-US" altLang="zh-CN" dirty="0" err="1"/>
               <a:t>c++</a:t>
             </a:r>
-            <a:endParaRPr lang="en-US" altLang="zh-CN" dirty="0"/>
-          </a:p>
-          <a:p>
-            <a:pPr lvl="1"/>
-            <a:r>
-              <a:rPr lang="zh-CN" altLang="en-US" dirty="0"/>
-              <a:t>求贡献</a:t>
+            <a:r>
+              <a:rPr lang="zh-CN" altLang="en-US" dirty="0"/>
+              <a:t>，求贡献</a:t>
             </a:r>
             <a:endParaRPr lang="en-US" altLang="zh-CN" dirty="0"/>
           </a:p>
@@ -11566,7 +11669,7 @@
 </p:sld>
 </file>
 
-<file path=ppt/slides/slide45.xml><?xml version="1.0" encoding="utf-8"?>
+<file path=ppt/slides/slide46.xml><?xml version="1.0" encoding="utf-8"?>
 <p:sld xmlns:a="http://schemas.openxmlformats.org/drawingml/2006/main" xmlns:r="http://schemas.openxmlformats.org/officeDocument/2006/relationships" xmlns:p="http://schemas.openxmlformats.org/presentationml/2006/main">
   <p:cSld>
     <p:spTree>

--- a/docs/策划配置系统.pptx
+++ b/docs/策划配置系统.pptx
@@ -5,7 +5,7 @@
     <p:sldMasterId id="2147483648" r:id="rId1"/>
   </p:sldMasterIdLst>
   <p:notesMasterIdLst>
-    <p:notesMasterId r:id="rId48"/>
+    <p:notesMasterId r:id="rId49"/>
   </p:notesMasterIdLst>
   <p:sldIdLst>
     <p:sldId id="256" r:id="rId2"/>
@@ -22,38 +22,39 @@
     <p:sldId id="315" r:id="rId13"/>
     <p:sldId id="270" r:id="rId14"/>
     <p:sldId id="271" r:id="rId15"/>
-    <p:sldId id="272" r:id="rId16"/>
-    <p:sldId id="273" r:id="rId17"/>
-    <p:sldId id="274" r:id="rId18"/>
-    <p:sldId id="275" r:id="rId19"/>
-    <p:sldId id="293" r:id="rId20"/>
-    <p:sldId id="291" r:id="rId21"/>
-    <p:sldId id="276" r:id="rId22"/>
-    <p:sldId id="310" r:id="rId23"/>
-    <p:sldId id="311" r:id="rId24"/>
-    <p:sldId id="309" r:id="rId25"/>
-    <p:sldId id="277" r:id="rId26"/>
-    <p:sldId id="294" r:id="rId27"/>
-    <p:sldId id="305" r:id="rId28"/>
-    <p:sldId id="306" r:id="rId29"/>
-    <p:sldId id="278" r:id="rId30"/>
-    <p:sldId id="281" r:id="rId31"/>
-    <p:sldId id="279" r:id="rId32"/>
-    <p:sldId id="290" r:id="rId33"/>
-    <p:sldId id="307" r:id="rId34"/>
-    <p:sldId id="308" r:id="rId35"/>
-    <p:sldId id="295" r:id="rId36"/>
-    <p:sldId id="296" r:id="rId37"/>
-    <p:sldId id="297" r:id="rId38"/>
-    <p:sldId id="282" r:id="rId39"/>
-    <p:sldId id="298" r:id="rId40"/>
-    <p:sldId id="299" r:id="rId41"/>
-    <p:sldId id="300" r:id="rId42"/>
-    <p:sldId id="302" r:id="rId43"/>
-    <p:sldId id="316" r:id="rId44"/>
-    <p:sldId id="303" r:id="rId45"/>
-    <p:sldId id="304" r:id="rId46"/>
-    <p:sldId id="301" r:id="rId47"/>
+    <p:sldId id="317" r:id="rId16"/>
+    <p:sldId id="272" r:id="rId17"/>
+    <p:sldId id="273" r:id="rId18"/>
+    <p:sldId id="274" r:id="rId19"/>
+    <p:sldId id="275" r:id="rId20"/>
+    <p:sldId id="293" r:id="rId21"/>
+    <p:sldId id="291" r:id="rId22"/>
+    <p:sldId id="276" r:id="rId23"/>
+    <p:sldId id="310" r:id="rId24"/>
+    <p:sldId id="311" r:id="rId25"/>
+    <p:sldId id="309" r:id="rId26"/>
+    <p:sldId id="277" r:id="rId27"/>
+    <p:sldId id="294" r:id="rId28"/>
+    <p:sldId id="305" r:id="rId29"/>
+    <p:sldId id="306" r:id="rId30"/>
+    <p:sldId id="278" r:id="rId31"/>
+    <p:sldId id="281" r:id="rId32"/>
+    <p:sldId id="279" r:id="rId33"/>
+    <p:sldId id="290" r:id="rId34"/>
+    <p:sldId id="307" r:id="rId35"/>
+    <p:sldId id="308" r:id="rId36"/>
+    <p:sldId id="295" r:id="rId37"/>
+    <p:sldId id="296" r:id="rId38"/>
+    <p:sldId id="297" r:id="rId39"/>
+    <p:sldId id="282" r:id="rId40"/>
+    <p:sldId id="298" r:id="rId41"/>
+    <p:sldId id="299" r:id="rId42"/>
+    <p:sldId id="300" r:id="rId43"/>
+    <p:sldId id="302" r:id="rId44"/>
+    <p:sldId id="316" r:id="rId45"/>
+    <p:sldId id="303" r:id="rId46"/>
+    <p:sldId id="304" r:id="rId47"/>
+    <p:sldId id="301" r:id="rId48"/>
   </p:sldIdLst>
   <p:sldSz cx="12192000" cy="6858000"/>
   <p:notesSz cx="6858000" cy="9144000"/>
@@ -242,7 +243,7 @@
           <a:p>
             <a:fld id="{6EAC5273-D546-4593-AB73-B44386829A74}" type="datetimeFigureOut">
               <a:rPr lang="zh-CN" altLang="en-US" smtClean="0"/>
-              <a:t>2021/1/14</a:t>
+              <a:t>2022/1/27</a:t>
             </a:fld>
             <a:endParaRPr lang="zh-CN" altLang="en-US"/>
           </a:p>
@@ -722,7 +723,7 @@
           <a:p>
             <a:fld id="{DFDF1F5D-0294-482C-B1CF-3711577E50B4}" type="datetimeFigureOut">
               <a:rPr lang="zh-CN" altLang="en-US" smtClean="0"/>
-              <a:t>2021/1/14</a:t>
+              <a:t>2022/1/27</a:t>
             </a:fld>
             <a:endParaRPr lang="zh-CN" altLang="en-US"/>
           </a:p>
@@ -890,7 +891,7 @@
           <a:p>
             <a:fld id="{DFDF1F5D-0294-482C-B1CF-3711577E50B4}" type="datetimeFigureOut">
               <a:rPr lang="zh-CN" altLang="en-US" smtClean="0"/>
-              <a:t>2021/1/14</a:t>
+              <a:t>2022/1/27</a:t>
             </a:fld>
             <a:endParaRPr lang="zh-CN" altLang="en-US"/>
           </a:p>
@@ -1068,7 +1069,7 @@
           <a:p>
             <a:fld id="{DFDF1F5D-0294-482C-B1CF-3711577E50B4}" type="datetimeFigureOut">
               <a:rPr lang="zh-CN" altLang="en-US" smtClean="0"/>
-              <a:t>2021/1/14</a:t>
+              <a:t>2022/1/27</a:t>
             </a:fld>
             <a:endParaRPr lang="zh-CN" altLang="en-US"/>
           </a:p>
@@ -1236,7 +1237,7 @@
           <a:p>
             <a:fld id="{DFDF1F5D-0294-482C-B1CF-3711577E50B4}" type="datetimeFigureOut">
               <a:rPr lang="zh-CN" altLang="en-US" smtClean="0"/>
-              <a:t>2021/1/14</a:t>
+              <a:t>2022/1/27</a:t>
             </a:fld>
             <a:endParaRPr lang="zh-CN" altLang="en-US"/>
           </a:p>
@@ -1481,7 +1482,7 @@
           <a:p>
             <a:fld id="{DFDF1F5D-0294-482C-B1CF-3711577E50B4}" type="datetimeFigureOut">
               <a:rPr lang="zh-CN" altLang="en-US" smtClean="0"/>
-              <a:t>2021/1/14</a:t>
+              <a:t>2022/1/27</a:t>
             </a:fld>
             <a:endParaRPr lang="zh-CN" altLang="en-US"/>
           </a:p>
@@ -1710,7 +1711,7 @@
           <a:p>
             <a:fld id="{DFDF1F5D-0294-482C-B1CF-3711577E50B4}" type="datetimeFigureOut">
               <a:rPr lang="zh-CN" altLang="en-US" smtClean="0"/>
-              <a:t>2021/1/14</a:t>
+              <a:t>2022/1/27</a:t>
             </a:fld>
             <a:endParaRPr lang="zh-CN" altLang="en-US"/>
           </a:p>
@@ -2074,7 +2075,7 @@
           <a:p>
             <a:fld id="{DFDF1F5D-0294-482C-B1CF-3711577E50B4}" type="datetimeFigureOut">
               <a:rPr lang="zh-CN" altLang="en-US" smtClean="0"/>
-              <a:t>2021/1/14</a:t>
+              <a:t>2022/1/27</a:t>
             </a:fld>
             <a:endParaRPr lang="zh-CN" altLang="en-US"/>
           </a:p>
@@ -2191,7 +2192,7 @@
           <a:p>
             <a:fld id="{DFDF1F5D-0294-482C-B1CF-3711577E50B4}" type="datetimeFigureOut">
               <a:rPr lang="zh-CN" altLang="en-US" smtClean="0"/>
-              <a:t>2021/1/14</a:t>
+              <a:t>2022/1/27</a:t>
             </a:fld>
             <a:endParaRPr lang="zh-CN" altLang="en-US"/>
           </a:p>
@@ -2286,7 +2287,7 @@
           <a:p>
             <a:fld id="{DFDF1F5D-0294-482C-B1CF-3711577E50B4}" type="datetimeFigureOut">
               <a:rPr lang="zh-CN" altLang="en-US" smtClean="0"/>
-              <a:t>2021/1/14</a:t>
+              <a:t>2022/1/27</a:t>
             </a:fld>
             <a:endParaRPr lang="zh-CN" altLang="en-US"/>
           </a:p>
@@ -2561,7 +2562,7 @@
           <a:p>
             <a:fld id="{DFDF1F5D-0294-482C-B1CF-3711577E50B4}" type="datetimeFigureOut">
               <a:rPr lang="zh-CN" altLang="en-US" smtClean="0"/>
-              <a:t>2021/1/14</a:t>
+              <a:t>2022/1/27</a:t>
             </a:fld>
             <a:endParaRPr lang="zh-CN" altLang="en-US"/>
           </a:p>
@@ -2813,7 +2814,7 @@
           <a:p>
             <a:fld id="{DFDF1F5D-0294-482C-B1CF-3711577E50B4}" type="datetimeFigureOut">
               <a:rPr lang="zh-CN" altLang="en-US" smtClean="0"/>
-              <a:t>2021/1/14</a:t>
+              <a:t>2022/1/27</a:t>
             </a:fld>
             <a:endParaRPr lang="zh-CN" altLang="en-US"/>
           </a:p>
@@ -3024,7 +3025,7 @@
           <a:p>
             <a:fld id="{DFDF1F5D-0294-482C-B1CF-3711577E50B4}" type="datetimeFigureOut">
               <a:rPr lang="zh-CN" altLang="en-US" smtClean="0"/>
-              <a:t>2021/1/14</a:t>
+              <a:t>2022/1/27</a:t>
             </a:fld>
             <a:endParaRPr lang="zh-CN" altLang="en-US"/>
           </a:p>
@@ -4187,6 +4188,147 @@
       </p:grpSpPr>
       <p:sp>
         <p:nvSpPr>
+          <p:cNvPr id="2" name="标题 1">
+            <a:extLst>
+              <a:ext uri="{FF2B5EF4-FFF2-40B4-BE49-F238E27FC236}">
+                <a16:creationId xmlns:a16="http://schemas.microsoft.com/office/drawing/2014/main" id="{E8B37FA0-4761-4F3D-A862-584552FCE6A9}"/>
+              </a:ext>
+            </a:extLst>
+          </p:cNvPr>
+          <p:cNvSpPr>
+            <a:spLocks noGrp="1"/>
+          </p:cNvSpPr>
+          <p:nvPr>
+            <p:ph type="title"/>
+          </p:nvPr>
+        </p:nvSpPr>
+        <p:spPr/>
+        <p:txBody>
+          <a:bodyPr/>
+          <a:lstStyle/>
+          <a:p>
+            <a:r>
+              <a:rPr lang="en-US" altLang="zh-CN"/>
+              <a:t>1.1</a:t>
+            </a:r>
+            <a:r>
+              <a:rPr lang="zh-CN" altLang="en-US"/>
+              <a:t>：</a:t>
+            </a:r>
+            <a:r>
+              <a:rPr lang="en-US" altLang="zh-CN"/>
+              <a:t>list,map</a:t>
+            </a:r>
+            <a:r>
+              <a:rPr lang="zh-CN" altLang="en-US"/>
+              <a:t>支持块模式</a:t>
+            </a:r>
+          </a:p>
+        </p:txBody>
+      </p:sp>
+      <p:pic>
+        <p:nvPicPr>
+          <p:cNvPr id="5" name="内容占位符 4">
+            <a:extLst>
+              <a:ext uri="{FF2B5EF4-FFF2-40B4-BE49-F238E27FC236}">
+                <a16:creationId xmlns:a16="http://schemas.microsoft.com/office/drawing/2014/main" id="{87AA5ECA-0123-4F9E-B7C2-23C21A07FE49}"/>
+              </a:ext>
+            </a:extLst>
+          </p:cNvPr>
+          <p:cNvPicPr>
+            <a:picLocks noGrp="1" noChangeAspect="1"/>
+          </p:cNvPicPr>
+          <p:nvPr>
+            <p:ph idx="1"/>
+          </p:nvPr>
+        </p:nvPicPr>
+        <p:blipFill>
+          <a:blip r:embed="rId2">
+            <a:extLst>
+              <a:ext uri="{28A0092B-C50C-407E-A947-70E740481C1C}">
+                <a14:useLocalDpi xmlns:a14="http://schemas.microsoft.com/office/drawing/2010/main" val="0"/>
+              </a:ext>
+            </a:extLst>
+          </a:blip>
+          <a:stretch>
+            <a:fillRect/>
+          </a:stretch>
+        </p:blipFill>
+        <p:spPr>
+          <a:xfrm>
+            <a:off x="1680384" y="2820764"/>
+            <a:ext cx="4610743" cy="171474"/>
+          </a:xfrm>
+        </p:spPr>
+      </p:pic>
+      <p:pic>
+        <p:nvPicPr>
+          <p:cNvPr id="7" name="图片 6">
+            <a:extLst>
+              <a:ext uri="{FF2B5EF4-FFF2-40B4-BE49-F238E27FC236}">
+                <a16:creationId xmlns:a16="http://schemas.microsoft.com/office/drawing/2014/main" id="{D25F9E3B-9AC8-4D0D-93BE-78F3D6D106D5}"/>
+              </a:ext>
+            </a:extLst>
+          </p:cNvPr>
+          <p:cNvPicPr>
+            <a:picLocks noChangeAspect="1"/>
+          </p:cNvPicPr>
+          <p:nvPr/>
+        </p:nvPicPr>
+        <p:blipFill>
+          <a:blip r:embed="rId3">
+            <a:extLst>
+              <a:ext uri="{28A0092B-C50C-407E-A947-70E740481C1C}">
+                <a14:useLocalDpi xmlns:a14="http://schemas.microsoft.com/office/drawing/2010/main" val="0"/>
+              </a:ext>
+            </a:extLst>
+          </a:blip>
+          <a:stretch>
+            <a:fillRect/>
+          </a:stretch>
+        </p:blipFill>
+        <p:spPr>
+          <a:xfrm>
+            <a:off x="1680384" y="3429000"/>
+            <a:ext cx="5248275" cy="1457325"/>
+          </a:xfrm>
+          <a:prstGeom prst="rect">
+            <a:avLst/>
+          </a:prstGeom>
+        </p:spPr>
+      </p:pic>
+    </p:spTree>
+    <p:extLst>
+      <p:ext uri="{BB962C8B-B14F-4D97-AF65-F5344CB8AC3E}">
+        <p14:creationId xmlns:p14="http://schemas.microsoft.com/office/powerpoint/2010/main" val="3508354148"/>
+      </p:ext>
+    </p:extLst>
+  </p:cSld>
+  <p:clrMapOvr>
+    <a:masterClrMapping/>
+  </p:clrMapOvr>
+</p:sld>
+</file>
+
+<file path=ppt/slides/slide16.xml><?xml version="1.0" encoding="utf-8"?>
+<p:sld xmlns:a="http://schemas.openxmlformats.org/drawingml/2006/main" xmlns:r="http://schemas.openxmlformats.org/officeDocument/2006/relationships" xmlns:p="http://schemas.openxmlformats.org/presentationml/2006/main">
+  <p:cSld>
+    <p:spTree>
+      <p:nvGrpSpPr>
+        <p:cNvPr id="1" name=""/>
+        <p:cNvGrpSpPr/>
+        <p:nvPr/>
+      </p:nvGrpSpPr>
+      <p:grpSpPr>
+        <a:xfrm>
+          <a:off x="0" y="0"/>
+          <a:ext cx="0" cy="0"/>
+          <a:chOff x="0" y="0"/>
+          <a:chExt cx="0" cy="0"/>
+        </a:xfrm>
+      </p:grpSpPr>
+      <p:sp>
+        <p:nvSpPr>
           <p:cNvPr id="2" name="标题 1"/>
           <p:cNvSpPr>
             <a:spLocks noGrp="1"/>
@@ -4392,7 +4534,7 @@
 </p:sld>
 </file>
 
-<file path=ppt/slides/slide16.xml><?xml version="1.0" encoding="utf-8"?>
+<file path=ppt/slides/slide17.xml><?xml version="1.0" encoding="utf-8"?>
 <p:sld xmlns:a="http://schemas.openxmlformats.org/drawingml/2006/main" xmlns:r="http://schemas.openxmlformats.org/officeDocument/2006/relationships" xmlns:p="http://schemas.openxmlformats.org/presentationml/2006/main">
   <p:cSld>
     <p:spTree>
@@ -4559,7 +4701,7 @@
 </p:sld>
 </file>
 
-<file path=ppt/slides/slide17.xml><?xml version="1.0" encoding="utf-8"?>
+<file path=ppt/slides/slide18.xml><?xml version="1.0" encoding="utf-8"?>
 <p:sld xmlns:a="http://schemas.openxmlformats.org/drawingml/2006/main" xmlns:r="http://schemas.openxmlformats.org/officeDocument/2006/relationships" xmlns:p="http://schemas.openxmlformats.org/presentationml/2006/main">
   <p:cSld>
     <p:spTree>
@@ -4758,7 +4900,7 @@
 </p:sld>
 </file>
 
-<file path=ppt/slides/slide18.xml><?xml version="1.0" encoding="utf-8"?>
+<file path=ppt/slides/slide19.xml><?xml version="1.0" encoding="utf-8"?>
 <p:sld xmlns:a="http://schemas.openxmlformats.org/drawingml/2006/main" xmlns:r="http://schemas.openxmlformats.org/officeDocument/2006/relationships" xmlns:p="http://schemas.openxmlformats.org/presentationml/2006/main">
   <p:cSld>
     <p:spTree>
@@ -4892,179 +5034,6 @@
     <p:extLst>
       <p:ext uri="{BB962C8B-B14F-4D97-AF65-F5344CB8AC3E}">
         <p14:creationId xmlns:p14="http://schemas.microsoft.com/office/powerpoint/2010/main" val="2493862613"/>
-      </p:ext>
-    </p:extLst>
-  </p:cSld>
-  <p:clrMapOvr>
-    <a:masterClrMapping/>
-  </p:clrMapOvr>
-</p:sld>
-</file>
-
-<file path=ppt/slides/slide19.xml><?xml version="1.0" encoding="utf-8"?>
-<p:sld xmlns:a="http://schemas.openxmlformats.org/drawingml/2006/main" xmlns:r="http://schemas.openxmlformats.org/officeDocument/2006/relationships" xmlns:p="http://schemas.openxmlformats.org/presentationml/2006/main">
-  <p:cSld>
-    <p:spTree>
-      <p:nvGrpSpPr>
-        <p:cNvPr id="1" name=""/>
-        <p:cNvGrpSpPr/>
-        <p:nvPr/>
-      </p:nvGrpSpPr>
-      <p:grpSpPr>
-        <a:xfrm>
-          <a:off x="0" y="0"/>
-          <a:ext cx="0" cy="0"/>
-          <a:chOff x="0" y="0"/>
-          <a:chExt cx="0" cy="0"/>
-        </a:xfrm>
-      </p:grpSpPr>
-      <p:sp>
-        <p:nvSpPr>
-          <p:cNvPr id="2" name="标题 1">
-            <a:extLst>
-              <a:ext uri="{FF2B5EF4-FFF2-40B4-BE49-F238E27FC236}">
-                <a16:creationId xmlns:a16="http://schemas.microsoft.com/office/drawing/2014/main" id="{66AAE1F7-479C-41DF-B38F-059A4773D811}"/>
-              </a:ext>
-            </a:extLst>
-          </p:cNvPr>
-          <p:cNvSpPr>
-            <a:spLocks noGrp="1"/>
-          </p:cNvSpPr>
-          <p:nvPr>
-            <p:ph type="title"/>
-          </p:nvPr>
-        </p:nvSpPr>
-        <p:spPr/>
-        <p:txBody>
-          <a:bodyPr/>
-          <a:lstStyle/>
-          <a:p>
-            <a:r>
-              <a:rPr lang="zh-CN" altLang="en-US" dirty="0"/>
-              <a:t>武林的</a:t>
-            </a:r>
-            <a:r>
-              <a:rPr lang="en-US" altLang="zh-CN" dirty="0"/>
-              <a:t>Bean</a:t>
-            </a:r>
-            <a:endParaRPr lang="zh-CN" altLang="en-US" dirty="0"/>
-          </a:p>
-        </p:txBody>
-      </p:sp>
-      <p:pic>
-        <p:nvPicPr>
-          <p:cNvPr id="14" name="内容占位符 13">
-            <a:extLst>
-              <a:ext uri="{FF2B5EF4-FFF2-40B4-BE49-F238E27FC236}">
-                <a16:creationId xmlns:a16="http://schemas.microsoft.com/office/drawing/2014/main" id="{5507E4D6-D807-4A87-853D-68CCB401FA0E}"/>
-              </a:ext>
-            </a:extLst>
-          </p:cNvPr>
-          <p:cNvPicPr>
-            <a:picLocks noGrp="1" noChangeAspect="1"/>
-          </p:cNvPicPr>
-          <p:nvPr>
-            <p:ph idx="1"/>
-          </p:nvPr>
-        </p:nvPicPr>
-        <p:blipFill>
-          <a:blip r:embed="rId2">
-            <a:extLst>
-              <a:ext uri="{28A0092B-C50C-407E-A947-70E740481C1C}">
-                <a14:useLocalDpi xmlns:a14="http://schemas.microsoft.com/office/drawing/2010/main" val="0"/>
-              </a:ext>
-            </a:extLst>
-          </a:blip>
-          <a:stretch>
-            <a:fillRect/>
-          </a:stretch>
-        </p:blipFill>
-        <p:spPr>
-          <a:xfrm>
-            <a:off x="4156363" y="127468"/>
-            <a:ext cx="6447764" cy="6587367"/>
-          </a:xfrm>
-        </p:spPr>
-      </p:pic>
-      <p:sp>
-        <p:nvSpPr>
-          <p:cNvPr id="15" name="文本框 14">
-            <a:extLst>
-              <a:ext uri="{FF2B5EF4-FFF2-40B4-BE49-F238E27FC236}">
-                <a16:creationId xmlns:a16="http://schemas.microsoft.com/office/drawing/2014/main" id="{EA49EF54-7A42-49F2-8394-8118E415CEE5}"/>
-              </a:ext>
-            </a:extLst>
-          </p:cNvPr>
-          <p:cNvSpPr txBox="1"/>
-          <p:nvPr/>
-        </p:nvSpPr>
-        <p:spPr>
-          <a:xfrm>
-            <a:off x="838200" y="2161308"/>
-            <a:ext cx="2911764" cy="1477328"/>
-          </a:xfrm>
-          <a:prstGeom prst="rect">
-            <a:avLst/>
-          </a:prstGeom>
-          <a:noFill/>
-        </p:spPr>
-        <p:txBody>
-          <a:bodyPr wrap="square" rtlCol="0">
-            <a:spAutoFit/>
-          </a:bodyPr>
-          <a:lstStyle/>
-          <a:p>
-            <a:pPr marL="285750" indent="-285750">
-              <a:buFont typeface="Arial" panose="020B0604020202020204" pitchFamily="34" charset="0"/>
-              <a:buChar char="•"/>
-            </a:pPr>
-            <a:r>
-              <a:rPr lang="zh-CN" altLang="en-US" dirty="0"/>
-              <a:t>概念上有个合理的分层</a:t>
-            </a:r>
-            <a:endParaRPr lang="en-US" altLang="zh-CN" dirty="0"/>
-          </a:p>
-          <a:p>
-            <a:pPr marL="285750" indent="-285750">
-              <a:buFont typeface="Arial" panose="020B0604020202020204" pitchFamily="34" charset="0"/>
-              <a:buChar char="•"/>
-            </a:pPr>
-            <a:endParaRPr lang="en-US" altLang="zh-CN" dirty="0"/>
-          </a:p>
-          <a:p>
-            <a:pPr marL="285750" indent="-285750">
-              <a:buFont typeface="Arial" panose="020B0604020202020204" pitchFamily="34" charset="0"/>
-              <a:buChar char="•"/>
-            </a:pPr>
-            <a:r>
-              <a:rPr lang="zh-CN" altLang="en-US" dirty="0"/>
-              <a:t>增加了跨表的一致性</a:t>
-            </a:r>
-            <a:endParaRPr lang="en-US" altLang="zh-CN" dirty="0"/>
-          </a:p>
-          <a:p>
-            <a:pPr marL="285750" indent="-285750">
-              <a:buFont typeface="Arial" panose="020B0604020202020204" pitchFamily="34" charset="0"/>
-              <a:buChar char="•"/>
-            </a:pPr>
-            <a:endParaRPr lang="en-US" altLang="zh-CN" dirty="0"/>
-          </a:p>
-          <a:p>
-            <a:pPr marL="285750" indent="-285750">
-              <a:buFont typeface="Arial" panose="020B0604020202020204" pitchFamily="34" charset="0"/>
-              <a:buChar char="•"/>
-            </a:pPr>
-            <a:r>
-              <a:rPr lang="zh-CN" altLang="en-US" dirty="0"/>
-              <a:t>方便程序统一处理</a:t>
-            </a:r>
-          </a:p>
-        </p:txBody>
-      </p:sp>
-    </p:spTree>
-    <p:extLst>
-      <p:ext uri="{BB962C8B-B14F-4D97-AF65-F5344CB8AC3E}">
-        <p14:creationId xmlns:p14="http://schemas.microsoft.com/office/powerpoint/2010/main" val="3127968871"/>
       </p:ext>
     </p:extLst>
   </p:cSld>
@@ -5303,6 +5272,179 @@
           <p:cNvPr id="2" name="标题 1">
             <a:extLst>
               <a:ext uri="{FF2B5EF4-FFF2-40B4-BE49-F238E27FC236}">
+                <a16:creationId xmlns:a16="http://schemas.microsoft.com/office/drawing/2014/main" id="{66AAE1F7-479C-41DF-B38F-059A4773D811}"/>
+              </a:ext>
+            </a:extLst>
+          </p:cNvPr>
+          <p:cNvSpPr>
+            <a:spLocks noGrp="1"/>
+          </p:cNvSpPr>
+          <p:nvPr>
+            <p:ph type="title"/>
+          </p:nvPr>
+        </p:nvSpPr>
+        <p:spPr/>
+        <p:txBody>
+          <a:bodyPr/>
+          <a:lstStyle/>
+          <a:p>
+            <a:r>
+              <a:rPr lang="zh-CN" altLang="en-US" dirty="0"/>
+              <a:t>武林的</a:t>
+            </a:r>
+            <a:r>
+              <a:rPr lang="en-US" altLang="zh-CN" dirty="0"/>
+              <a:t>Bean</a:t>
+            </a:r>
+            <a:endParaRPr lang="zh-CN" altLang="en-US" dirty="0"/>
+          </a:p>
+        </p:txBody>
+      </p:sp>
+      <p:pic>
+        <p:nvPicPr>
+          <p:cNvPr id="14" name="内容占位符 13">
+            <a:extLst>
+              <a:ext uri="{FF2B5EF4-FFF2-40B4-BE49-F238E27FC236}">
+                <a16:creationId xmlns:a16="http://schemas.microsoft.com/office/drawing/2014/main" id="{5507E4D6-D807-4A87-853D-68CCB401FA0E}"/>
+              </a:ext>
+            </a:extLst>
+          </p:cNvPr>
+          <p:cNvPicPr>
+            <a:picLocks noGrp="1" noChangeAspect="1"/>
+          </p:cNvPicPr>
+          <p:nvPr>
+            <p:ph idx="1"/>
+          </p:nvPr>
+        </p:nvPicPr>
+        <p:blipFill>
+          <a:blip r:embed="rId2">
+            <a:extLst>
+              <a:ext uri="{28A0092B-C50C-407E-A947-70E740481C1C}">
+                <a14:useLocalDpi xmlns:a14="http://schemas.microsoft.com/office/drawing/2010/main" val="0"/>
+              </a:ext>
+            </a:extLst>
+          </a:blip>
+          <a:stretch>
+            <a:fillRect/>
+          </a:stretch>
+        </p:blipFill>
+        <p:spPr>
+          <a:xfrm>
+            <a:off x="4156363" y="127468"/>
+            <a:ext cx="6447764" cy="6587367"/>
+          </a:xfrm>
+        </p:spPr>
+      </p:pic>
+      <p:sp>
+        <p:nvSpPr>
+          <p:cNvPr id="15" name="文本框 14">
+            <a:extLst>
+              <a:ext uri="{FF2B5EF4-FFF2-40B4-BE49-F238E27FC236}">
+                <a16:creationId xmlns:a16="http://schemas.microsoft.com/office/drawing/2014/main" id="{EA49EF54-7A42-49F2-8394-8118E415CEE5}"/>
+              </a:ext>
+            </a:extLst>
+          </p:cNvPr>
+          <p:cNvSpPr txBox="1"/>
+          <p:nvPr/>
+        </p:nvSpPr>
+        <p:spPr>
+          <a:xfrm>
+            <a:off x="838200" y="2161308"/>
+            <a:ext cx="2911764" cy="1477328"/>
+          </a:xfrm>
+          <a:prstGeom prst="rect">
+            <a:avLst/>
+          </a:prstGeom>
+          <a:noFill/>
+        </p:spPr>
+        <p:txBody>
+          <a:bodyPr wrap="square" rtlCol="0">
+            <a:spAutoFit/>
+          </a:bodyPr>
+          <a:lstStyle/>
+          <a:p>
+            <a:pPr marL="285750" indent="-285750">
+              <a:buFont typeface="Arial" panose="020B0604020202020204" pitchFamily="34" charset="0"/>
+              <a:buChar char="•"/>
+            </a:pPr>
+            <a:r>
+              <a:rPr lang="zh-CN" altLang="en-US" dirty="0"/>
+              <a:t>概念上有个合理的分层</a:t>
+            </a:r>
+            <a:endParaRPr lang="en-US" altLang="zh-CN" dirty="0"/>
+          </a:p>
+          <a:p>
+            <a:pPr marL="285750" indent="-285750">
+              <a:buFont typeface="Arial" panose="020B0604020202020204" pitchFamily="34" charset="0"/>
+              <a:buChar char="•"/>
+            </a:pPr>
+            <a:endParaRPr lang="en-US" altLang="zh-CN" dirty="0"/>
+          </a:p>
+          <a:p>
+            <a:pPr marL="285750" indent="-285750">
+              <a:buFont typeface="Arial" panose="020B0604020202020204" pitchFamily="34" charset="0"/>
+              <a:buChar char="•"/>
+            </a:pPr>
+            <a:r>
+              <a:rPr lang="zh-CN" altLang="en-US" dirty="0"/>
+              <a:t>增加了跨表的一致性</a:t>
+            </a:r>
+            <a:endParaRPr lang="en-US" altLang="zh-CN" dirty="0"/>
+          </a:p>
+          <a:p>
+            <a:pPr marL="285750" indent="-285750">
+              <a:buFont typeface="Arial" panose="020B0604020202020204" pitchFamily="34" charset="0"/>
+              <a:buChar char="•"/>
+            </a:pPr>
+            <a:endParaRPr lang="en-US" altLang="zh-CN" dirty="0"/>
+          </a:p>
+          <a:p>
+            <a:pPr marL="285750" indent="-285750">
+              <a:buFont typeface="Arial" panose="020B0604020202020204" pitchFamily="34" charset="0"/>
+              <a:buChar char="•"/>
+            </a:pPr>
+            <a:r>
+              <a:rPr lang="zh-CN" altLang="en-US" dirty="0"/>
+              <a:t>方便程序统一处理</a:t>
+            </a:r>
+          </a:p>
+        </p:txBody>
+      </p:sp>
+    </p:spTree>
+    <p:extLst>
+      <p:ext uri="{BB962C8B-B14F-4D97-AF65-F5344CB8AC3E}">
+        <p14:creationId xmlns:p14="http://schemas.microsoft.com/office/powerpoint/2010/main" val="3127968871"/>
+      </p:ext>
+    </p:extLst>
+  </p:cSld>
+  <p:clrMapOvr>
+    <a:masterClrMapping/>
+  </p:clrMapOvr>
+</p:sld>
+</file>
+
+<file path=ppt/slides/slide21.xml><?xml version="1.0" encoding="utf-8"?>
+<p:sld xmlns:a="http://schemas.openxmlformats.org/drawingml/2006/main" xmlns:r="http://schemas.openxmlformats.org/officeDocument/2006/relationships" xmlns:p="http://schemas.openxmlformats.org/presentationml/2006/main">
+  <p:cSld>
+    <p:spTree>
+      <p:nvGrpSpPr>
+        <p:cNvPr id="1" name=""/>
+        <p:cNvGrpSpPr/>
+        <p:nvPr/>
+      </p:nvGrpSpPr>
+      <p:grpSpPr>
+        <a:xfrm>
+          <a:off x="0" y="0"/>
+          <a:ext cx="0" cy="0"/>
+          <a:chOff x="0" y="0"/>
+          <a:chExt cx="0" cy="0"/>
+        </a:xfrm>
+      </p:grpSpPr>
+      <p:sp>
+        <p:nvSpPr>
+          <p:cNvPr id="2" name="标题 1">
+            <a:extLst>
+              <a:ext uri="{FF2B5EF4-FFF2-40B4-BE49-F238E27FC236}">
                 <a16:creationId xmlns:a16="http://schemas.microsoft.com/office/drawing/2014/main" id="{F1376165-F574-401C-BE87-59E2C8037FBE}"/>
               </a:ext>
             </a:extLst>
@@ -5790,7 +5932,7 @@
 </p:sld>
 </file>
 
-<file path=ppt/slides/slide21.xml><?xml version="1.0" encoding="utf-8"?>
+<file path=ppt/slides/slide22.xml><?xml version="1.0" encoding="utf-8"?>
 <p:sld xmlns:a="http://schemas.openxmlformats.org/drawingml/2006/main" xmlns:r="http://schemas.openxmlformats.org/officeDocument/2006/relationships" xmlns:p="http://schemas.openxmlformats.org/presentationml/2006/main">
   <p:cSld>
     <p:spTree>
@@ -5937,7 +6079,7 @@
 </p:sld>
 </file>
 
-<file path=ppt/slides/slide22.xml><?xml version="1.0" encoding="utf-8"?>
+<file path=ppt/slides/slide23.xml><?xml version="1.0" encoding="utf-8"?>
 <p:sld xmlns:a="http://schemas.openxmlformats.org/drawingml/2006/main" xmlns:r="http://schemas.openxmlformats.org/officeDocument/2006/relationships" xmlns:p="http://schemas.openxmlformats.org/presentationml/2006/main">
   <p:cSld>
     <p:spTree>
@@ -6423,7 +6565,7 @@
 </p:sld>
 </file>
 
-<file path=ppt/slides/slide23.xml><?xml version="1.0" encoding="utf-8"?>
+<file path=ppt/slides/slide24.xml><?xml version="1.0" encoding="utf-8"?>
 <p:sld xmlns:a="http://schemas.openxmlformats.org/drawingml/2006/main" xmlns:r="http://schemas.openxmlformats.org/officeDocument/2006/relationships" xmlns:p="http://schemas.openxmlformats.org/presentationml/2006/main">
   <p:cSld>
     <p:spTree>
@@ -6632,7 +6774,7 @@
 </p:sld>
 </file>
 
-<file path=ppt/slides/slide24.xml><?xml version="1.0" encoding="utf-8"?>
+<file path=ppt/slides/slide25.xml><?xml version="1.0" encoding="utf-8"?>
 <p:sld xmlns:a="http://schemas.openxmlformats.org/drawingml/2006/main" xmlns:r="http://schemas.openxmlformats.org/officeDocument/2006/relationships" xmlns:p="http://schemas.openxmlformats.org/presentationml/2006/main">
   <p:cSld>
     <p:spTree>
@@ -7038,7 +7180,7 @@
 </p:sld>
 </file>
 
-<file path=ppt/slides/slide25.xml><?xml version="1.0" encoding="utf-8"?>
+<file path=ppt/slides/slide26.xml><?xml version="1.0" encoding="utf-8"?>
 <p:sld xmlns:a="http://schemas.openxmlformats.org/drawingml/2006/main" xmlns:r="http://schemas.openxmlformats.org/officeDocument/2006/relationships" xmlns:p="http://schemas.openxmlformats.org/presentationml/2006/main">
   <p:cSld>
     <p:spTree>
@@ -7262,99 +7404,6 @@
 </p:sld>
 </file>
 
-<file path=ppt/slides/slide26.xml><?xml version="1.0" encoding="utf-8"?>
-<p:sld xmlns:a="http://schemas.openxmlformats.org/drawingml/2006/main" xmlns:r="http://schemas.openxmlformats.org/officeDocument/2006/relationships" xmlns:p="http://schemas.openxmlformats.org/presentationml/2006/main">
-  <p:cSld>
-    <p:spTree>
-      <p:nvGrpSpPr>
-        <p:cNvPr id="1" name=""/>
-        <p:cNvGrpSpPr/>
-        <p:nvPr/>
-      </p:nvGrpSpPr>
-      <p:grpSpPr>
-        <a:xfrm>
-          <a:off x="0" y="0"/>
-          <a:ext cx="0" cy="0"/>
-          <a:chOff x="0" y="0"/>
-          <a:chExt cx="0" cy="0"/>
-        </a:xfrm>
-      </p:grpSpPr>
-      <p:sp>
-        <p:nvSpPr>
-          <p:cNvPr id="2" name="标题 1">
-            <a:extLst>
-              <a:ext uri="{FF2B5EF4-FFF2-40B4-BE49-F238E27FC236}">
-                <a16:creationId xmlns:a16="http://schemas.microsoft.com/office/drawing/2014/main" id="{39AD8E2E-888B-4D1E-82FF-A2DA25809C42}"/>
-              </a:ext>
-            </a:extLst>
-          </p:cNvPr>
-          <p:cNvSpPr>
-            <a:spLocks noGrp="1"/>
-          </p:cNvSpPr>
-          <p:nvPr>
-            <p:ph type="title"/>
-          </p:nvPr>
-        </p:nvSpPr>
-        <p:spPr/>
-        <p:txBody>
-          <a:bodyPr/>
-          <a:lstStyle/>
-          <a:p>
-            <a:r>
-              <a:rPr lang="zh-CN" altLang="en-US" dirty="0"/>
-              <a:t>武林配置中的枚举</a:t>
-            </a:r>
-          </a:p>
-        </p:txBody>
-      </p:sp>
-      <p:pic>
-        <p:nvPicPr>
-          <p:cNvPr id="5" name="内容占位符 4">
-            <a:extLst>
-              <a:ext uri="{FF2B5EF4-FFF2-40B4-BE49-F238E27FC236}">
-                <a16:creationId xmlns:a16="http://schemas.microsoft.com/office/drawing/2014/main" id="{77D9CC5F-3EC3-4D53-94F5-19E296171F00}"/>
-              </a:ext>
-            </a:extLst>
-          </p:cNvPr>
-          <p:cNvPicPr>
-            <a:picLocks noGrp="1" noChangeAspect="1"/>
-          </p:cNvPicPr>
-          <p:nvPr>
-            <p:ph idx="1"/>
-          </p:nvPr>
-        </p:nvPicPr>
-        <p:blipFill>
-          <a:blip r:embed="rId2">
-            <a:extLst>
-              <a:ext uri="{28A0092B-C50C-407E-A947-70E740481C1C}">
-                <a14:useLocalDpi xmlns:a14="http://schemas.microsoft.com/office/drawing/2010/main" val="0"/>
-              </a:ext>
-            </a:extLst>
-          </a:blip>
-          <a:stretch>
-            <a:fillRect/>
-          </a:stretch>
-        </p:blipFill>
-        <p:spPr>
-          <a:xfrm>
-            <a:off x="939799" y="2475779"/>
-            <a:ext cx="10515600" cy="2667371"/>
-          </a:xfrm>
-        </p:spPr>
-      </p:pic>
-    </p:spTree>
-    <p:extLst>
-      <p:ext uri="{BB962C8B-B14F-4D97-AF65-F5344CB8AC3E}">
-        <p14:creationId xmlns:p14="http://schemas.microsoft.com/office/powerpoint/2010/main" val="1725310274"/>
-      </p:ext>
-    </p:extLst>
-  </p:cSld>
-  <p:clrMapOvr>
-    <a:masterClrMapping/>
-  </p:clrMapOvr>
-</p:sld>
-</file>
-
 <file path=ppt/slides/slide27.xml><?xml version="1.0" encoding="utf-8"?>
 <p:sld xmlns:a="http://schemas.openxmlformats.org/drawingml/2006/main" xmlns:r="http://schemas.openxmlformats.org/officeDocument/2006/relationships" xmlns:p="http://schemas.openxmlformats.org/presentationml/2006/main">
   <p:cSld>
@@ -7377,7 +7426,7 @@
           <p:cNvPr id="2" name="标题 1">
             <a:extLst>
               <a:ext uri="{FF2B5EF4-FFF2-40B4-BE49-F238E27FC236}">
-                <a16:creationId xmlns:a16="http://schemas.microsoft.com/office/drawing/2014/main" id="{4E336EDA-460D-4CB6-8C3F-11532F30706A}"/>
+                <a16:creationId xmlns:a16="http://schemas.microsoft.com/office/drawing/2014/main" id="{39AD8E2E-888B-4D1E-82FF-A2DA25809C42}"/>
               </a:ext>
             </a:extLst>
           </p:cNvPr>
@@ -7395,24 +7444,26 @@
           <a:p>
             <a:r>
               <a:rPr lang="zh-CN" altLang="en-US" dirty="0"/>
-              <a:t>全枚举的生成代码</a:t>
+              <a:t>武林配置中的枚举</a:t>
             </a:r>
           </a:p>
         </p:txBody>
       </p:sp>
       <p:pic>
         <p:nvPicPr>
-          <p:cNvPr id="13" name="图片 12">
+          <p:cNvPr id="5" name="内容占位符 4">
             <a:extLst>
               <a:ext uri="{FF2B5EF4-FFF2-40B4-BE49-F238E27FC236}">
-                <a16:creationId xmlns:a16="http://schemas.microsoft.com/office/drawing/2014/main" id="{938F9144-060A-4521-83F3-430373C11F36}"/>
+                <a16:creationId xmlns:a16="http://schemas.microsoft.com/office/drawing/2014/main" id="{77D9CC5F-3EC3-4D53-94F5-19E296171F00}"/>
               </a:ext>
             </a:extLst>
           </p:cNvPr>
           <p:cNvPicPr>
-            <a:picLocks noChangeAspect="1"/>
+            <a:picLocks noGrp="1" noChangeAspect="1"/>
           </p:cNvPicPr>
-          <p:nvPr/>
+          <p:nvPr>
+            <p:ph idx="1"/>
+          </p:nvPr>
         </p:nvPicPr>
         <p:blipFill>
           <a:blip r:embed="rId2">
@@ -7428,53 +7479,15 @@
         </p:blipFill>
         <p:spPr>
           <a:xfrm>
-            <a:off x="964054" y="4148132"/>
-            <a:ext cx="2781688" cy="962159"/>
-          </a:xfrm>
-          <a:prstGeom prst="rect">
-            <a:avLst/>
-          </a:prstGeom>
-        </p:spPr>
-      </p:pic>
-      <p:pic>
-        <p:nvPicPr>
-          <p:cNvPr id="17" name="内容占位符 16">
-            <a:extLst>
-              <a:ext uri="{FF2B5EF4-FFF2-40B4-BE49-F238E27FC236}">
-                <a16:creationId xmlns:a16="http://schemas.microsoft.com/office/drawing/2014/main" id="{CBEFCE72-1D17-4C3C-AAC0-B1352563630F}"/>
-              </a:ext>
-            </a:extLst>
-          </p:cNvPr>
-          <p:cNvPicPr>
-            <a:picLocks noGrp="1" noChangeAspect="1"/>
-          </p:cNvPicPr>
-          <p:nvPr>
-            <p:ph idx="1"/>
-          </p:nvPr>
-        </p:nvPicPr>
-        <p:blipFill>
-          <a:blip r:embed="rId3">
-            <a:extLst>
-              <a:ext uri="{28A0092B-C50C-407E-A947-70E740481C1C}">
-                <a14:useLocalDpi xmlns:a14="http://schemas.microsoft.com/office/drawing/2010/main" val="0"/>
-              </a:ext>
-            </a:extLst>
-          </a:blip>
-          <a:stretch>
-            <a:fillRect/>
-          </a:stretch>
-        </p:blipFill>
-        <p:spPr>
-          <a:xfrm>
-            <a:off x="964054" y="1501002"/>
-            <a:ext cx="7030431" cy="1752845"/>
+            <a:off x="939799" y="2475779"/>
+            <a:ext cx="10515600" cy="2667371"/>
           </a:xfrm>
         </p:spPr>
       </p:pic>
     </p:spTree>
     <p:extLst>
       <p:ext uri="{BB962C8B-B14F-4D97-AF65-F5344CB8AC3E}">
-        <p14:creationId xmlns:p14="http://schemas.microsoft.com/office/powerpoint/2010/main" val="563394821"/>
+        <p14:creationId xmlns:p14="http://schemas.microsoft.com/office/powerpoint/2010/main" val="1725310274"/>
       </p:ext>
     </p:extLst>
   </p:cSld>
@@ -7506,7 +7519,7 @@
           <p:cNvPr id="2" name="标题 1">
             <a:extLst>
               <a:ext uri="{FF2B5EF4-FFF2-40B4-BE49-F238E27FC236}">
-                <a16:creationId xmlns:a16="http://schemas.microsoft.com/office/drawing/2014/main" id="{6BE6C8A0-8CE7-47E1-931E-C88FA070DE32}"/>
+                <a16:creationId xmlns:a16="http://schemas.microsoft.com/office/drawing/2014/main" id="{4E336EDA-460D-4CB6-8C3F-11532F30706A}"/>
               </a:ext>
             </a:extLst>
           </p:cNvPr>
@@ -7524,26 +7537,24 @@
           <a:p>
             <a:r>
               <a:rPr lang="zh-CN" altLang="en-US" dirty="0"/>
-              <a:t>半枚举的生成代码</a:t>
+              <a:t>全枚举的生成代码</a:t>
             </a:r>
           </a:p>
         </p:txBody>
       </p:sp>
       <p:pic>
         <p:nvPicPr>
-          <p:cNvPr id="4" name="内容占位符 3">
+          <p:cNvPr id="13" name="图片 12">
             <a:extLst>
               <a:ext uri="{FF2B5EF4-FFF2-40B4-BE49-F238E27FC236}">
-                <a16:creationId xmlns:a16="http://schemas.microsoft.com/office/drawing/2014/main" id="{9E157FC7-A295-422D-A03C-BB1B835EFB68}"/>
+                <a16:creationId xmlns:a16="http://schemas.microsoft.com/office/drawing/2014/main" id="{938F9144-060A-4521-83F3-430373C11F36}"/>
               </a:ext>
             </a:extLst>
           </p:cNvPr>
           <p:cNvPicPr>
-            <a:picLocks noGrp="1" noChangeAspect="1"/>
+            <a:picLocks noChangeAspect="1"/>
           </p:cNvPicPr>
-          <p:nvPr>
-            <p:ph idx="1"/>
-          </p:nvPr>
+          <p:nvPr/>
         </p:nvPicPr>
         <p:blipFill>
           <a:blip r:embed="rId2">
@@ -7559,8 +7570,8 @@
         </p:blipFill>
         <p:spPr>
           <a:xfrm>
-            <a:off x="838200" y="1857088"/>
-            <a:ext cx="7849695" cy="1000265"/>
+            <a:off x="964054" y="4148132"/>
+            <a:ext cx="2781688" cy="962159"/>
           </a:xfrm>
           <a:prstGeom prst="rect">
             <a:avLst/>
@@ -7569,17 +7580,19 @@
       </p:pic>
       <p:pic>
         <p:nvPicPr>
-          <p:cNvPr id="6" name="图片 5">
+          <p:cNvPr id="17" name="内容占位符 16">
             <a:extLst>
               <a:ext uri="{FF2B5EF4-FFF2-40B4-BE49-F238E27FC236}">
-                <a16:creationId xmlns:a16="http://schemas.microsoft.com/office/drawing/2014/main" id="{AAB9F572-6964-4183-9C01-A1C60FA6152D}"/>
+                <a16:creationId xmlns:a16="http://schemas.microsoft.com/office/drawing/2014/main" id="{CBEFCE72-1D17-4C3C-AAC0-B1352563630F}"/>
               </a:ext>
             </a:extLst>
           </p:cNvPr>
           <p:cNvPicPr>
-            <a:picLocks noChangeAspect="1"/>
+            <a:picLocks noGrp="1" noChangeAspect="1"/>
           </p:cNvPicPr>
-          <p:nvPr/>
+          <p:nvPr>
+            <p:ph idx="1"/>
+          </p:nvPr>
         </p:nvPicPr>
         <p:blipFill>
           <a:blip r:embed="rId3">
@@ -7595,18 +7608,15 @@
         </p:blipFill>
         <p:spPr>
           <a:xfrm>
-            <a:off x="838200" y="3679000"/>
-            <a:ext cx="3115110" cy="1476581"/>
+            <a:off x="964054" y="1501002"/>
+            <a:ext cx="7030431" cy="1752845"/>
           </a:xfrm>
-          <a:prstGeom prst="rect">
-            <a:avLst/>
-          </a:prstGeom>
         </p:spPr>
       </p:pic>
     </p:spTree>
     <p:extLst>
       <p:ext uri="{BB962C8B-B14F-4D97-AF65-F5344CB8AC3E}">
-        <p14:creationId xmlns:p14="http://schemas.microsoft.com/office/powerpoint/2010/main" val="2794998308"/>
+        <p14:creationId xmlns:p14="http://schemas.microsoft.com/office/powerpoint/2010/main" val="563394821"/>
       </p:ext>
     </p:extLst>
   </p:cSld>
@@ -7635,7 +7645,13 @@
       </p:grpSpPr>
       <p:sp>
         <p:nvSpPr>
-          <p:cNvPr id="2" name="标题 1"/>
+          <p:cNvPr id="2" name="标题 1">
+            <a:extLst>
+              <a:ext uri="{FF2B5EF4-FFF2-40B4-BE49-F238E27FC236}">
+                <a16:creationId xmlns:a16="http://schemas.microsoft.com/office/drawing/2014/main" id="{6BE6C8A0-8CE7-47E1-931E-C88FA070DE32}"/>
+              </a:ext>
+            </a:extLst>
+          </p:cNvPr>
           <p:cNvSpPr>
             <a:spLocks noGrp="1"/>
           </p:cNvSpPr>
@@ -7649,127 +7665,27 @@
           <a:lstStyle/>
           <a:p>
             <a:r>
-              <a:rPr lang="en-US" altLang="zh-CN" dirty="0"/>
-              <a:t>7</a:t>
-            </a:r>
-            <a:r>
-              <a:rPr lang="zh-CN" altLang="en-US" dirty="0"/>
-              <a:t>：更多的约束检测，以及部分提取</a:t>
-            </a:r>
-            <a:endParaRPr lang="en-US" altLang="zh-CN" dirty="0"/>
-          </a:p>
-        </p:txBody>
-      </p:sp>
-      <p:sp>
-        <p:nvSpPr>
-          <p:cNvPr id="3" name="内容占位符 2"/>
-          <p:cNvSpPr>
-            <a:spLocks noGrp="1"/>
-          </p:cNvSpPr>
-          <p:nvPr>
-            <p:ph idx="1"/>
-          </p:nvPr>
-        </p:nvSpPr>
-        <p:spPr/>
-        <p:txBody>
-          <a:bodyPr>
-            <a:normAutofit fontScale="92500" lnSpcReduction="10000"/>
-          </a:bodyPr>
-          <a:lstStyle/>
-          <a:p>
-            <a:r>
-              <a:rPr lang="zh-CN" altLang="en-US" dirty="0"/>
-              <a:t>策划可配置数字，字符串长度限制</a:t>
-            </a:r>
-            <a:r>
-              <a:rPr lang="en-US" altLang="zh-CN" dirty="0"/>
-              <a:t>range</a:t>
-            </a:r>
-            <a:r>
-              <a:rPr lang="zh-CN" altLang="en-US" dirty="0"/>
-              <a:t>，这样如果配错打表不通过</a:t>
-            </a:r>
-            <a:endParaRPr lang="en-US" altLang="zh-CN" dirty="0"/>
-          </a:p>
-          <a:p>
-            <a:r>
-              <a:rPr lang="en-US" altLang="zh-CN" dirty="0"/>
-              <a:t>CfgCheck.java</a:t>
-            </a:r>
-            <a:r>
-              <a:rPr lang="zh-CN" altLang="en-US" dirty="0"/>
-              <a:t>这是个扩展点，策划可提要求来让程序支持更多约束检测，这样如果配错服务器不启动</a:t>
-            </a:r>
-            <a:endParaRPr lang="en-US" altLang="zh-CN" dirty="0"/>
-          </a:p>
-          <a:p>
-            <a:endParaRPr lang="en-US" altLang="zh-CN" dirty="0"/>
-          </a:p>
-          <a:p>
-            <a:endParaRPr lang="en-US" altLang="zh-CN" dirty="0"/>
-          </a:p>
-          <a:p>
-            <a:endParaRPr lang="en-US" altLang="zh-CN" dirty="0"/>
-          </a:p>
-          <a:p>
-            <a:r>
-              <a:rPr lang="zh-CN" altLang="en-US" dirty="0"/>
-              <a:t>通过</a:t>
-            </a:r>
-            <a:r>
-              <a:rPr lang="en-US" altLang="zh-CN" dirty="0"/>
-              <a:t>own</a:t>
-            </a:r>
-            <a:r>
-              <a:rPr lang="zh-CN" altLang="en-US" dirty="0"/>
-              <a:t>配置可以以</a:t>
-            </a:r>
-            <a:r>
-              <a:rPr lang="en-US" altLang="zh-CN" dirty="0"/>
-              <a:t>column</a:t>
-            </a:r>
-            <a:r>
-              <a:rPr lang="zh-CN" altLang="en-US" dirty="0"/>
-              <a:t>为单位提取部分配置数据，节省客户端内存</a:t>
-            </a:r>
-            <a:endParaRPr lang="en-US" altLang="zh-CN" dirty="0"/>
-          </a:p>
-          <a:p>
-            <a:r>
-              <a:rPr lang="zh-CN" altLang="en-US" dirty="0"/>
-              <a:t>也支持通过</a:t>
-            </a:r>
-            <a:r>
-              <a:rPr lang="en-US" altLang="zh-CN" dirty="0"/>
-              <a:t>import</a:t>
-            </a:r>
-            <a:r>
-              <a:rPr lang="zh-CN" altLang="en-US" dirty="0"/>
-              <a:t>配置，分</a:t>
-            </a:r>
-            <a:r>
-              <a:rPr lang="en-US" altLang="zh-CN" dirty="0"/>
-              <a:t>serverconfig.xml, clientconfig.xml</a:t>
-            </a:r>
-            <a:r>
-              <a:rPr lang="zh-CN" altLang="en-US" dirty="0"/>
-              <a:t>，和诛仙一样根据目录来单独生成部分数据。</a:t>
-            </a:r>
-            <a:endParaRPr lang="en-US" altLang="zh-CN" dirty="0"/>
-          </a:p>
-          <a:p>
-            <a:pPr lvl="1"/>
-            <a:endParaRPr lang="zh-CN" altLang="en-US" dirty="0"/>
+              <a:rPr lang="zh-CN" altLang="en-US" dirty="0"/>
+              <a:t>半枚举的生成代码</a:t>
+            </a:r>
           </a:p>
         </p:txBody>
       </p:sp>
       <p:pic>
         <p:nvPicPr>
-          <p:cNvPr id="4" name="图片 3" descr="屏幕剪辑"/>
+          <p:cNvPr id="4" name="内容占位符 3">
+            <a:extLst>
+              <a:ext uri="{FF2B5EF4-FFF2-40B4-BE49-F238E27FC236}">
+                <a16:creationId xmlns:a16="http://schemas.microsoft.com/office/drawing/2014/main" id="{9E157FC7-A295-422D-A03C-BB1B835EFB68}"/>
+              </a:ext>
+            </a:extLst>
+          </p:cNvPr>
           <p:cNvPicPr>
-            <a:picLocks noChangeAspect="1"/>
+            <a:picLocks noGrp="1" noChangeAspect="1"/>
           </p:cNvPicPr>
-          <p:nvPr/>
+          <p:nvPr>
+            <p:ph idx="1"/>
+          </p:nvPr>
         </p:nvPicPr>
         <p:blipFill>
           <a:blip r:embed="rId2">
@@ -7785,8 +7701,44 @@
         </p:blipFill>
         <p:spPr>
           <a:xfrm>
-            <a:off x="1699442" y="3553557"/>
-            <a:ext cx="5849166" cy="447737"/>
+            <a:off x="838200" y="1857088"/>
+            <a:ext cx="7849695" cy="1000265"/>
+          </a:xfrm>
+          <a:prstGeom prst="rect">
+            <a:avLst/>
+          </a:prstGeom>
+        </p:spPr>
+      </p:pic>
+      <p:pic>
+        <p:nvPicPr>
+          <p:cNvPr id="6" name="图片 5">
+            <a:extLst>
+              <a:ext uri="{FF2B5EF4-FFF2-40B4-BE49-F238E27FC236}">
+                <a16:creationId xmlns:a16="http://schemas.microsoft.com/office/drawing/2014/main" id="{AAB9F572-6964-4183-9C01-A1C60FA6152D}"/>
+              </a:ext>
+            </a:extLst>
+          </p:cNvPr>
+          <p:cNvPicPr>
+            <a:picLocks noChangeAspect="1"/>
+          </p:cNvPicPr>
+          <p:nvPr/>
+        </p:nvPicPr>
+        <p:blipFill>
+          <a:blip r:embed="rId3">
+            <a:extLst>
+              <a:ext uri="{28A0092B-C50C-407E-A947-70E740481C1C}">
+                <a14:useLocalDpi xmlns:a14="http://schemas.microsoft.com/office/drawing/2010/main" val="0"/>
+              </a:ext>
+            </a:extLst>
+          </a:blip>
+          <a:stretch>
+            <a:fillRect/>
+          </a:stretch>
+        </p:blipFill>
+        <p:spPr>
+          <a:xfrm>
+            <a:off x="838200" y="3679000"/>
+            <a:ext cx="3115110" cy="1476581"/>
           </a:xfrm>
           <a:prstGeom prst="rect">
             <a:avLst/>
@@ -7796,7 +7748,7 @@
     </p:spTree>
     <p:extLst>
       <p:ext uri="{BB962C8B-B14F-4D97-AF65-F5344CB8AC3E}">
-        <p14:creationId xmlns:p14="http://schemas.microsoft.com/office/powerpoint/2010/main" val="2456062281"/>
+        <p14:creationId xmlns:p14="http://schemas.microsoft.com/office/powerpoint/2010/main" val="2794998308"/>
       </p:ext>
     </p:extLst>
   </p:cSld>
@@ -7938,11 +7890,11 @@
           <a:p>
             <a:r>
               <a:rPr lang="en-US" altLang="zh-CN" dirty="0"/>
-              <a:t>8</a:t>
-            </a:r>
-            <a:r>
-              <a:rPr lang="zh-CN" altLang="en-US" dirty="0"/>
-              <a:t>：国际化支持</a:t>
+              <a:t>7</a:t>
+            </a:r>
+            <a:r>
+              <a:rPr lang="zh-CN" altLang="en-US" dirty="0"/>
+              <a:t>：更多的约束检测，以及部分提取</a:t>
             </a:r>
             <a:endParaRPr lang="en-US" altLang="zh-CN" dirty="0"/>
           </a:p>
@@ -7960,71 +7912,131 @@
         </p:nvSpPr>
         <p:spPr/>
         <p:txBody>
-          <a:bodyPr/>
-          <a:lstStyle/>
-          <a:p>
-            <a:r>
-              <a:rPr lang="zh-CN" altLang="en-US" dirty="0"/>
-              <a:t>支持国际化到单语言</a:t>
-            </a:r>
-            <a:endParaRPr lang="en-US" altLang="zh-CN" dirty="0"/>
-          </a:p>
-          <a:p>
-            <a:r>
-              <a:rPr lang="zh-CN" altLang="en-US" dirty="0"/>
-              <a:t>支持多国语言客户端切换，并登陆同一个服务器</a:t>
-            </a:r>
-            <a:endParaRPr lang="en-US" altLang="zh-CN" dirty="0"/>
-          </a:p>
-          <a:p>
-            <a:endParaRPr lang="en-US" altLang="zh-CN" dirty="0"/>
-          </a:p>
-          <a:p>
-            <a:r>
-              <a:rPr lang="zh-CN" altLang="en-US" dirty="0"/>
-              <a:t>类型从</a:t>
-            </a:r>
-            <a:r>
-              <a:rPr lang="en-US" altLang="zh-CN" dirty="0"/>
-              <a:t>string</a:t>
-            </a:r>
-            <a:r>
-              <a:rPr lang="zh-CN" altLang="en-US" dirty="0"/>
-              <a:t>改为</a:t>
-            </a:r>
-            <a:r>
-              <a:rPr lang="en-US" altLang="zh-CN" dirty="0"/>
-              <a:t>text</a:t>
-            </a:r>
-          </a:p>
-          <a:p>
-            <a:r>
-              <a:rPr lang="zh-CN" altLang="en-US" dirty="0"/>
-              <a:t>多国语言支持，需要服务器记录下此用户的所用语言，然后发送比如公告协议时，自动选择对应语言。（</a:t>
-            </a:r>
-            <a:r>
-              <a:rPr lang="en-US" altLang="zh-CN" dirty="0"/>
-              <a:t>text</a:t>
-            </a:r>
-            <a:r>
-              <a:rPr lang="zh-CN" altLang="en-US" dirty="0"/>
-              <a:t>字段配置上保存这对应的多国语言，</a:t>
-            </a:r>
-            <a:r>
-              <a:rPr lang="en-US" altLang="zh-CN" dirty="0"/>
-              <a:t>gm</a:t>
-            </a:r>
-            <a:r>
-              <a:rPr lang="zh-CN" altLang="en-US" dirty="0"/>
-              <a:t>平台工具也得支持多国语言）</a:t>
-            </a:r>
-          </a:p>
-        </p:txBody>
-      </p:sp>
+          <a:bodyPr>
+            <a:normAutofit fontScale="92500" lnSpcReduction="10000"/>
+          </a:bodyPr>
+          <a:lstStyle/>
+          <a:p>
+            <a:r>
+              <a:rPr lang="zh-CN" altLang="en-US" dirty="0"/>
+              <a:t>策划可配置数字，字符串长度限制</a:t>
+            </a:r>
+            <a:r>
+              <a:rPr lang="en-US" altLang="zh-CN" dirty="0"/>
+              <a:t>range</a:t>
+            </a:r>
+            <a:r>
+              <a:rPr lang="zh-CN" altLang="en-US" dirty="0"/>
+              <a:t>，这样如果配错打表不通过</a:t>
+            </a:r>
+            <a:endParaRPr lang="en-US" altLang="zh-CN" dirty="0"/>
+          </a:p>
+          <a:p>
+            <a:r>
+              <a:rPr lang="en-US" altLang="zh-CN" dirty="0"/>
+              <a:t>CfgCheck.java</a:t>
+            </a:r>
+            <a:r>
+              <a:rPr lang="zh-CN" altLang="en-US" dirty="0"/>
+              <a:t>这是个扩展点，策划可提要求来让程序支持更多约束检测，这样如果配错服务器不启动</a:t>
+            </a:r>
+            <a:endParaRPr lang="en-US" altLang="zh-CN" dirty="0"/>
+          </a:p>
+          <a:p>
+            <a:endParaRPr lang="en-US" altLang="zh-CN" dirty="0"/>
+          </a:p>
+          <a:p>
+            <a:endParaRPr lang="en-US" altLang="zh-CN" dirty="0"/>
+          </a:p>
+          <a:p>
+            <a:endParaRPr lang="en-US" altLang="zh-CN" dirty="0"/>
+          </a:p>
+          <a:p>
+            <a:r>
+              <a:rPr lang="zh-CN" altLang="en-US" dirty="0"/>
+              <a:t>通过</a:t>
+            </a:r>
+            <a:r>
+              <a:rPr lang="en-US" altLang="zh-CN" dirty="0"/>
+              <a:t>own</a:t>
+            </a:r>
+            <a:r>
+              <a:rPr lang="zh-CN" altLang="en-US" dirty="0"/>
+              <a:t>配置可以以</a:t>
+            </a:r>
+            <a:r>
+              <a:rPr lang="en-US" altLang="zh-CN" dirty="0"/>
+              <a:t>column</a:t>
+            </a:r>
+            <a:r>
+              <a:rPr lang="zh-CN" altLang="en-US" dirty="0"/>
+              <a:t>为单位提取部分配置数据，节省客户端内存</a:t>
+            </a:r>
+            <a:endParaRPr lang="en-US" altLang="zh-CN" dirty="0"/>
+          </a:p>
+          <a:p>
+            <a:r>
+              <a:rPr lang="zh-CN" altLang="en-US" dirty="0"/>
+              <a:t>也支持通过</a:t>
+            </a:r>
+            <a:r>
+              <a:rPr lang="en-US" altLang="zh-CN" dirty="0"/>
+              <a:t>import</a:t>
+            </a:r>
+            <a:r>
+              <a:rPr lang="zh-CN" altLang="en-US" dirty="0"/>
+              <a:t>配置，分</a:t>
+            </a:r>
+            <a:r>
+              <a:rPr lang="en-US" altLang="zh-CN" dirty="0"/>
+              <a:t>serverconfig.xml, clientconfig.xml</a:t>
+            </a:r>
+            <a:r>
+              <a:rPr lang="zh-CN" altLang="en-US" dirty="0"/>
+              <a:t>，和诛仙一样根据目录来单独生成部分数据。</a:t>
+            </a:r>
+            <a:endParaRPr lang="en-US" altLang="zh-CN" dirty="0"/>
+          </a:p>
+          <a:p>
+            <a:pPr lvl="1"/>
+            <a:endParaRPr lang="zh-CN" altLang="en-US" dirty="0"/>
+          </a:p>
+        </p:txBody>
+      </p:sp>
+      <p:pic>
+        <p:nvPicPr>
+          <p:cNvPr id="4" name="图片 3" descr="屏幕剪辑"/>
+          <p:cNvPicPr>
+            <a:picLocks noChangeAspect="1"/>
+          </p:cNvPicPr>
+          <p:nvPr/>
+        </p:nvPicPr>
+        <p:blipFill>
+          <a:blip r:embed="rId2">
+            <a:extLst>
+              <a:ext uri="{28A0092B-C50C-407E-A947-70E740481C1C}">
+                <a14:useLocalDpi xmlns:a14="http://schemas.microsoft.com/office/drawing/2010/main" val="0"/>
+              </a:ext>
+            </a:extLst>
+          </a:blip>
+          <a:stretch>
+            <a:fillRect/>
+          </a:stretch>
+        </p:blipFill>
+        <p:spPr>
+          <a:xfrm>
+            <a:off x="1699442" y="3553557"/>
+            <a:ext cx="5849166" cy="447737"/>
+          </a:xfrm>
+          <a:prstGeom prst="rect">
+            <a:avLst/>
+          </a:prstGeom>
+        </p:spPr>
+      </p:pic>
     </p:spTree>
     <p:extLst>
       <p:ext uri="{BB962C8B-B14F-4D97-AF65-F5344CB8AC3E}">
-        <p14:creationId xmlns:p14="http://schemas.microsoft.com/office/powerpoint/2010/main" val="2826384035"/>
+        <p14:creationId xmlns:p14="http://schemas.microsoft.com/office/powerpoint/2010/main" val="2456062281"/>
       </p:ext>
     </p:extLst>
   </p:cSld>
@@ -8067,9 +8079,14 @@
           <a:lstStyle/>
           <a:p>
             <a:r>
-              <a:rPr lang="zh-CN" altLang="en-US" dirty="0"/>
-              <a:t>列数太多怎么办？</a:t>
-            </a:r>
+              <a:rPr lang="en-US" altLang="zh-CN" dirty="0"/>
+              <a:t>8</a:t>
+            </a:r>
+            <a:r>
+              <a:rPr lang="zh-CN" altLang="en-US" dirty="0"/>
+              <a:t>：国际化支持</a:t>
+            </a:r>
+            <a:endParaRPr lang="en-US" altLang="zh-CN" dirty="0"/>
           </a:p>
         </p:txBody>
       </p:sp>
@@ -8090,182 +8107,58 @@
           <a:p>
             <a:r>
               <a:rPr lang="zh-CN" altLang="en-US" dirty="0"/>
-              <a:t>一个复杂的树结构 如何拆分到多个表，使列数不太多</a:t>
-            </a:r>
-            <a:r>
-              <a:rPr lang="en-US" altLang="zh-CN" dirty="0"/>
-              <a:t>?</a:t>
-            </a:r>
-          </a:p>
-          <a:p>
-            <a:pPr lvl="1"/>
-            <a:endParaRPr lang="en-US" altLang="zh-CN" dirty="0"/>
-          </a:p>
-          <a:p>
-            <a:pPr lvl="1"/>
-            <a:r>
-              <a:rPr lang="zh-CN" altLang="en-US" dirty="0"/>
-              <a:t>切割</a:t>
-            </a:r>
-            <a:r>
-              <a:rPr lang="en-US" altLang="zh-CN" dirty="0"/>
-              <a:t>bean</a:t>
-            </a:r>
-            <a:r>
-              <a:rPr lang="zh-CN" altLang="en-US" dirty="0"/>
-              <a:t>，把一个</a:t>
-            </a:r>
-            <a:r>
-              <a:rPr lang="en-US" altLang="zh-CN" dirty="0"/>
-              <a:t>bean</a:t>
-            </a:r>
-            <a:r>
-              <a:rPr lang="zh-CN" altLang="en-US" dirty="0"/>
-              <a:t>分成多个，共享相同的</a:t>
-            </a:r>
-            <a:r>
-              <a:rPr lang="en-US" altLang="zh-CN" dirty="0"/>
-              <a:t>primary key</a:t>
-            </a:r>
-            <a:r>
-              <a:rPr lang="zh-CN" altLang="en-US" dirty="0"/>
-              <a:t>，通过此</a:t>
-            </a:r>
-            <a:r>
-              <a:rPr lang="en-US" altLang="zh-CN" dirty="0"/>
-              <a:t>key</a:t>
-            </a:r>
-            <a:r>
-              <a:rPr lang="zh-CN" altLang="en-US" dirty="0"/>
-              <a:t>相连</a:t>
-            </a:r>
-            <a:endParaRPr lang="en-US" altLang="zh-CN" dirty="0"/>
-          </a:p>
-          <a:p>
-            <a:pPr lvl="1"/>
-            <a:endParaRPr lang="en-US" altLang="zh-CN" dirty="0"/>
-          </a:p>
-          <a:p>
-            <a:pPr lvl="1"/>
-            <a:r>
-              <a:rPr lang="zh-CN" altLang="en-US" dirty="0"/>
-              <a:t>切割</a:t>
-            </a:r>
-            <a:r>
-              <a:rPr lang="en-US" altLang="zh-CN" dirty="0"/>
-              <a:t>bean</a:t>
-            </a:r>
-            <a:r>
-              <a:rPr lang="zh-CN" altLang="en-US" dirty="0"/>
-              <a:t>里的</a:t>
-            </a:r>
-            <a:r>
-              <a:rPr lang="en-US" altLang="zh-CN" dirty="0"/>
-              <a:t>list&lt;bean2&gt;</a:t>
-            </a:r>
-            <a:r>
-              <a:rPr lang="zh-CN" altLang="en-US" dirty="0"/>
-              <a:t>，每个</a:t>
-            </a:r>
-            <a:r>
-              <a:rPr lang="en-US" altLang="zh-CN" dirty="0"/>
-              <a:t>bean2</a:t>
-            </a:r>
-            <a:r>
-              <a:rPr lang="zh-CN" altLang="en-US" dirty="0"/>
-              <a:t>在另一个</a:t>
-            </a:r>
-            <a:r>
-              <a:rPr lang="en-US" altLang="zh-CN" dirty="0"/>
-              <a:t>table</a:t>
-            </a:r>
-            <a:r>
-              <a:rPr lang="zh-CN" altLang="en-US" dirty="0"/>
-              <a:t>中，</a:t>
-            </a:r>
-            <a:r>
-              <a:rPr lang="en-US" altLang="zh-CN" dirty="0"/>
-              <a:t>bean2</a:t>
-            </a:r>
-            <a:r>
-              <a:rPr lang="zh-CN" altLang="en-US" dirty="0"/>
-              <a:t>里配置一个</a:t>
-            </a:r>
-            <a:r>
-              <a:rPr lang="en-US" altLang="zh-CN" dirty="0"/>
-              <a:t>column</a:t>
-            </a:r>
-            <a:r>
-              <a:rPr lang="zh-CN" altLang="en-US" dirty="0"/>
-              <a:t>为</a:t>
-            </a:r>
-            <a:r>
-              <a:rPr lang="en-US" altLang="zh-CN" dirty="0"/>
-              <a:t>bean</a:t>
-            </a:r>
-            <a:r>
-              <a:rPr lang="zh-CN" altLang="en-US" dirty="0"/>
-              <a:t>的</a:t>
-            </a:r>
-            <a:r>
-              <a:rPr lang="en-US" altLang="zh-CN" dirty="0"/>
-              <a:t>primary key</a:t>
-            </a:r>
-            <a:r>
-              <a:rPr lang="zh-CN" altLang="en-US" dirty="0"/>
-              <a:t>，然后在</a:t>
-            </a:r>
-            <a:r>
-              <a:rPr lang="en-US" altLang="zh-CN" dirty="0"/>
-              <a:t>bean</a:t>
-            </a:r>
-            <a:r>
-              <a:rPr lang="zh-CN" altLang="en-US" dirty="0"/>
-              <a:t>的</a:t>
-            </a:r>
-            <a:r>
-              <a:rPr lang="en-US" altLang="zh-CN" dirty="0"/>
-              <a:t>primary key</a:t>
-            </a:r>
-            <a:r>
-              <a:rPr lang="zh-CN" altLang="en-US" dirty="0"/>
-              <a:t>上配置</a:t>
-            </a:r>
-            <a:r>
-              <a:rPr lang="en-US" altLang="zh-CN" dirty="0"/>
-              <a:t>ref</a:t>
-            </a:r>
-            <a:r>
-              <a:rPr lang="zh-CN" altLang="en-US" dirty="0"/>
-              <a:t>，</a:t>
-            </a:r>
-            <a:r>
-              <a:rPr lang="en-US" altLang="zh-CN" dirty="0" err="1"/>
-              <a:t>refType</a:t>
-            </a:r>
-            <a:r>
-              <a:rPr lang="en-US" altLang="zh-CN" dirty="0"/>
-              <a:t>=</a:t>
-            </a:r>
-            <a:r>
-              <a:rPr lang="zh-CN" altLang="en-US" dirty="0"/>
-              <a:t>“</a:t>
-            </a:r>
-            <a:r>
-              <a:rPr lang="en-US" altLang="zh-CN" dirty="0"/>
-              <a:t>LIST</a:t>
-            </a:r>
-            <a:r>
-              <a:rPr lang="zh-CN" altLang="en-US" dirty="0"/>
-              <a:t>”，与</a:t>
-            </a:r>
-            <a:r>
-              <a:rPr lang="en-US" altLang="zh-CN" dirty="0"/>
-              <a:t>bean2</a:t>
-            </a:r>
-            <a:r>
-              <a:rPr lang="zh-CN" altLang="en-US" dirty="0"/>
-              <a:t>相连</a:t>
+              <a:t>支持国际化到单语言</a:t>
+            </a:r>
+            <a:endParaRPr lang="en-US" altLang="zh-CN" dirty="0"/>
+          </a:p>
+          <a:p>
+            <a:r>
+              <a:rPr lang="zh-CN" altLang="en-US" dirty="0"/>
+              <a:t>支持多国语言客户端切换，并登陆同一个服务器</a:t>
+            </a:r>
+            <a:endParaRPr lang="en-US" altLang="zh-CN" dirty="0"/>
+          </a:p>
+          <a:p>
+            <a:endParaRPr lang="en-US" altLang="zh-CN" dirty="0"/>
+          </a:p>
+          <a:p>
+            <a:r>
+              <a:rPr lang="zh-CN" altLang="en-US" dirty="0"/>
+              <a:t>类型从</a:t>
+            </a:r>
+            <a:r>
+              <a:rPr lang="en-US" altLang="zh-CN" dirty="0"/>
+              <a:t>string</a:t>
+            </a:r>
+            <a:r>
+              <a:rPr lang="zh-CN" altLang="en-US" dirty="0"/>
+              <a:t>改为</a:t>
+            </a:r>
+            <a:r>
+              <a:rPr lang="en-US" altLang="zh-CN" dirty="0"/>
+              <a:t>text</a:t>
+            </a:r>
+          </a:p>
+          <a:p>
+            <a:r>
+              <a:rPr lang="zh-CN" altLang="en-US" dirty="0"/>
+              <a:t>多国语言支持，需要服务器记录下此用户的所用语言，然后发送比如公告协议时，自动选择对应语言。（</a:t>
+            </a:r>
+            <a:r>
+              <a:rPr lang="en-US" altLang="zh-CN" dirty="0"/>
+              <a:t>text</a:t>
+            </a:r>
+            <a:r>
+              <a:rPr lang="zh-CN" altLang="en-US" dirty="0"/>
+              <a:t>字段配置上保存这对应的多国语言，</a:t>
+            </a:r>
+            <a:r>
+              <a:rPr lang="en-US" altLang="zh-CN" dirty="0"/>
+              <a:t>gm</a:t>
+            </a:r>
+            <a:r>
+              <a:rPr lang="zh-CN" altLang="en-US" dirty="0"/>
+              <a:t>平台工具也得支持多国语言）</a:t>
             </a:r>
           </a:p>
         </p:txBody>
@@ -8273,7 +8166,7 @@
     </p:spTree>
     <p:extLst>
       <p:ext uri="{BB962C8B-B14F-4D97-AF65-F5344CB8AC3E}">
-        <p14:creationId xmlns:p14="http://schemas.microsoft.com/office/powerpoint/2010/main" val="3707096013"/>
+        <p14:creationId xmlns:p14="http://schemas.microsoft.com/office/powerpoint/2010/main" val="2826384035"/>
       </p:ext>
     </p:extLst>
   </p:cSld>
@@ -8302,13 +8195,7 @@
       </p:grpSpPr>
       <p:sp>
         <p:nvSpPr>
-          <p:cNvPr id="2" name="标题 1">
-            <a:extLst>
-              <a:ext uri="{FF2B5EF4-FFF2-40B4-BE49-F238E27FC236}">
-                <a16:creationId xmlns:a16="http://schemas.microsoft.com/office/drawing/2014/main" id="{57083FB0-05B7-4EE5-9C0C-91E68E05B332}"/>
-              </a:ext>
-            </a:extLst>
-          </p:cNvPr>
+          <p:cNvPr id="2" name="标题 1"/>
           <p:cNvSpPr>
             <a:spLocks noGrp="1"/>
           </p:cNvSpPr>
@@ -8323,36 +8210,14 @@
           <a:p>
             <a:r>
               <a:rPr lang="zh-CN" altLang="en-US" dirty="0"/>
-              <a:t>武林配置的</a:t>
-            </a:r>
-            <a:r>
-              <a:rPr lang="en-US" altLang="zh-CN" dirty="0"/>
-              <a:t>schema</a:t>
-            </a:r>
-            <a:r>
-              <a:rPr lang="zh-CN" altLang="en-US" dirty="0"/>
-              <a:t>统计（</a:t>
-            </a:r>
-            <a:r>
-              <a:rPr lang="en-US" altLang="zh-CN" dirty="0"/>
-              <a:t>20200428</a:t>
-            </a:r>
-            <a:r>
-              <a:rPr lang="zh-CN" altLang="en-US" dirty="0"/>
-              <a:t>）</a:t>
-            </a:r>
-          </a:p>
-        </p:txBody>
-      </p:sp>
-      <p:sp>
-        <p:nvSpPr>
-          <p:cNvPr id="3" name="内容占位符 2">
-            <a:extLst>
-              <a:ext uri="{FF2B5EF4-FFF2-40B4-BE49-F238E27FC236}">
-                <a16:creationId xmlns:a16="http://schemas.microsoft.com/office/drawing/2014/main" id="{825EE5EF-12B7-4BC4-889E-A012293005E4}"/>
-              </a:ext>
-            </a:extLst>
-          </p:cNvPr>
+              <a:t>列数太多怎么办？</a:t>
+            </a:r>
+          </a:p>
+        </p:txBody>
+      </p:sp>
+      <p:sp>
+        <p:nvSpPr>
+          <p:cNvPr id="3" name="内容占位符 2"/>
           <p:cNvSpPr>
             <a:spLocks noGrp="1"/>
           </p:cNvSpPr>
@@ -8363,315 +8228,335 @@
         <p:spPr/>
         <p:txBody>
           <a:bodyPr>
-            <a:normAutofit fontScale="62500" lnSpcReduction="20000"/>
+            <a:normAutofit fontScale="92500" lnSpcReduction="20000"/>
           </a:bodyPr>
           <a:lstStyle/>
           <a:p>
             <a:r>
-              <a:rPr lang="en-US" altLang="zh-CN" dirty="0"/>
-              <a:t>706</a:t>
-            </a:r>
-            <a:r>
-              <a:rPr lang="zh-CN" altLang="en-US" dirty="0"/>
-              <a:t>个</a:t>
-            </a:r>
-            <a:r>
-              <a:rPr lang="en-US" altLang="zh-CN" dirty="0"/>
-              <a:t>Bean</a:t>
+              <a:rPr lang="zh-CN" altLang="en-US" dirty="0"/>
+              <a:t>一个复杂的树结构 如何拆分到多个表，使列数不太多</a:t>
+            </a:r>
+            <a:r>
+              <a:rPr lang="en-US" altLang="zh-CN" dirty="0"/>
+              <a:t>?</a:t>
             </a:r>
           </a:p>
           <a:p>
             <a:pPr lvl="1"/>
-            <a:r>
-              <a:rPr lang="en-US" altLang="zh-CN" dirty="0"/>
-              <a:t>220</a:t>
-            </a:r>
-            <a:r>
-              <a:rPr lang="zh-CN" altLang="en-US" dirty="0"/>
-              <a:t>个正常</a:t>
-            </a:r>
-            <a:r>
-              <a:rPr lang="en-US" altLang="zh-CN" dirty="0"/>
-              <a:t>Bean</a:t>
-            </a:r>
+            <a:endParaRPr lang="en-US" altLang="zh-CN"/>
           </a:p>
           <a:p>
             <a:pPr lvl="1"/>
             <a:r>
-              <a:rPr lang="en-US" altLang="zh-CN" dirty="0"/>
-              <a:t>23</a:t>
-            </a:r>
-            <a:r>
-              <a:rPr lang="zh-CN" altLang="en-US" dirty="0"/>
-              <a:t>个多态</a:t>
-            </a:r>
-            <a:r>
-              <a:rPr lang="en-US" altLang="zh-CN" dirty="0"/>
-              <a:t>Bean – </a:t>
-            </a:r>
-            <a:r>
-              <a:rPr lang="zh-CN" altLang="en-US" dirty="0"/>
-              <a:t>差不多</a:t>
-            </a:r>
-            <a:r>
-              <a:rPr lang="en-US" altLang="zh-CN" dirty="0"/>
-              <a:t>500</a:t>
-            </a:r>
-            <a:r>
-              <a:rPr lang="zh-CN" altLang="en-US" dirty="0"/>
-              <a:t>个子</a:t>
-            </a:r>
-            <a:r>
-              <a:rPr lang="en-US" altLang="zh-CN" dirty="0"/>
-              <a:t>Bean</a:t>
-            </a:r>
-          </a:p>
-          <a:p>
-            <a:pPr marL="457200" lvl="1" indent="0">
-              <a:buNone/>
-            </a:pPr>
-            <a:endParaRPr lang="en-US" altLang="zh-CN" dirty="0"/>
-          </a:p>
-          <a:p>
-            <a:r>
-              <a:rPr lang="en-US" altLang="zh-CN" dirty="0"/>
-              <a:t>1429</a:t>
-            </a:r>
-            <a:r>
-              <a:rPr lang="zh-CN" altLang="en-US" dirty="0"/>
-              <a:t>个</a:t>
-            </a:r>
-            <a:r>
-              <a:rPr lang="en-US" altLang="zh-CN" dirty="0"/>
-              <a:t>Table</a:t>
-            </a:r>
-            <a:r>
-              <a:rPr lang="zh-CN" altLang="en-US" dirty="0"/>
-              <a:t>（全部都有</a:t>
-            </a:r>
-            <a:r>
-              <a:rPr lang="en-US" altLang="zh-CN" dirty="0"/>
-              <a:t>Primary Key</a:t>
-            </a:r>
-            <a:r>
-              <a:rPr lang="zh-CN" altLang="en-US" dirty="0"/>
-              <a:t>）</a:t>
-            </a:r>
-            <a:endParaRPr lang="en-US" altLang="zh-CN" dirty="0"/>
+              <a:rPr lang="zh-CN" altLang="en-US"/>
+              <a:t>直接对</a:t>
+            </a:r>
+            <a:r>
+              <a:rPr lang="en-US" altLang="zh-CN"/>
+              <a:t>list</a:t>
+            </a:r>
+            <a:r>
+              <a:rPr lang="zh-CN" altLang="en-US"/>
+              <a:t>，</a:t>
+            </a:r>
+            <a:r>
+              <a:rPr lang="en-US" altLang="zh-CN"/>
+              <a:t>map</a:t>
+            </a:r>
+            <a:r>
+              <a:rPr lang="zh-CN" altLang="en-US"/>
+              <a:t>使用块模式</a:t>
+            </a:r>
+            <a:r>
+              <a:rPr lang="en-US" altLang="zh-CN"/>
+              <a:t>block=“1”</a:t>
+            </a:r>
           </a:p>
           <a:p>
             <a:pPr lvl="1"/>
-            <a:r>
-              <a:rPr lang="en-US" altLang="zh-CN" dirty="0"/>
-              <a:t>92</a:t>
-            </a:r>
-            <a:r>
-              <a:rPr lang="zh-CN" altLang="en-US" dirty="0"/>
-              <a:t>个多列为主键</a:t>
-            </a:r>
             <a:endParaRPr lang="en-US" altLang="zh-CN" dirty="0"/>
           </a:p>
           <a:p>
             <a:pPr lvl="1"/>
             <a:r>
-              <a:rPr lang="en-US" altLang="zh-CN" dirty="0"/>
-              <a:t>217</a:t>
-            </a:r>
-            <a:r>
-              <a:rPr lang="zh-CN" altLang="en-US" dirty="0"/>
-              <a:t>个全枚举，</a:t>
+              <a:rPr lang="zh-CN" altLang="en-US" dirty="0"/>
+              <a:t>切割</a:t>
+            </a:r>
+            <a:r>
+              <a:rPr lang="en-US" altLang="zh-CN" dirty="0"/>
+              <a:t>bean</a:t>
+            </a:r>
+            <a:r>
+              <a:rPr lang="zh-CN" altLang="en-US" dirty="0"/>
+              <a:t>里的</a:t>
+            </a:r>
+            <a:r>
+              <a:rPr lang="en-US" altLang="zh-CN" dirty="0"/>
+              <a:t>list&lt;bean2&gt;</a:t>
+            </a:r>
+            <a:r>
+              <a:rPr lang="zh-CN" altLang="en-US" dirty="0"/>
+              <a:t>，每个</a:t>
+            </a:r>
+            <a:r>
+              <a:rPr lang="en-US" altLang="zh-CN" dirty="0"/>
+              <a:t>bean2</a:t>
+            </a:r>
+            <a:r>
+              <a:rPr lang="zh-CN" altLang="en-US" dirty="0"/>
+              <a:t>在另一个</a:t>
+            </a:r>
+            <a:r>
+              <a:rPr lang="en-US" altLang="zh-CN" dirty="0"/>
+              <a:t>table</a:t>
+            </a:r>
+            <a:r>
+              <a:rPr lang="zh-CN" altLang="en-US" dirty="0"/>
+              <a:t>中，</a:t>
+            </a:r>
+            <a:r>
+              <a:rPr lang="en-US" altLang="zh-CN" dirty="0"/>
+              <a:t>bean2</a:t>
+            </a:r>
+            <a:r>
+              <a:rPr lang="zh-CN" altLang="en-US" dirty="0"/>
+              <a:t>里配置一个</a:t>
+            </a:r>
+            <a:r>
+              <a:rPr lang="en-US" altLang="zh-CN" dirty="0"/>
+              <a:t>column</a:t>
+            </a:r>
+            <a:r>
+              <a:rPr lang="zh-CN" altLang="en-US" dirty="0"/>
+              <a:t>为</a:t>
+            </a:r>
+            <a:r>
+              <a:rPr lang="en-US" altLang="zh-CN" dirty="0"/>
+              <a:t>bean</a:t>
+            </a:r>
+            <a:r>
+              <a:rPr lang="zh-CN" altLang="en-US" dirty="0"/>
+              <a:t>的</a:t>
+            </a:r>
+            <a:r>
+              <a:rPr lang="en-US" altLang="zh-CN" dirty="0"/>
+              <a:t>primary key</a:t>
+            </a:r>
+            <a:r>
+              <a:rPr lang="zh-CN" altLang="en-US" dirty="0"/>
+              <a:t>，然后在</a:t>
+            </a:r>
+            <a:r>
+              <a:rPr lang="en-US" altLang="zh-CN" dirty="0"/>
+              <a:t>bean</a:t>
+            </a:r>
+            <a:r>
+              <a:rPr lang="zh-CN" altLang="en-US" dirty="0"/>
+              <a:t>的</a:t>
+            </a:r>
+            <a:r>
+              <a:rPr lang="en-US" altLang="zh-CN" dirty="0"/>
+              <a:t>primary key</a:t>
+            </a:r>
+            <a:r>
+              <a:rPr lang="zh-CN" altLang="en-US" dirty="0"/>
+              <a:t>上配置</a:t>
+            </a:r>
+            <a:r>
+              <a:rPr lang="en-US" altLang="zh-CN" dirty="0"/>
+              <a:t>ref</a:t>
+            </a:r>
+            <a:r>
+              <a:rPr lang="zh-CN" altLang="en-US" dirty="0"/>
+              <a:t>，</a:t>
             </a:r>
             <a:r>
               <a:rPr lang="en-US" altLang="zh-CN" dirty="0" err="1"/>
-              <a:t>Enum</a:t>
-            </a:r>
-            <a:endParaRPr lang="en-US" altLang="zh-CN" dirty="0"/>
+              <a:t>refType</a:t>
+            </a:r>
+            <a:r>
+              <a:rPr lang="en-US" altLang="zh-CN" dirty="0"/>
+              <a:t>=</a:t>
+            </a:r>
+            <a:r>
+              <a:rPr lang="zh-CN" altLang="en-US" dirty="0"/>
+              <a:t>“</a:t>
+            </a:r>
+            <a:r>
+              <a:rPr lang="en-US" altLang="zh-CN" dirty="0"/>
+              <a:t>LIST</a:t>
+            </a:r>
+            <a:r>
+              <a:rPr lang="zh-CN" altLang="en-US" dirty="0"/>
+              <a:t>”，与</a:t>
+            </a:r>
+            <a:r>
+              <a:rPr lang="en-US" altLang="zh-CN"/>
+              <a:t>bean2</a:t>
+            </a:r>
+            <a:r>
+              <a:rPr lang="zh-CN" altLang="en-US"/>
+              <a:t>相连</a:t>
+            </a:r>
+            <a:endParaRPr lang="en-US" altLang="zh-CN"/>
           </a:p>
           <a:p>
             <a:pPr lvl="1"/>
-            <a:r>
-              <a:rPr lang="en-US" altLang="zh-CN" dirty="0"/>
-              <a:t>162</a:t>
-            </a:r>
-            <a:r>
-              <a:rPr lang="zh-CN" altLang="en-US" dirty="0"/>
-              <a:t>个半枚举，</a:t>
-            </a:r>
-            <a:r>
-              <a:rPr lang="en-US" altLang="zh-CN" dirty="0" err="1"/>
-              <a:t>EnumPart</a:t>
-            </a:r>
-            <a:endParaRPr lang="en-US" altLang="zh-CN" dirty="0"/>
+            <a:endParaRPr lang="en-US" altLang="zh-CN"/>
           </a:p>
           <a:p>
             <a:pPr lvl="1"/>
             <a:r>
-              <a:rPr lang="en-US" altLang="zh-CN" dirty="0"/>
-              <a:t>8</a:t>
-            </a:r>
-            <a:r>
-              <a:rPr lang="zh-CN" altLang="en-US" dirty="0"/>
-              <a:t>个</a:t>
-            </a:r>
-            <a:r>
-              <a:rPr lang="en-US" altLang="zh-CN" dirty="0"/>
-              <a:t>Unique Key</a:t>
-            </a:r>
-          </a:p>
-          <a:p>
-            <a:pPr marL="457200" lvl="1" indent="0">
-              <a:buNone/>
-            </a:pPr>
-            <a:endParaRPr lang="en-US" altLang="zh-CN" dirty="0"/>
-          </a:p>
-          <a:p>
-            <a:r>
-              <a:rPr lang="en-US" altLang="zh-CN" dirty="0"/>
-              <a:t>9504</a:t>
-            </a:r>
-            <a:r>
-              <a:rPr lang="zh-CN" altLang="en-US" dirty="0"/>
-              <a:t>个</a:t>
-            </a:r>
-            <a:r>
-              <a:rPr lang="en-US" altLang="zh-CN" dirty="0"/>
-              <a:t>Column</a:t>
+              <a:rPr lang="zh-CN" altLang="en-US"/>
+              <a:t>以上两种是</a:t>
+            </a:r>
+            <a:r>
+              <a:rPr lang="en-US" altLang="zh-CN"/>
+              <a:t>list</a:t>
+            </a:r>
+            <a:r>
+              <a:rPr lang="zh-CN" altLang="en-US"/>
+              <a:t>里元素是不共享的，如果要共享</a:t>
+            </a:r>
+            <a:r>
+              <a:rPr lang="en-US" altLang="zh-CN"/>
+              <a:t>list</a:t>
+            </a:r>
+            <a:r>
+              <a:rPr lang="zh-CN" altLang="en-US"/>
+              <a:t>里的元素，比如</a:t>
+            </a:r>
+            <a:r>
+              <a:rPr lang="en-US" altLang="zh-CN"/>
+              <a:t>drop</a:t>
+            </a:r>
+            <a:r>
+              <a:rPr lang="zh-CN" altLang="en-US"/>
+              <a:t>表里有</a:t>
+            </a:r>
+            <a:r>
+              <a:rPr lang="en-US" altLang="zh-CN"/>
+              <a:t>dropdetail</a:t>
+            </a:r>
+            <a:r>
+              <a:rPr lang="zh-CN" altLang="en-US"/>
+              <a:t>列表，不同的</a:t>
+            </a:r>
+            <a:r>
+              <a:rPr lang="en-US" altLang="zh-CN"/>
+              <a:t>drop</a:t>
+            </a:r>
+            <a:r>
+              <a:rPr lang="zh-CN" altLang="en-US"/>
+              <a:t>行想共用</a:t>
+            </a:r>
+            <a:r>
+              <a:rPr lang="en-US" altLang="zh-CN"/>
+              <a:t>dropdetail</a:t>
+            </a:r>
+            <a:r>
+              <a:rPr lang="zh-CN" altLang="en-US"/>
+              <a:t>，那就</a:t>
+            </a:r>
+            <a:r>
+              <a:rPr lang="en-US" altLang="zh-CN"/>
+              <a:t>dropdetail</a:t>
+            </a:r>
+            <a:r>
+              <a:rPr lang="zh-CN" altLang="en-US"/>
+              <a:t>分成单独的表，在</a:t>
+            </a:r>
+            <a:r>
+              <a:rPr lang="en-US" altLang="zh-CN"/>
+              <a:t>drop</a:t>
+            </a:r>
+            <a:r>
+              <a:rPr lang="zh-CN" altLang="en-US"/>
+              <a:t>表里有一列是</a:t>
+            </a:r>
+            <a:r>
+              <a:rPr lang="en-US" altLang="zh-CN"/>
+              <a:t>dropdetailIdList</a:t>
+            </a:r>
+            <a:r>
+              <a:rPr lang="zh-CN" altLang="en-US"/>
+              <a:t>，</a:t>
+            </a:r>
+            <a:r>
+              <a:rPr lang="en-US" altLang="zh-CN"/>
+              <a:t>type=</a:t>
+            </a:r>
+            <a:r>
+              <a:rPr lang="zh-CN" altLang="en-US"/>
+              <a:t>“</a:t>
+            </a:r>
+            <a:r>
+              <a:rPr lang="en-US" altLang="zh-CN"/>
+              <a:t>list,int</a:t>
+            </a:r>
+            <a:r>
+              <a:rPr lang="zh-CN" altLang="en-US"/>
+              <a:t>”</a:t>
+            </a:r>
+            <a:r>
+              <a:rPr lang="en-US" altLang="zh-CN"/>
+              <a:t>, pack=“1”,ref=“dropdetail”</a:t>
             </a:r>
           </a:p>
           <a:p>
             <a:pPr lvl="1"/>
-            <a:r>
-              <a:rPr lang="en-US" altLang="zh-CN" dirty="0"/>
-              <a:t>2431</a:t>
-            </a:r>
-            <a:r>
-              <a:rPr lang="zh-CN" altLang="en-US" dirty="0"/>
-              <a:t>个外键约束，</a:t>
-            </a:r>
-            <a:r>
-              <a:rPr lang="en-US" altLang="zh-CN" dirty="0"/>
-              <a:t>Foreign Key</a:t>
-            </a:r>
-            <a:r>
-              <a:rPr lang="zh-CN" altLang="en-US" dirty="0"/>
-              <a:t>，</a:t>
-            </a:r>
-            <a:r>
-              <a:rPr lang="en-US" altLang="zh-CN" dirty="0"/>
-              <a:t>ref</a:t>
-            </a:r>
-          </a:p>
-          <a:p>
-            <a:pPr lvl="2"/>
-            <a:r>
-              <a:rPr lang="en-US" altLang="zh-CN" dirty="0"/>
-              <a:t>527</a:t>
-            </a:r>
-            <a:r>
-              <a:rPr lang="zh-CN" altLang="en-US" dirty="0"/>
-              <a:t>个是</a:t>
-            </a:r>
-            <a:r>
-              <a:rPr lang="en-US" altLang="zh-CN" dirty="0"/>
-              <a:t>NULLABLE</a:t>
-            </a:r>
-          </a:p>
-          <a:p>
-            <a:pPr lvl="2"/>
-            <a:r>
-              <a:rPr lang="en-US" altLang="zh-CN" dirty="0"/>
-              <a:t>15</a:t>
-            </a:r>
-            <a:r>
-              <a:rPr lang="zh-CN" altLang="en-US" dirty="0"/>
-              <a:t>个是</a:t>
-            </a:r>
-            <a:r>
-              <a:rPr lang="en-US" altLang="zh-CN" dirty="0"/>
-              <a:t>LIST</a:t>
-            </a:r>
+            <a:endParaRPr lang="en-US" altLang="zh-CN"/>
           </a:p>
           <a:p>
             <a:pPr lvl="1"/>
             <a:r>
-              <a:rPr lang="en-US" altLang="zh-CN" dirty="0"/>
-              <a:t>930</a:t>
-            </a:r>
-            <a:r>
-              <a:rPr lang="zh-CN" altLang="en-US" dirty="0"/>
-              <a:t>个是</a:t>
-            </a:r>
-            <a:r>
-              <a:rPr lang="en-US" altLang="zh-CN" dirty="0"/>
+              <a:rPr lang="zh-CN" altLang="en-US"/>
+              <a:t>切割</a:t>
+            </a:r>
+            <a:r>
+              <a:rPr lang="en-US" altLang="zh-CN"/>
+              <a:t>bean</a:t>
+            </a:r>
+            <a:r>
+              <a:rPr lang="zh-CN" altLang="en-US"/>
+              <a:t>，把一个</a:t>
+            </a:r>
+            <a:r>
+              <a:rPr lang="en-US" altLang="zh-CN"/>
+              <a:t>bean</a:t>
+            </a:r>
+            <a:r>
+              <a:rPr lang="zh-CN" altLang="en-US"/>
+              <a:t>分成多个，共享相同的</a:t>
+            </a:r>
+            <a:r>
+              <a:rPr lang="en-US" altLang="zh-CN"/>
+              <a:t>primary key</a:t>
+            </a:r>
+            <a:r>
+              <a:rPr lang="zh-CN" altLang="en-US"/>
+              <a:t>，通过此</a:t>
+            </a:r>
+            <a:r>
+              <a:rPr lang="en-US" altLang="zh-CN"/>
+              <a:t>key</a:t>
+            </a:r>
+            <a:r>
+              <a:rPr lang="zh-CN" altLang="en-US"/>
+              <a:t>相连（这种相对少见，大多数都是</a:t>
+            </a:r>
+            <a:r>
+              <a:rPr lang="en-US" altLang="zh-CN"/>
               <a:t>list</a:t>
             </a:r>
             <a:r>
-              <a:rPr lang="zh-CN" altLang="en-US" dirty="0"/>
-              <a:t>，</a:t>
-            </a:r>
-            <a:r>
-              <a:rPr lang="en-US" altLang="zh-CN" dirty="0"/>
-              <a:t>61</a:t>
-            </a:r>
-            <a:r>
-              <a:rPr lang="zh-CN" altLang="en-US" dirty="0"/>
-              <a:t>个</a:t>
-            </a:r>
-            <a:r>
-              <a:rPr lang="en-US" altLang="zh-CN" dirty="0"/>
-              <a:t>map</a:t>
-            </a:r>
+              <a:rPr lang="zh-CN" altLang="en-US"/>
+              <a:t>太多）</a:t>
+            </a:r>
+            <a:endParaRPr lang="en-US" altLang="zh-CN"/>
           </a:p>
           <a:p>
             <a:pPr lvl="1"/>
-            <a:r>
-              <a:rPr lang="en-US" altLang="zh-CN" dirty="0"/>
-              <a:t>512</a:t>
-            </a:r>
-            <a:r>
-              <a:rPr lang="zh-CN" altLang="en-US" dirty="0"/>
-              <a:t>个配置了只占</a:t>
-            </a:r>
-            <a:r>
-              <a:rPr lang="en-US" altLang="zh-CN" dirty="0"/>
-              <a:t>excel</a:t>
-            </a:r>
-            <a:r>
-              <a:rPr lang="zh-CN" altLang="en-US" dirty="0"/>
-              <a:t>一格，</a:t>
-            </a:r>
-            <a:r>
-              <a:rPr lang="en-US" altLang="zh-CN" dirty="0"/>
-              <a:t>compress</a:t>
-            </a:r>
-            <a:r>
-              <a:rPr lang="zh-CN" altLang="en-US" dirty="0"/>
-              <a:t>（之后都用</a:t>
-            </a:r>
-            <a:r>
-              <a:rPr lang="en-US" altLang="zh-CN" dirty="0" err="1"/>
-              <a:t>compressAsOne</a:t>
-            </a:r>
-            <a:r>
-              <a:rPr lang="zh-CN" altLang="en-US" dirty="0"/>
-              <a:t>）</a:t>
-            </a:r>
-            <a:endParaRPr lang="en-US" altLang="zh-CN" dirty="0"/>
-          </a:p>
-          <a:p>
-            <a:pPr lvl="1"/>
-            <a:r>
-              <a:rPr lang="en-US" altLang="zh-CN" dirty="0"/>
-              <a:t>9</a:t>
-            </a:r>
-            <a:r>
-              <a:rPr lang="zh-CN" altLang="en-US" dirty="0"/>
-              <a:t>个配置了取值范围约束，</a:t>
-            </a:r>
-            <a:r>
-              <a:rPr lang="en-US" altLang="zh-CN" dirty="0"/>
-              <a:t>Range</a:t>
-            </a:r>
             <a:endParaRPr lang="zh-CN" altLang="en-US" dirty="0"/>
           </a:p>
         </p:txBody>
@@ -8679,7 +8564,7 @@
     </p:spTree>
     <p:extLst>
       <p:ext uri="{BB962C8B-B14F-4D97-AF65-F5344CB8AC3E}">
-        <p14:creationId xmlns:p14="http://schemas.microsoft.com/office/powerpoint/2010/main" val="1991845869"/>
+        <p14:creationId xmlns:p14="http://schemas.microsoft.com/office/powerpoint/2010/main" val="3707096013"/>
       </p:ext>
     </p:extLst>
   </p:cSld>
@@ -8711,7 +8596,7 @@
           <p:cNvPr id="2" name="标题 1">
             <a:extLst>
               <a:ext uri="{FF2B5EF4-FFF2-40B4-BE49-F238E27FC236}">
-                <a16:creationId xmlns:a16="http://schemas.microsoft.com/office/drawing/2014/main" id="{2BEA17EA-5C2A-466D-BE57-D30B77B63E06}"/>
+                <a16:creationId xmlns:a16="http://schemas.microsoft.com/office/drawing/2014/main" id="{57083FB0-05B7-4EE5-9C0C-91E68E05B332}"/>
               </a:ext>
             </a:extLst>
           </p:cNvPr>
@@ -8729,7 +8614,23 @@
           <a:p>
             <a:r>
               <a:rPr lang="zh-CN" altLang="en-US" dirty="0"/>
-              <a:t>生成代码</a:t>
+              <a:t>武林配置的</a:t>
+            </a:r>
+            <a:r>
+              <a:rPr lang="en-US" altLang="zh-CN" dirty="0"/>
+              <a:t>schema</a:t>
+            </a:r>
+            <a:r>
+              <a:rPr lang="zh-CN" altLang="en-US" dirty="0"/>
+              <a:t>统计（</a:t>
+            </a:r>
+            <a:r>
+              <a:rPr lang="en-US" altLang="zh-CN" dirty="0"/>
+              <a:t>20200428</a:t>
+            </a:r>
+            <a:r>
+              <a:rPr lang="zh-CN" altLang="en-US" dirty="0"/>
+              <a:t>）</a:t>
             </a:r>
           </a:p>
         </p:txBody>
@@ -8739,7 +8640,7 @@
           <p:cNvPr id="3" name="内容占位符 2">
             <a:extLst>
               <a:ext uri="{FF2B5EF4-FFF2-40B4-BE49-F238E27FC236}">
-                <a16:creationId xmlns:a16="http://schemas.microsoft.com/office/drawing/2014/main" id="{48A9D4A4-FF6A-4CBC-83E6-330364575113}"/>
+                <a16:creationId xmlns:a16="http://schemas.microsoft.com/office/drawing/2014/main" id="{825EE5EF-12B7-4BC4-889E-A012293005E4}"/>
               </a:ext>
             </a:extLst>
           </p:cNvPr>
@@ -8753,47 +8654,68 @@
         <p:spPr/>
         <p:txBody>
           <a:bodyPr>
-            <a:normAutofit/>
+            <a:normAutofit fontScale="62500" lnSpcReduction="20000"/>
           </a:bodyPr>
           <a:lstStyle/>
           <a:p>
             <a:r>
-              <a:rPr lang="zh-CN" altLang="en-US" dirty="0"/>
-              <a:t>会直接生成</a:t>
-            </a:r>
-            <a:r>
-              <a:rPr lang="en-US" altLang="zh-CN" dirty="0"/>
-              <a:t>Record Link</a:t>
-            </a:r>
-            <a:r>
-              <a:rPr lang="zh-CN" altLang="en-US" dirty="0"/>
-              <a:t>的访问代码</a:t>
-            </a:r>
-            <a:endParaRPr lang="en-US" altLang="zh-CN" dirty="0"/>
+              <a:rPr lang="en-US" altLang="zh-CN" dirty="0"/>
+              <a:t>706</a:t>
+            </a:r>
+            <a:r>
+              <a:rPr lang="zh-CN" altLang="en-US" dirty="0"/>
+              <a:t>个</a:t>
+            </a:r>
+            <a:r>
+              <a:rPr lang="en-US" altLang="zh-CN" dirty="0"/>
+              <a:t>Bean</a:t>
+            </a:r>
           </a:p>
           <a:p>
             <a:pPr lvl="1"/>
             <a:r>
-              <a:rPr lang="en-US" altLang="zh-CN" dirty="0" err="1"/>
-              <a:t>refXxx</a:t>
-            </a:r>
-            <a:endParaRPr lang="en-US" altLang="zh-CN" dirty="0"/>
+              <a:rPr lang="en-US" altLang="zh-CN" dirty="0"/>
+              <a:t>220</a:t>
+            </a:r>
+            <a:r>
+              <a:rPr lang="zh-CN" altLang="en-US" dirty="0"/>
+              <a:t>个正常</a:t>
+            </a:r>
+            <a:r>
+              <a:rPr lang="en-US" altLang="zh-CN" dirty="0"/>
+              <a:t>Bean</a:t>
+            </a:r>
           </a:p>
           <a:p>
             <a:pPr lvl="1"/>
             <a:r>
-              <a:rPr lang="en-US" altLang="zh-CN" dirty="0" err="1"/>
-              <a:t>nullableRefXxx</a:t>
-            </a:r>
-            <a:endParaRPr lang="en-US" altLang="zh-CN" dirty="0"/>
-          </a:p>
-          <a:p>
-            <a:pPr lvl="1"/>
-            <a:r>
-              <a:rPr lang="en-US" altLang="zh-CN" dirty="0" err="1"/>
-              <a:t>listRefXxx</a:t>
-            </a:r>
-            <a:endParaRPr lang="en-US" altLang="zh-CN" dirty="0"/>
+              <a:rPr lang="en-US" altLang="zh-CN" dirty="0"/>
+              <a:t>23</a:t>
+            </a:r>
+            <a:r>
+              <a:rPr lang="zh-CN" altLang="en-US" dirty="0"/>
+              <a:t>个多态</a:t>
+            </a:r>
+            <a:r>
+              <a:rPr lang="en-US" altLang="zh-CN" dirty="0"/>
+              <a:t>Bean – </a:t>
+            </a:r>
+            <a:r>
+              <a:rPr lang="zh-CN" altLang="en-US" dirty="0"/>
+              <a:t>差不多</a:t>
+            </a:r>
+            <a:r>
+              <a:rPr lang="en-US" altLang="zh-CN" dirty="0"/>
+              <a:t>500</a:t>
+            </a:r>
+            <a:r>
+              <a:rPr lang="zh-CN" altLang="en-US" dirty="0"/>
+              <a:t>个子</a:t>
+            </a:r>
+            <a:r>
+              <a:rPr lang="en-US" altLang="zh-CN" dirty="0"/>
+              <a:t>Bean</a:t>
+            </a:r>
           </a:p>
           <a:p>
             <a:pPr marL="457200" lvl="1" indent="0">
@@ -8802,44 +8724,90 @@
             <a:endParaRPr lang="en-US" altLang="zh-CN" dirty="0"/>
           </a:p>
           <a:p>
-            <a:pPr>
-              <a:lnSpc>
-                <a:spcPct val="120000"/>
-              </a:lnSpc>
-            </a:pPr>
-            <a:r>
-              <a:rPr lang="zh-CN" altLang="en-US" dirty="0"/>
-              <a:t>对配置的查询比如</a:t>
+            <a:r>
+              <a:rPr lang="en-US" altLang="zh-CN" dirty="0"/>
+              <a:t>1429</a:t>
+            </a:r>
+            <a:r>
+              <a:rPr lang="zh-CN" altLang="en-US" dirty="0"/>
+              <a:t>个</a:t>
+            </a:r>
+            <a:r>
+              <a:rPr lang="en-US" altLang="zh-CN" dirty="0"/>
+              <a:t>Table</a:t>
+            </a:r>
+            <a:r>
+              <a:rPr lang="zh-CN" altLang="en-US" dirty="0"/>
+              <a:t>（全部都有</a:t>
+            </a:r>
+            <a:r>
+              <a:rPr lang="en-US" altLang="zh-CN" dirty="0"/>
+              <a:t>Primary Key</a:t>
+            </a:r>
+            <a:r>
+              <a:rPr lang="zh-CN" altLang="en-US" dirty="0"/>
+              <a:t>）</a:t>
+            </a:r>
+            <a:endParaRPr lang="en-US" altLang="zh-CN" dirty="0"/>
+          </a:p>
+          <a:p>
+            <a:pPr lvl="1"/>
+            <a:r>
+              <a:rPr lang="en-US" altLang="zh-CN" dirty="0"/>
+              <a:t>92</a:t>
+            </a:r>
+            <a:r>
+              <a:rPr lang="zh-CN" altLang="en-US" dirty="0"/>
+              <a:t>个多列为主键</a:t>
+            </a:r>
+            <a:endParaRPr lang="en-US" altLang="zh-CN" dirty="0"/>
+          </a:p>
+          <a:p>
+            <a:pPr lvl="1"/>
+            <a:r>
+              <a:rPr lang="en-US" altLang="zh-CN" dirty="0"/>
+              <a:t>217</a:t>
+            </a:r>
+            <a:r>
+              <a:rPr lang="zh-CN" altLang="en-US" dirty="0"/>
+              <a:t>个全枚举，</a:t>
             </a:r>
             <a:r>
               <a:rPr lang="en-US" altLang="zh-CN" dirty="0" err="1"/>
-              <a:t>config.item.Commonitem.get</a:t>
-            </a:r>
-            <a:r>
-              <a:rPr lang="en-US" altLang="zh-CN" dirty="0"/>
-              <a:t>(</a:t>
+              <a:t>Enum</a:t>
+            </a:r>
+            <a:endParaRPr lang="en-US" altLang="zh-CN" dirty="0"/>
+          </a:p>
+          <a:p>
+            <a:pPr lvl="1"/>
+            <a:r>
+              <a:rPr lang="en-US" altLang="zh-CN" dirty="0"/>
+              <a:t>162</a:t>
+            </a:r>
+            <a:r>
+              <a:rPr lang="zh-CN" altLang="en-US" dirty="0"/>
+              <a:t>个半枚举，</a:t>
             </a:r>
             <a:r>
               <a:rPr lang="en-US" altLang="zh-CN" dirty="0" err="1"/>
-              <a:t>itemId</a:t>
-            </a:r>
-            <a:r>
-              <a:rPr lang="en-US" altLang="zh-CN" dirty="0"/>
-              <a:t>)</a:t>
-            </a:r>
-            <a:r>
-              <a:rPr lang="zh-CN" altLang="en-US" dirty="0"/>
-              <a:t>，只应存在在协议的处理函数啊这些入口，内部的函数里尽量不要有配置查询，因为这些</a:t>
-            </a:r>
-            <a:r>
-              <a:rPr lang="en-US" altLang="zh-CN" dirty="0"/>
-              <a:t>link</a:t>
-            </a:r>
-            <a:r>
-              <a:rPr lang="zh-CN" altLang="en-US" dirty="0"/>
-              <a:t>访问代码已经生成了</a:t>
-            </a:r>
-            <a:endParaRPr lang="en-US" altLang="zh-CN" dirty="0"/>
+              <a:t>EnumPart</a:t>
+            </a:r>
+            <a:endParaRPr lang="en-US" altLang="zh-CN" dirty="0"/>
+          </a:p>
+          <a:p>
+            <a:pPr lvl="1"/>
+            <a:r>
+              <a:rPr lang="en-US" altLang="zh-CN" dirty="0"/>
+              <a:t>8</a:t>
+            </a:r>
+            <a:r>
+              <a:rPr lang="zh-CN" altLang="en-US" dirty="0"/>
+              <a:t>个</a:t>
+            </a:r>
+            <a:r>
+              <a:rPr lang="en-US" altLang="zh-CN" dirty="0"/>
+              <a:t>Unique Key</a:t>
+            </a:r>
           </a:p>
           <a:p>
             <a:pPr marL="457200" lvl="1" indent="0">
@@ -8848,12 +8816,153 @@
             <a:endParaRPr lang="en-US" altLang="zh-CN" dirty="0"/>
           </a:p>
           <a:p>
-            <a:pPr marL="457200" lvl="1" indent="0">
-              <a:buNone/>
-            </a:pPr>
-            <a:endParaRPr lang="en-US" altLang="zh-CN" dirty="0"/>
-          </a:p>
-          <a:p>
+            <a:r>
+              <a:rPr lang="en-US" altLang="zh-CN" dirty="0"/>
+              <a:t>9504</a:t>
+            </a:r>
+            <a:r>
+              <a:rPr lang="zh-CN" altLang="en-US" dirty="0"/>
+              <a:t>个</a:t>
+            </a:r>
+            <a:r>
+              <a:rPr lang="en-US" altLang="zh-CN" dirty="0"/>
+              <a:t>Column</a:t>
+            </a:r>
+          </a:p>
+          <a:p>
+            <a:pPr lvl="1"/>
+            <a:r>
+              <a:rPr lang="en-US" altLang="zh-CN" dirty="0"/>
+              <a:t>2431</a:t>
+            </a:r>
+            <a:r>
+              <a:rPr lang="zh-CN" altLang="en-US" dirty="0"/>
+              <a:t>个外键约束，</a:t>
+            </a:r>
+            <a:r>
+              <a:rPr lang="en-US" altLang="zh-CN" dirty="0"/>
+              <a:t>Foreign Key</a:t>
+            </a:r>
+            <a:r>
+              <a:rPr lang="zh-CN" altLang="en-US" dirty="0"/>
+              <a:t>，</a:t>
+            </a:r>
+            <a:r>
+              <a:rPr lang="en-US" altLang="zh-CN" dirty="0"/>
+              <a:t>ref</a:t>
+            </a:r>
+          </a:p>
+          <a:p>
+            <a:pPr lvl="2"/>
+            <a:r>
+              <a:rPr lang="en-US" altLang="zh-CN" dirty="0"/>
+              <a:t>527</a:t>
+            </a:r>
+            <a:r>
+              <a:rPr lang="zh-CN" altLang="en-US" dirty="0"/>
+              <a:t>个是</a:t>
+            </a:r>
+            <a:r>
+              <a:rPr lang="en-US" altLang="zh-CN" dirty="0"/>
+              <a:t>NULLABLE</a:t>
+            </a:r>
+          </a:p>
+          <a:p>
+            <a:pPr lvl="2"/>
+            <a:r>
+              <a:rPr lang="en-US" altLang="zh-CN" dirty="0"/>
+              <a:t>15</a:t>
+            </a:r>
+            <a:r>
+              <a:rPr lang="zh-CN" altLang="en-US" dirty="0"/>
+              <a:t>个是</a:t>
+            </a:r>
+            <a:r>
+              <a:rPr lang="en-US" altLang="zh-CN" dirty="0"/>
+              <a:t>LIST</a:t>
+            </a:r>
+          </a:p>
+          <a:p>
+            <a:pPr lvl="1"/>
+            <a:r>
+              <a:rPr lang="en-US" altLang="zh-CN" dirty="0"/>
+              <a:t>930</a:t>
+            </a:r>
+            <a:r>
+              <a:rPr lang="zh-CN" altLang="en-US" dirty="0"/>
+              <a:t>个是</a:t>
+            </a:r>
+            <a:r>
+              <a:rPr lang="en-US" altLang="zh-CN" dirty="0"/>
+              <a:t>list</a:t>
+            </a:r>
+            <a:r>
+              <a:rPr lang="zh-CN" altLang="en-US" dirty="0"/>
+              <a:t>，</a:t>
+            </a:r>
+            <a:r>
+              <a:rPr lang="en-US" altLang="zh-CN" dirty="0"/>
+              <a:t>61</a:t>
+            </a:r>
+            <a:r>
+              <a:rPr lang="zh-CN" altLang="en-US" dirty="0"/>
+              <a:t>个</a:t>
+            </a:r>
+            <a:r>
+              <a:rPr lang="en-US" altLang="zh-CN" dirty="0"/>
+              <a:t>map</a:t>
+            </a:r>
+          </a:p>
+          <a:p>
+            <a:pPr lvl="1"/>
+            <a:r>
+              <a:rPr lang="en-US" altLang="zh-CN" dirty="0"/>
+              <a:t>512</a:t>
+            </a:r>
+            <a:r>
+              <a:rPr lang="zh-CN" altLang="en-US" dirty="0"/>
+              <a:t>个配置了只占</a:t>
+            </a:r>
+            <a:r>
+              <a:rPr lang="en-US" altLang="zh-CN" dirty="0"/>
+              <a:t>excel</a:t>
+            </a:r>
+            <a:r>
+              <a:rPr lang="zh-CN" altLang="en-US" dirty="0"/>
+              <a:t>一格，</a:t>
+            </a:r>
+            <a:r>
+              <a:rPr lang="en-US" altLang="zh-CN" dirty="0"/>
+              <a:t>compress</a:t>
+            </a:r>
+            <a:r>
+              <a:rPr lang="zh-CN" altLang="en-US" dirty="0"/>
+              <a:t>（之后都用</a:t>
+            </a:r>
+            <a:r>
+              <a:rPr lang="en-US" altLang="zh-CN" dirty="0" err="1"/>
+              <a:t>compressAsOne</a:t>
+            </a:r>
+            <a:r>
+              <a:rPr lang="zh-CN" altLang="en-US" dirty="0"/>
+              <a:t>）</a:t>
+            </a:r>
+            <a:endParaRPr lang="en-US" altLang="zh-CN" dirty="0"/>
+          </a:p>
+          <a:p>
+            <a:pPr lvl="1"/>
+            <a:r>
+              <a:rPr lang="en-US" altLang="zh-CN" dirty="0"/>
+              <a:t>9</a:t>
+            </a:r>
+            <a:r>
+              <a:rPr lang="zh-CN" altLang="en-US" dirty="0"/>
+              <a:t>个配置了取值范围约束，</a:t>
+            </a:r>
+            <a:r>
+              <a:rPr lang="en-US" altLang="zh-CN" dirty="0"/>
+              <a:t>Range</a:t>
+            </a:r>
             <a:endParaRPr lang="zh-CN" altLang="en-US" dirty="0"/>
           </a:p>
         </p:txBody>
@@ -8861,7 +8970,7 @@
     </p:spTree>
     <p:extLst>
       <p:ext uri="{BB962C8B-B14F-4D97-AF65-F5344CB8AC3E}">
-        <p14:creationId xmlns:p14="http://schemas.microsoft.com/office/powerpoint/2010/main" val="3885169705"/>
+        <p14:creationId xmlns:p14="http://schemas.microsoft.com/office/powerpoint/2010/main" val="1991845869"/>
       </p:ext>
     </p:extLst>
   </p:cSld>
@@ -8893,6 +9002,188 @@
           <p:cNvPr id="2" name="标题 1">
             <a:extLst>
               <a:ext uri="{FF2B5EF4-FFF2-40B4-BE49-F238E27FC236}">
+                <a16:creationId xmlns:a16="http://schemas.microsoft.com/office/drawing/2014/main" id="{2BEA17EA-5C2A-466D-BE57-D30B77B63E06}"/>
+              </a:ext>
+            </a:extLst>
+          </p:cNvPr>
+          <p:cNvSpPr>
+            <a:spLocks noGrp="1"/>
+          </p:cNvSpPr>
+          <p:nvPr>
+            <p:ph type="title"/>
+          </p:nvPr>
+        </p:nvSpPr>
+        <p:spPr/>
+        <p:txBody>
+          <a:bodyPr/>
+          <a:lstStyle/>
+          <a:p>
+            <a:r>
+              <a:rPr lang="zh-CN" altLang="en-US" dirty="0"/>
+              <a:t>生成代码</a:t>
+            </a:r>
+          </a:p>
+        </p:txBody>
+      </p:sp>
+      <p:sp>
+        <p:nvSpPr>
+          <p:cNvPr id="3" name="内容占位符 2">
+            <a:extLst>
+              <a:ext uri="{FF2B5EF4-FFF2-40B4-BE49-F238E27FC236}">
+                <a16:creationId xmlns:a16="http://schemas.microsoft.com/office/drawing/2014/main" id="{48A9D4A4-FF6A-4CBC-83E6-330364575113}"/>
+              </a:ext>
+            </a:extLst>
+          </p:cNvPr>
+          <p:cNvSpPr>
+            <a:spLocks noGrp="1"/>
+          </p:cNvSpPr>
+          <p:nvPr>
+            <p:ph idx="1"/>
+          </p:nvPr>
+        </p:nvSpPr>
+        <p:spPr/>
+        <p:txBody>
+          <a:bodyPr>
+            <a:normAutofit/>
+          </a:bodyPr>
+          <a:lstStyle/>
+          <a:p>
+            <a:r>
+              <a:rPr lang="zh-CN" altLang="en-US" dirty="0"/>
+              <a:t>会直接生成</a:t>
+            </a:r>
+            <a:r>
+              <a:rPr lang="en-US" altLang="zh-CN" dirty="0"/>
+              <a:t>Record Link</a:t>
+            </a:r>
+            <a:r>
+              <a:rPr lang="zh-CN" altLang="en-US" dirty="0"/>
+              <a:t>的访问代码</a:t>
+            </a:r>
+            <a:endParaRPr lang="en-US" altLang="zh-CN" dirty="0"/>
+          </a:p>
+          <a:p>
+            <a:pPr lvl="1"/>
+            <a:r>
+              <a:rPr lang="en-US" altLang="zh-CN" dirty="0" err="1"/>
+              <a:t>refXxx</a:t>
+            </a:r>
+            <a:endParaRPr lang="en-US" altLang="zh-CN" dirty="0"/>
+          </a:p>
+          <a:p>
+            <a:pPr lvl="1"/>
+            <a:r>
+              <a:rPr lang="en-US" altLang="zh-CN" dirty="0" err="1"/>
+              <a:t>nullableRefXxx</a:t>
+            </a:r>
+            <a:endParaRPr lang="en-US" altLang="zh-CN" dirty="0"/>
+          </a:p>
+          <a:p>
+            <a:pPr lvl="1"/>
+            <a:r>
+              <a:rPr lang="en-US" altLang="zh-CN" dirty="0" err="1"/>
+              <a:t>listRefXxx</a:t>
+            </a:r>
+            <a:endParaRPr lang="en-US" altLang="zh-CN" dirty="0"/>
+          </a:p>
+          <a:p>
+            <a:pPr marL="457200" lvl="1" indent="0">
+              <a:buNone/>
+            </a:pPr>
+            <a:endParaRPr lang="en-US" altLang="zh-CN" dirty="0"/>
+          </a:p>
+          <a:p>
+            <a:pPr>
+              <a:lnSpc>
+                <a:spcPct val="120000"/>
+              </a:lnSpc>
+            </a:pPr>
+            <a:r>
+              <a:rPr lang="zh-CN" altLang="en-US" dirty="0"/>
+              <a:t>对配置的查询比如</a:t>
+            </a:r>
+            <a:r>
+              <a:rPr lang="en-US" altLang="zh-CN" dirty="0" err="1"/>
+              <a:t>config.item.Commonitem.get</a:t>
+            </a:r>
+            <a:r>
+              <a:rPr lang="en-US" altLang="zh-CN" dirty="0"/>
+              <a:t>(</a:t>
+            </a:r>
+            <a:r>
+              <a:rPr lang="en-US" altLang="zh-CN" dirty="0" err="1"/>
+              <a:t>itemId</a:t>
+            </a:r>
+            <a:r>
+              <a:rPr lang="en-US" altLang="zh-CN" dirty="0"/>
+              <a:t>)</a:t>
+            </a:r>
+            <a:r>
+              <a:rPr lang="zh-CN" altLang="en-US" dirty="0"/>
+              <a:t>，只应存在在协议的处理函数啊这些入口，内部的函数里尽量不要有配置查询，因为这些</a:t>
+            </a:r>
+            <a:r>
+              <a:rPr lang="en-US" altLang="zh-CN" dirty="0"/>
+              <a:t>link</a:t>
+            </a:r>
+            <a:r>
+              <a:rPr lang="zh-CN" altLang="en-US" dirty="0"/>
+              <a:t>访问代码已经生成了</a:t>
+            </a:r>
+            <a:endParaRPr lang="en-US" altLang="zh-CN" dirty="0"/>
+          </a:p>
+          <a:p>
+            <a:pPr marL="457200" lvl="1" indent="0">
+              <a:buNone/>
+            </a:pPr>
+            <a:endParaRPr lang="en-US" altLang="zh-CN" dirty="0"/>
+          </a:p>
+          <a:p>
+            <a:pPr marL="457200" lvl="1" indent="0">
+              <a:buNone/>
+            </a:pPr>
+            <a:endParaRPr lang="en-US" altLang="zh-CN" dirty="0"/>
+          </a:p>
+          <a:p>
+            <a:endParaRPr lang="zh-CN" altLang="en-US" dirty="0"/>
+          </a:p>
+        </p:txBody>
+      </p:sp>
+    </p:spTree>
+    <p:extLst>
+      <p:ext uri="{BB962C8B-B14F-4D97-AF65-F5344CB8AC3E}">
+        <p14:creationId xmlns:p14="http://schemas.microsoft.com/office/powerpoint/2010/main" val="3885169705"/>
+      </p:ext>
+    </p:extLst>
+  </p:cSld>
+  <p:clrMapOvr>
+    <a:masterClrMapping/>
+  </p:clrMapOvr>
+</p:sld>
+</file>
+
+<file path=ppt/slides/slide35.xml><?xml version="1.0" encoding="utf-8"?>
+<p:sld xmlns:a="http://schemas.openxmlformats.org/drawingml/2006/main" xmlns:r="http://schemas.openxmlformats.org/officeDocument/2006/relationships" xmlns:p="http://schemas.openxmlformats.org/presentationml/2006/main">
+  <p:cSld>
+    <p:spTree>
+      <p:nvGrpSpPr>
+        <p:cNvPr id="1" name=""/>
+        <p:cNvGrpSpPr/>
+        <p:nvPr/>
+      </p:nvGrpSpPr>
+      <p:grpSpPr>
+        <a:xfrm>
+          <a:off x="0" y="0"/>
+          <a:ext cx="0" cy="0"/>
+          <a:chOff x="0" y="0"/>
+          <a:chExt cx="0" cy="0"/>
+        </a:xfrm>
+      </p:grpSpPr>
+      <p:sp>
+        <p:nvSpPr>
+          <p:cNvPr id="2" name="标题 1">
+            <a:extLst>
+              <a:ext uri="{FF2B5EF4-FFF2-40B4-BE49-F238E27FC236}">
                 <a16:creationId xmlns:a16="http://schemas.microsoft.com/office/drawing/2014/main" id="{17E3CDEB-0CEB-4ED8-9E27-E20703C79760}"/>
               </a:ext>
             </a:extLst>
@@ -9047,7 +9338,7 @@
 </p:sld>
 </file>
 
-<file path=ppt/slides/slide35.xml><?xml version="1.0" encoding="utf-8"?>
+<file path=ppt/slides/slide36.xml><?xml version="1.0" encoding="utf-8"?>
 <p:sld xmlns:a="http://schemas.openxmlformats.org/drawingml/2006/main" xmlns:r="http://schemas.openxmlformats.org/officeDocument/2006/relationships" xmlns:p="http://schemas.openxmlformats.org/presentationml/2006/main">
   <p:cSld>
     <p:spTree>
@@ -9210,7 +9501,7 @@
 </p:sld>
 </file>
 
-<file path=ppt/slides/slide36.xml><?xml version="1.0" encoding="utf-8"?>
+<file path=ppt/slides/slide37.xml><?xml version="1.0" encoding="utf-8"?>
 <p:sld xmlns:a="http://schemas.openxmlformats.org/drawingml/2006/main" xmlns:r="http://schemas.openxmlformats.org/officeDocument/2006/relationships" xmlns:p="http://schemas.openxmlformats.org/presentationml/2006/main">
   <p:cSld>
     <p:spTree>
@@ -9393,7 +9684,7 @@
 </p:sld>
 </file>
 
-<file path=ppt/slides/slide37.xml><?xml version="1.0" encoding="utf-8"?>
+<file path=ppt/slides/slide38.xml><?xml version="1.0" encoding="utf-8"?>
 <p:sld xmlns:a="http://schemas.openxmlformats.org/drawingml/2006/main" xmlns:r="http://schemas.openxmlformats.org/officeDocument/2006/relationships" xmlns:p="http://schemas.openxmlformats.org/presentationml/2006/main">
   <p:cSld>
     <p:spTree>
@@ -9632,7 +9923,7 @@
 </p:sld>
 </file>
 
-<file path=ppt/slides/slide38.xml><?xml version="1.0" encoding="utf-8"?>
+<file path=ppt/slides/slide39.xml><?xml version="1.0" encoding="utf-8"?>
 <p:sld xmlns:a="http://schemas.openxmlformats.org/drawingml/2006/main" xmlns:r="http://schemas.openxmlformats.org/officeDocument/2006/relationships" xmlns:p="http://schemas.openxmlformats.org/presentationml/2006/main">
   <p:cSld>
     <p:spTree>
@@ -9719,256 +10010,6 @@
     <p:extLst>
       <p:ext uri="{BB962C8B-B14F-4D97-AF65-F5344CB8AC3E}">
         <p14:creationId xmlns:p14="http://schemas.microsoft.com/office/powerpoint/2010/main" val="1657024404"/>
-      </p:ext>
-    </p:extLst>
-  </p:cSld>
-  <p:clrMapOvr>
-    <a:masterClrMapping/>
-  </p:clrMapOvr>
-</p:sld>
-</file>
-
-<file path=ppt/slides/slide39.xml><?xml version="1.0" encoding="utf-8"?>
-<p:sld xmlns:a="http://schemas.openxmlformats.org/drawingml/2006/main" xmlns:r="http://schemas.openxmlformats.org/officeDocument/2006/relationships" xmlns:p="http://schemas.openxmlformats.org/presentationml/2006/main">
-  <p:cSld>
-    <p:spTree>
-      <p:nvGrpSpPr>
-        <p:cNvPr id="1" name=""/>
-        <p:cNvGrpSpPr/>
-        <p:nvPr/>
-      </p:nvGrpSpPr>
-      <p:grpSpPr>
-        <a:xfrm>
-          <a:off x="0" y="0"/>
-          <a:ext cx="0" cy="0"/>
-          <a:chOff x="0" y="0"/>
-          <a:chExt cx="0" cy="0"/>
-        </a:xfrm>
-      </p:grpSpPr>
-      <p:sp>
-        <p:nvSpPr>
-          <p:cNvPr id="2" name="标题 1">
-            <a:extLst>
-              <a:ext uri="{FF2B5EF4-FFF2-40B4-BE49-F238E27FC236}">
-                <a16:creationId xmlns:a16="http://schemas.microsoft.com/office/drawing/2014/main" id="{70E956D0-3AE4-4E9D-9FF5-A4A69D4AC2E1}"/>
-              </a:ext>
-            </a:extLst>
-          </p:cNvPr>
-          <p:cNvSpPr>
-            <a:spLocks noGrp="1"/>
-          </p:cNvSpPr>
-          <p:nvPr>
-            <p:ph type="title"/>
-          </p:nvPr>
-        </p:nvSpPr>
-        <p:spPr/>
-        <p:txBody>
-          <a:bodyPr/>
-          <a:lstStyle/>
-          <a:p>
-            <a:r>
-              <a:rPr lang="en-US" altLang="zh-CN" dirty="0"/>
-              <a:t>lua</a:t>
-            </a:r>
-            <a:r>
-              <a:rPr lang="zh-CN" altLang="en-US" dirty="0"/>
-              <a:t>优化</a:t>
-            </a:r>
-          </a:p>
-        </p:txBody>
-      </p:sp>
-      <p:sp>
-        <p:nvSpPr>
-          <p:cNvPr id="3" name="内容占位符 2">
-            <a:extLst>
-              <a:ext uri="{FF2B5EF4-FFF2-40B4-BE49-F238E27FC236}">
-                <a16:creationId xmlns:a16="http://schemas.microsoft.com/office/drawing/2014/main" id="{843D5817-A8BF-4A6F-8290-32EF3DEBA2CF}"/>
-              </a:ext>
-            </a:extLst>
-          </p:cNvPr>
-          <p:cNvSpPr>
-            <a:spLocks noGrp="1"/>
-          </p:cNvSpPr>
-          <p:nvPr>
-            <p:ph idx="1"/>
-          </p:nvPr>
-        </p:nvSpPr>
-        <p:spPr/>
-        <p:txBody>
-          <a:bodyPr/>
-          <a:lstStyle/>
-          <a:p>
-            <a:r>
-              <a:rPr lang="zh-CN" altLang="en-US" dirty="0"/>
-              <a:t>最初是二进制存储然后再</a:t>
-            </a:r>
-            <a:r>
-              <a:rPr lang="en-US" altLang="zh-CN" dirty="0"/>
-              <a:t>zip,</a:t>
-            </a:r>
-            <a:r>
-              <a:rPr lang="zh-CN" altLang="en-US" dirty="0"/>
-              <a:t>启动时</a:t>
-            </a:r>
-            <a:r>
-              <a:rPr lang="en-US" altLang="zh-CN" dirty="0"/>
-              <a:t>lua</a:t>
-            </a:r>
-            <a:r>
-              <a:rPr lang="zh-CN" altLang="en-US" dirty="0"/>
-              <a:t>读取</a:t>
-            </a:r>
-            <a:r>
-              <a:rPr lang="en-US" altLang="zh-CN" dirty="0"/>
-              <a:t>zip</a:t>
-            </a:r>
-            <a:r>
-              <a:rPr lang="zh-CN" altLang="en-US" dirty="0"/>
-              <a:t>加载</a:t>
-            </a:r>
-            <a:endParaRPr lang="en-US" altLang="zh-CN" dirty="0"/>
-          </a:p>
-          <a:p>
-            <a:pPr marL="514350" indent="-514350">
-              <a:buFont typeface="+mj-lt"/>
-              <a:buAutoNum type="arabicPeriod"/>
-            </a:pPr>
-            <a:endParaRPr lang="en-US" altLang="zh-CN" dirty="0"/>
-          </a:p>
-          <a:p>
-            <a:r>
-              <a:rPr lang="zh-CN" altLang="en-US" dirty="0"/>
-              <a:t>上线前优化：数据存储到</a:t>
-            </a:r>
-            <a:r>
-              <a:rPr lang="en-US" altLang="zh-CN" dirty="0"/>
-              <a:t>lua</a:t>
-            </a:r>
-            <a:r>
-              <a:rPr lang="zh-CN" altLang="en-US" dirty="0"/>
-              <a:t>文件里</a:t>
-            </a:r>
-            <a:r>
-              <a:rPr lang="en-US" altLang="zh-CN" dirty="0"/>
-              <a:t>,table</a:t>
-            </a:r>
-            <a:r>
-              <a:rPr lang="zh-CN" altLang="en-US" dirty="0"/>
-              <a:t>用</a:t>
-            </a:r>
-            <a:r>
-              <a:rPr lang="en-US" altLang="zh-CN" dirty="0"/>
-              <a:t>array</a:t>
-            </a:r>
-            <a:r>
-              <a:rPr lang="zh-CN" altLang="en-US" dirty="0"/>
-              <a:t>。</a:t>
-            </a:r>
-            <a:endParaRPr lang="en-US" altLang="zh-CN" dirty="0"/>
-          </a:p>
-          <a:p>
-            <a:pPr lvl="1"/>
-            <a:r>
-              <a:rPr lang="zh-CN" altLang="en-US" dirty="0"/>
-              <a:t>加载速度提高</a:t>
-            </a:r>
-            <a:r>
-              <a:rPr lang="en-US" altLang="zh-CN" dirty="0"/>
-              <a:t>10</a:t>
-            </a:r>
-            <a:r>
-              <a:rPr lang="zh-CN" altLang="en-US" dirty="0"/>
-              <a:t>倍，从</a:t>
-            </a:r>
-            <a:r>
-              <a:rPr lang="en-US" altLang="zh-CN" dirty="0"/>
-              <a:t>2.3s</a:t>
-            </a:r>
-            <a:r>
-              <a:rPr lang="zh-CN" altLang="en-US" dirty="0"/>
-              <a:t>提高到</a:t>
-            </a:r>
-            <a:r>
-              <a:rPr lang="en-US" altLang="zh-CN" dirty="0"/>
-              <a:t>0.24s</a:t>
-            </a:r>
-            <a:r>
-              <a:rPr lang="zh-CN" altLang="en-US" dirty="0"/>
-              <a:t>，</a:t>
-            </a:r>
-            <a:endParaRPr lang="en-US" altLang="zh-CN" dirty="0"/>
-          </a:p>
-          <a:p>
-            <a:endParaRPr lang="en-US" altLang="zh-CN" dirty="0"/>
-          </a:p>
-          <a:p>
-            <a:r>
-              <a:rPr lang="zh-CN" altLang="en-US" dirty="0"/>
-              <a:t>把数据格式从</a:t>
-            </a:r>
-            <a:r>
-              <a:rPr lang="en-US" altLang="zh-CN" dirty="0"/>
-              <a:t>{a=1,b=2,c=3}</a:t>
-            </a:r>
-            <a:r>
-              <a:rPr lang="zh-CN" altLang="en-US" dirty="0"/>
-              <a:t>变成</a:t>
-            </a:r>
-            <a:r>
-              <a:rPr lang="en-US" altLang="zh-CN" dirty="0"/>
-              <a:t>{1,2,3}(</a:t>
-            </a:r>
-            <a:r>
-              <a:rPr lang="zh-CN" altLang="en-US" dirty="0"/>
-              <a:t>利用</a:t>
-            </a:r>
-            <a:r>
-              <a:rPr lang="en-US" altLang="zh-CN" dirty="0"/>
-              <a:t>metatable,__index</a:t>
-            </a:r>
-            <a:r>
-              <a:rPr lang="zh-CN" altLang="en-US" dirty="0"/>
-              <a:t>程序接口不变</a:t>
-            </a:r>
-            <a:r>
-              <a:rPr lang="en-US" altLang="zh-CN" dirty="0"/>
-              <a:t>)</a:t>
-            </a:r>
-            <a:r>
-              <a:rPr lang="zh-CN" altLang="en-US" dirty="0"/>
-              <a:t>，</a:t>
-            </a:r>
-            <a:endParaRPr lang="en-US" altLang="zh-CN" dirty="0"/>
-          </a:p>
-          <a:p>
-            <a:pPr lvl="1"/>
-            <a:r>
-              <a:rPr lang="zh-CN" altLang="en-US" dirty="0"/>
-              <a:t>内存从</a:t>
-            </a:r>
-            <a:r>
-              <a:rPr lang="en-US" altLang="zh-CN" dirty="0"/>
-              <a:t>42M</a:t>
-            </a:r>
-            <a:r>
-              <a:rPr lang="zh-CN" altLang="en-US" dirty="0"/>
-              <a:t>优化到</a:t>
-            </a:r>
-            <a:r>
-              <a:rPr lang="en-US" altLang="zh-CN" dirty="0"/>
-              <a:t>26M</a:t>
-            </a:r>
-            <a:r>
-              <a:rPr lang="zh-CN" altLang="en-US" dirty="0"/>
-              <a:t>。</a:t>
-            </a:r>
-          </a:p>
-        </p:txBody>
-      </p:sp>
-    </p:spTree>
-    <p:extLst>
-      <p:ext uri="{BB962C8B-B14F-4D97-AF65-F5344CB8AC3E}">
-        <p14:creationId xmlns:p14="http://schemas.microsoft.com/office/powerpoint/2010/main" val="2657749152"/>
       </p:ext>
     </p:extLst>
   </p:cSld>
@@ -10159,7 +10200,7 @@
           <p:cNvPr id="2" name="标题 1">
             <a:extLst>
               <a:ext uri="{FF2B5EF4-FFF2-40B4-BE49-F238E27FC236}">
-                <a16:creationId xmlns:a16="http://schemas.microsoft.com/office/drawing/2014/main" id="{F5731731-7D1D-48F8-963F-AE68AC6F996E}"/>
+                <a16:creationId xmlns:a16="http://schemas.microsoft.com/office/drawing/2014/main" id="{70E956D0-3AE4-4E9D-9FF5-A4A69D4AC2E1}"/>
               </a:ext>
             </a:extLst>
           </p:cNvPr>
@@ -10177,7 +10218,7 @@
           <a:p>
             <a:r>
               <a:rPr lang="en-US" altLang="zh-CN" dirty="0"/>
-              <a:t>Lua</a:t>
+              <a:t>lua</a:t>
             </a:r>
             <a:r>
               <a:rPr lang="zh-CN" altLang="en-US" dirty="0"/>
@@ -10191,7 +10232,7 @@
           <p:cNvPr id="3" name="内容占位符 2">
             <a:extLst>
               <a:ext uri="{FF2B5EF4-FFF2-40B4-BE49-F238E27FC236}">
-                <a16:creationId xmlns:a16="http://schemas.microsoft.com/office/drawing/2014/main" id="{659B3051-E4ED-46F3-9AA5-ACADEF414248}"/>
+                <a16:creationId xmlns:a16="http://schemas.microsoft.com/office/drawing/2014/main" id="{843D5817-A8BF-4A6F-8290-32EF3DEBA2CF}"/>
               </a:ext>
             </a:extLst>
           </p:cNvPr>
@@ -10209,59 +10250,69 @@
           <a:p>
             <a:r>
               <a:rPr lang="zh-CN" altLang="en-US" dirty="0"/>
-              <a:t>延迟加载</a:t>
-            </a:r>
-            <a:r>
-              <a:rPr lang="en-US" altLang="zh-CN" dirty="0"/>
-              <a:t>lua,</a:t>
-            </a:r>
-            <a:r>
-              <a:rPr lang="zh-CN" altLang="en-US" dirty="0"/>
-              <a:t>只有需要用到表的时候再</a:t>
-            </a:r>
-            <a:r>
-              <a:rPr lang="en-US" altLang="zh-CN" dirty="0"/>
-              <a:t>require</a:t>
-            </a:r>
-            <a:r>
-              <a:rPr lang="zh-CN" altLang="en-US" dirty="0"/>
-              <a:t>。比如调用</a:t>
-            </a:r>
-            <a:r>
-              <a:rPr lang="en-US" altLang="zh-CN" dirty="0" err="1"/>
-              <a:t>cfg.item.commonitem.get</a:t>
-            </a:r>
-            <a:r>
-              <a:rPr lang="en-US" altLang="zh-CN" dirty="0"/>
-              <a:t>(xxx)</a:t>
-            </a:r>
-            <a:r>
-              <a:rPr lang="zh-CN" altLang="en-US" dirty="0"/>
-              <a:t>调用到</a:t>
-            </a:r>
-            <a:r>
-              <a:rPr lang="en-US" altLang="zh-CN" dirty="0"/>
-              <a:t>.get</a:t>
-            </a:r>
-            <a:r>
-              <a:rPr lang="zh-CN" altLang="en-US" dirty="0"/>
-              <a:t>时再去</a:t>
-            </a:r>
-            <a:r>
-              <a:rPr lang="en-US" altLang="zh-CN" dirty="0"/>
-              <a:t>require "</a:t>
-            </a:r>
-            <a:r>
-              <a:rPr lang="en-US" altLang="zh-CN" dirty="0" err="1"/>
-              <a:t>cfg.item.commonitem</a:t>
-            </a:r>
-            <a:r>
-              <a:rPr lang="en-US" altLang="zh-CN" dirty="0"/>
-              <a:t>"</a:t>
-            </a:r>
-            <a:r>
-              <a:rPr lang="zh-CN" altLang="en-US" dirty="0"/>
-              <a:t>表。</a:t>
+              <a:t>最初是二进制存储然后再</a:t>
+            </a:r>
+            <a:r>
+              <a:rPr lang="en-US" altLang="zh-CN" dirty="0"/>
+              <a:t>zip,</a:t>
+            </a:r>
+            <a:r>
+              <a:rPr lang="zh-CN" altLang="en-US" dirty="0"/>
+              <a:t>启动时</a:t>
+            </a:r>
+            <a:r>
+              <a:rPr lang="en-US" altLang="zh-CN" dirty="0"/>
+              <a:t>lua</a:t>
+            </a:r>
+            <a:r>
+              <a:rPr lang="zh-CN" altLang="en-US" dirty="0"/>
+              <a:t>读取</a:t>
+            </a:r>
+            <a:r>
+              <a:rPr lang="en-US" altLang="zh-CN" dirty="0"/>
+              <a:t>zip</a:t>
+            </a:r>
+            <a:r>
+              <a:rPr lang="zh-CN" altLang="en-US" dirty="0"/>
+              <a:t>加载</a:t>
+            </a:r>
+            <a:endParaRPr lang="en-US" altLang="zh-CN" dirty="0"/>
+          </a:p>
+          <a:p>
+            <a:pPr marL="514350" indent="-514350">
+              <a:buFont typeface="+mj-lt"/>
+              <a:buAutoNum type="arabicPeriod"/>
+            </a:pPr>
+            <a:endParaRPr lang="en-US" altLang="zh-CN" dirty="0"/>
+          </a:p>
+          <a:p>
+            <a:r>
+              <a:rPr lang="zh-CN" altLang="en-US" dirty="0"/>
+              <a:t>上线前优化：数据存储到</a:t>
+            </a:r>
+            <a:r>
+              <a:rPr lang="en-US" altLang="zh-CN" dirty="0"/>
+              <a:t>lua</a:t>
+            </a:r>
+            <a:r>
+              <a:rPr lang="zh-CN" altLang="en-US" dirty="0"/>
+              <a:t>文件里</a:t>
+            </a:r>
+            <a:r>
+              <a:rPr lang="en-US" altLang="zh-CN" dirty="0"/>
+              <a:t>,table</a:t>
+            </a:r>
+            <a:r>
+              <a:rPr lang="zh-CN" altLang="en-US" dirty="0"/>
+              <a:t>用</a:t>
+            </a:r>
+            <a:r>
+              <a:rPr lang="en-US" altLang="zh-CN" dirty="0"/>
+              <a:t>array</a:t>
+            </a:r>
+            <a:r>
+              <a:rPr lang="zh-CN" altLang="en-US" dirty="0"/>
+              <a:t>。</a:t>
             </a:r>
             <a:endParaRPr lang="en-US" altLang="zh-CN" dirty="0"/>
           </a:p>
@@ -10269,48 +10320,65 @@
             <a:pPr lvl="1"/>
             <a:r>
               <a:rPr lang="zh-CN" altLang="en-US" dirty="0"/>
-              <a:t>可以提升加载速度和减少内存占用</a:t>
-            </a:r>
-            <a:endParaRPr lang="en-US" altLang="zh-CN" dirty="0"/>
-          </a:p>
-          <a:p>
-            <a:pPr marL="457200" lvl="1" indent="0">
-              <a:buNone/>
-            </a:pPr>
-            <a:endParaRPr lang="en-US" altLang="zh-CN" dirty="0"/>
-          </a:p>
-          <a:p>
-            <a:r>
-              <a:rPr lang="en-US" altLang="zh-CN" dirty="0"/>
-              <a:t>2019</a:t>
-            </a:r>
-            <a:r>
-              <a:rPr lang="zh-CN" altLang="en-US" dirty="0"/>
-              <a:t>年</a:t>
-            </a:r>
-            <a:r>
-              <a:rPr lang="en-US" altLang="zh-CN" dirty="0"/>
-              <a:t>12</a:t>
-            </a:r>
-            <a:r>
-              <a:rPr lang="zh-CN" altLang="en-US" dirty="0"/>
-              <a:t>月</a:t>
-            </a:r>
-            <a:r>
-              <a:rPr lang="en-US" altLang="zh-CN" dirty="0"/>
-              <a:t>(</a:t>
-            </a:r>
-            <a:r>
-              <a:rPr lang="zh-CN" altLang="en-US" dirty="0"/>
-              <a:t>上线</a:t>
-            </a:r>
-            <a:r>
-              <a:rPr lang="en-US" altLang="zh-CN" dirty="0"/>
-              <a:t>1</a:t>
-            </a:r>
-            <a:r>
-              <a:rPr lang="zh-CN" altLang="en-US" dirty="0"/>
-              <a:t>年半</a:t>
+              <a:t>加载速度提高</a:t>
+            </a:r>
+            <a:r>
+              <a:rPr lang="en-US" altLang="zh-CN" dirty="0"/>
+              <a:t>10</a:t>
+            </a:r>
+            <a:r>
+              <a:rPr lang="zh-CN" altLang="en-US" dirty="0"/>
+              <a:t>倍，从</a:t>
+            </a:r>
+            <a:r>
+              <a:rPr lang="en-US" altLang="zh-CN" dirty="0"/>
+              <a:t>2.3s</a:t>
+            </a:r>
+            <a:r>
+              <a:rPr lang="zh-CN" altLang="en-US" dirty="0"/>
+              <a:t>提高到</a:t>
+            </a:r>
+            <a:r>
+              <a:rPr lang="en-US" altLang="zh-CN" dirty="0"/>
+              <a:t>0.24s</a:t>
+            </a:r>
+            <a:r>
+              <a:rPr lang="zh-CN" altLang="en-US" dirty="0"/>
+              <a:t>，</a:t>
+            </a:r>
+            <a:endParaRPr lang="en-US" altLang="zh-CN" dirty="0"/>
+          </a:p>
+          <a:p>
+            <a:endParaRPr lang="en-US" altLang="zh-CN" dirty="0"/>
+          </a:p>
+          <a:p>
+            <a:r>
+              <a:rPr lang="zh-CN" altLang="en-US" dirty="0"/>
+              <a:t>把数据格式从</a:t>
+            </a:r>
+            <a:r>
+              <a:rPr lang="en-US" altLang="zh-CN" dirty="0"/>
+              <a:t>{a=1,b=2,c=3}</a:t>
+            </a:r>
+            <a:r>
+              <a:rPr lang="zh-CN" altLang="en-US" dirty="0"/>
+              <a:t>变成</a:t>
+            </a:r>
+            <a:r>
+              <a:rPr lang="en-US" altLang="zh-CN" dirty="0"/>
+              <a:t>{1,2,3}(</a:t>
+            </a:r>
+            <a:r>
+              <a:rPr lang="zh-CN" altLang="en-US" dirty="0"/>
+              <a:t>利用</a:t>
+            </a:r>
+            <a:r>
+              <a:rPr lang="en-US" altLang="zh-CN" dirty="0"/>
+              <a:t>metatable,__index</a:t>
+            </a:r>
+            <a:r>
+              <a:rPr lang="zh-CN" altLang="en-US" dirty="0"/>
+              <a:t>程序接口不变</a:t>
             </a:r>
             <a:r>
               <a:rPr lang="en-US" altLang="zh-CN" dirty="0"/>
@@ -10318,7 +10386,7 @@
             </a:r>
             <a:r>
               <a:rPr lang="zh-CN" altLang="en-US" dirty="0"/>
-              <a:t>数据：</a:t>
+              <a:t>，</a:t>
             </a:r>
             <a:endParaRPr lang="en-US" altLang="zh-CN" dirty="0"/>
           </a:p>
@@ -10326,63 +10394,31 @@
             <a:pPr lvl="1"/>
             <a:r>
               <a:rPr lang="zh-CN" altLang="en-US" dirty="0"/>
-              <a:t>策划配表数据全部加载的话占用内存到</a:t>
-            </a:r>
-            <a:r>
-              <a:rPr lang="en-US" altLang="zh-CN" dirty="0"/>
-              <a:t>99.2M</a:t>
-            </a:r>
-            <a:r>
-              <a:rPr lang="zh-CN" altLang="en-US" dirty="0"/>
-              <a:t>了</a:t>
-            </a:r>
-            <a:r>
-              <a:rPr lang="en-US" altLang="zh-CN" dirty="0"/>
-              <a:t>(</a:t>
-            </a:r>
-            <a:r>
-              <a:rPr lang="en-US" altLang="zh-CN" dirty="0" err="1"/>
-              <a:t>luajit</a:t>
-            </a:r>
-            <a:r>
-              <a:rPr lang="zh-CN" altLang="en-US" dirty="0"/>
-              <a:t>是</a:t>
-            </a:r>
-            <a:r>
-              <a:rPr lang="en-US" altLang="zh-CN" dirty="0"/>
-              <a:t>99.2M,</a:t>
-            </a:r>
-            <a:r>
-              <a:rPr lang="zh-CN" altLang="en-US" dirty="0"/>
-              <a:t>对应官方</a:t>
-            </a:r>
-            <a:r>
-              <a:rPr lang="en-US" altLang="zh-CN" dirty="0"/>
-              <a:t>lua</a:t>
-            </a:r>
-            <a:r>
-              <a:rPr lang="zh-CN" altLang="en-US" dirty="0"/>
-              <a:t>是</a:t>
-            </a:r>
-            <a:r>
-              <a:rPr lang="en-US" altLang="zh-CN" dirty="0"/>
-              <a:t>155.7M)</a:t>
-            </a:r>
-            <a:r>
-              <a:rPr lang="zh-CN" altLang="en-US" dirty="0"/>
-              <a:t>，需要优化</a:t>
-            </a:r>
-            <a:endParaRPr lang="en-US" altLang="zh-CN" dirty="0"/>
-          </a:p>
-          <a:p>
-            <a:endParaRPr lang="zh-CN" altLang="en-US" dirty="0"/>
+              <a:t>内存从</a:t>
+            </a:r>
+            <a:r>
+              <a:rPr lang="en-US" altLang="zh-CN" dirty="0"/>
+              <a:t>42M</a:t>
+            </a:r>
+            <a:r>
+              <a:rPr lang="zh-CN" altLang="en-US" dirty="0"/>
+              <a:t>优化到</a:t>
+            </a:r>
+            <a:r>
+              <a:rPr lang="en-US" altLang="zh-CN" dirty="0"/>
+              <a:t>26M</a:t>
+            </a:r>
+            <a:r>
+              <a:rPr lang="zh-CN" altLang="en-US" dirty="0"/>
+              <a:t>。</a:t>
+            </a:r>
           </a:p>
         </p:txBody>
       </p:sp>
     </p:spTree>
     <p:extLst>
       <p:ext uri="{BB962C8B-B14F-4D97-AF65-F5344CB8AC3E}">
-        <p14:creationId xmlns:p14="http://schemas.microsoft.com/office/powerpoint/2010/main" val="3231034077"/>
+        <p14:creationId xmlns:p14="http://schemas.microsoft.com/office/powerpoint/2010/main" val="2657749152"/>
       </p:ext>
     </p:extLst>
   </p:cSld>
@@ -10414,7 +10450,7 @@
           <p:cNvPr id="2" name="标题 1">
             <a:extLst>
               <a:ext uri="{FF2B5EF4-FFF2-40B4-BE49-F238E27FC236}">
-                <a16:creationId xmlns:a16="http://schemas.microsoft.com/office/drawing/2014/main" id="{B40114A3-2197-4381-AA3B-CF00F2D3C676}"/>
+                <a16:creationId xmlns:a16="http://schemas.microsoft.com/office/drawing/2014/main" id="{F5731731-7D1D-48F8-963F-AE68AC6F996E}"/>
               </a:ext>
             </a:extLst>
           </p:cNvPr>
@@ -10446,7 +10482,7 @@
           <p:cNvPr id="3" name="内容占位符 2">
             <a:extLst>
               <a:ext uri="{FF2B5EF4-FFF2-40B4-BE49-F238E27FC236}">
-                <a16:creationId xmlns:a16="http://schemas.microsoft.com/office/drawing/2014/main" id="{81E6730C-1987-4ACE-A97B-D1719883858D}"/>
+                <a16:creationId xmlns:a16="http://schemas.microsoft.com/office/drawing/2014/main" id="{659B3051-E4ED-46F3-9AA5-ACADEF414248}"/>
               </a:ext>
             </a:extLst>
           </p:cNvPr>
@@ -10457,21 +10493,66 @@
             <p:ph idx="1"/>
           </p:nvPr>
         </p:nvSpPr>
-        <p:spPr>
-          <a:xfrm>
-            <a:off x="838200" y="1816389"/>
-            <a:ext cx="10515600" cy="4351338"/>
-          </a:xfrm>
-        </p:spPr>
-        <p:txBody>
-          <a:bodyPr>
-            <a:normAutofit fontScale="92500" lnSpcReduction="10000"/>
-          </a:bodyPr>
-          <a:lstStyle/>
-          <a:p>
-            <a:r>
-              <a:rPr lang="zh-CN" altLang="en-US" dirty="0"/>
-              <a:t>提取公共结构。在同一个表中共享。</a:t>
+        <p:spPr/>
+        <p:txBody>
+          <a:bodyPr/>
+          <a:lstStyle/>
+          <a:p>
+            <a:r>
+              <a:rPr lang="zh-CN" altLang="en-US" dirty="0"/>
+              <a:t>延迟加载</a:t>
+            </a:r>
+            <a:r>
+              <a:rPr lang="en-US" altLang="zh-CN" dirty="0"/>
+              <a:t>lua,</a:t>
+            </a:r>
+            <a:r>
+              <a:rPr lang="zh-CN" altLang="en-US" dirty="0"/>
+              <a:t>只有需要用到表的时候再</a:t>
+            </a:r>
+            <a:r>
+              <a:rPr lang="en-US" altLang="zh-CN" dirty="0"/>
+              <a:t>require</a:t>
+            </a:r>
+            <a:r>
+              <a:rPr lang="zh-CN" altLang="en-US" dirty="0"/>
+              <a:t>。比如调用</a:t>
+            </a:r>
+            <a:r>
+              <a:rPr lang="en-US" altLang="zh-CN" dirty="0" err="1"/>
+              <a:t>cfg.item.commonitem.get</a:t>
+            </a:r>
+            <a:r>
+              <a:rPr lang="en-US" altLang="zh-CN" dirty="0"/>
+              <a:t>(xxx)</a:t>
+            </a:r>
+            <a:r>
+              <a:rPr lang="zh-CN" altLang="en-US" dirty="0"/>
+              <a:t>调用到</a:t>
+            </a:r>
+            <a:r>
+              <a:rPr lang="en-US" altLang="zh-CN" dirty="0"/>
+              <a:t>.get</a:t>
+            </a:r>
+            <a:r>
+              <a:rPr lang="zh-CN" altLang="en-US" dirty="0"/>
+              <a:t>时再去</a:t>
+            </a:r>
+            <a:r>
+              <a:rPr lang="en-US" altLang="zh-CN" dirty="0"/>
+              <a:t>require "</a:t>
+            </a:r>
+            <a:r>
+              <a:rPr lang="en-US" altLang="zh-CN" dirty="0" err="1"/>
+              <a:t>cfg.item.commonitem</a:t>
+            </a:r>
+            <a:r>
+              <a:rPr lang="en-US" altLang="zh-CN" dirty="0"/>
+              <a:t>"</a:t>
+            </a:r>
+            <a:r>
+              <a:rPr lang="zh-CN" altLang="en-US" dirty="0"/>
+              <a:t>表。</a:t>
             </a:r>
             <a:endParaRPr lang="en-US" altLang="zh-CN" dirty="0"/>
           </a:p>
@@ -10479,7 +10560,64 @@
             <a:pPr lvl="1"/>
             <a:r>
               <a:rPr lang="zh-CN" altLang="en-US" dirty="0"/>
-              <a:t>从</a:t>
+              <a:t>可以提升加载速度和减少内存占用</a:t>
+            </a:r>
+            <a:endParaRPr lang="en-US" altLang="zh-CN" dirty="0"/>
+          </a:p>
+          <a:p>
+            <a:pPr marL="457200" lvl="1" indent="0">
+              <a:buNone/>
+            </a:pPr>
+            <a:endParaRPr lang="en-US" altLang="zh-CN" dirty="0"/>
+          </a:p>
+          <a:p>
+            <a:r>
+              <a:rPr lang="en-US" altLang="zh-CN" dirty="0"/>
+              <a:t>2019</a:t>
+            </a:r>
+            <a:r>
+              <a:rPr lang="zh-CN" altLang="en-US" dirty="0"/>
+              <a:t>年</a:t>
+            </a:r>
+            <a:r>
+              <a:rPr lang="en-US" altLang="zh-CN" dirty="0"/>
+              <a:t>12</a:t>
+            </a:r>
+            <a:r>
+              <a:rPr lang="zh-CN" altLang="en-US" dirty="0"/>
+              <a:t>月</a:t>
+            </a:r>
+            <a:r>
+              <a:rPr lang="en-US" altLang="zh-CN" dirty="0"/>
+              <a:t>(</a:t>
+            </a:r>
+            <a:r>
+              <a:rPr lang="zh-CN" altLang="en-US" dirty="0"/>
+              <a:t>上线</a:t>
+            </a:r>
+            <a:r>
+              <a:rPr lang="en-US" altLang="zh-CN" dirty="0"/>
+              <a:t>1</a:t>
+            </a:r>
+            <a:r>
+              <a:rPr lang="zh-CN" altLang="en-US" dirty="0"/>
+              <a:t>年半</a:t>
+            </a:r>
+            <a:r>
+              <a:rPr lang="en-US" altLang="zh-CN" dirty="0"/>
+              <a:t>)</a:t>
+            </a:r>
+            <a:r>
+              <a:rPr lang="zh-CN" altLang="en-US" dirty="0"/>
+              <a:t>数据：</a:t>
+            </a:r>
+            <a:endParaRPr lang="en-US" altLang="zh-CN" dirty="0"/>
+          </a:p>
+          <a:p>
+            <a:pPr lvl="1"/>
+            <a:r>
+              <a:rPr lang="zh-CN" altLang="en-US" dirty="0"/>
+              <a:t>策划配表数据全部加载的话占用内存到</a:t>
             </a:r>
             <a:r>
               <a:rPr lang="en-US" altLang="zh-CN" dirty="0"/>
@@ -10487,197 +10625,27 @@
             </a:r>
             <a:r>
               <a:rPr lang="zh-CN" altLang="en-US" dirty="0"/>
-              <a:t>优化到</a:t>
-            </a:r>
-            <a:r>
-              <a:rPr lang="en-US" altLang="zh-CN" dirty="0"/>
-              <a:t>70.3M</a:t>
-            </a:r>
-            <a:r>
-              <a:rPr lang="zh-CN" altLang="en-US" dirty="0"/>
-              <a:t>，优化掉了</a:t>
-            </a:r>
-            <a:r>
-              <a:rPr lang="en-US" altLang="zh-CN" dirty="0"/>
-              <a:t>30</a:t>
-            </a:r>
-            <a:r>
-              <a:rPr lang="zh-CN" altLang="en-US" dirty="0"/>
-              <a:t>Ｍ（只提取空</a:t>
-            </a:r>
-            <a:r>
-              <a:rPr lang="en-US" altLang="zh-CN" dirty="0"/>
-              <a:t>table</a:t>
-            </a:r>
-            <a:r>
-              <a:rPr lang="zh-CN" altLang="en-US" dirty="0"/>
-              <a:t>｛｝就优化了</a:t>
-            </a:r>
-            <a:r>
-              <a:rPr lang="en-US" altLang="zh-CN" dirty="0"/>
-              <a:t>10</a:t>
-            </a:r>
-            <a:r>
-              <a:rPr lang="zh-CN" altLang="en-US" dirty="0"/>
-              <a:t>多Ｍ）</a:t>
-            </a:r>
-            <a:endParaRPr lang="en-US" altLang="zh-CN" dirty="0"/>
-          </a:p>
-          <a:p>
-            <a:pPr lvl="1"/>
-            <a:endParaRPr lang="en-US" altLang="zh-CN" dirty="0"/>
-          </a:p>
-          <a:p>
-            <a:r>
-              <a:rPr lang="zh-CN" altLang="en-US" dirty="0"/>
-              <a:t>结构</a:t>
-            </a:r>
-            <a:r>
-              <a:rPr lang="en-US" altLang="zh-CN" dirty="0"/>
-              <a:t>bean</a:t>
-            </a:r>
-            <a:r>
-              <a:rPr lang="zh-CN" altLang="en-US" dirty="0"/>
-              <a:t>中所有</a:t>
-            </a:r>
-            <a:r>
-              <a:rPr lang="en-US" altLang="zh-CN" dirty="0"/>
-              <a:t>bool</a:t>
-            </a:r>
-            <a:r>
-              <a:rPr lang="zh-CN" altLang="en-US" dirty="0"/>
-              <a:t>类型数压缩成一个</a:t>
-            </a:r>
-            <a:r>
-              <a:rPr lang="en-US" altLang="zh-CN" dirty="0"/>
-              <a:t>int</a:t>
-            </a:r>
-            <a:r>
-              <a:rPr lang="zh-CN" altLang="en-US" dirty="0"/>
-              <a:t>。当然程序接口仍然不变。比如其中一行是｛</a:t>
-            </a:r>
-            <a:r>
-              <a:rPr lang="en-US" altLang="zh-CN" dirty="0"/>
-              <a:t>100, true, false, "</a:t>
+              <a:t>了</a:t>
+            </a:r>
+            <a:r>
+              <a:rPr lang="en-US" altLang="zh-CN" dirty="0"/>
+              <a:t>(</a:t>
             </a:r>
             <a:r>
               <a:rPr lang="en-US" altLang="zh-CN" dirty="0" err="1"/>
-              <a:t>abc</a:t>
-            </a:r>
-            <a:r>
-              <a:rPr lang="en-US" altLang="zh-CN" dirty="0"/>
-              <a:t>", true, true</a:t>
-            </a:r>
-            <a:r>
-              <a:rPr lang="zh-CN" altLang="en-US" dirty="0"/>
-              <a:t>｝</a:t>
-            </a:r>
-            <a:r>
-              <a:rPr lang="en-US" altLang="zh-CN" dirty="0"/>
-              <a:t>,</a:t>
-            </a:r>
-            <a:r>
-              <a:rPr lang="zh-CN" altLang="en-US" dirty="0"/>
-              <a:t>压缩后变成｛</a:t>
-            </a:r>
-            <a:r>
-              <a:rPr lang="en-US" altLang="zh-CN" dirty="0"/>
-              <a:t>100, 0xb, "</a:t>
-            </a:r>
-            <a:r>
-              <a:rPr lang="en-US" altLang="zh-CN" dirty="0" err="1"/>
-              <a:t>abc</a:t>
-            </a:r>
-            <a:r>
-              <a:rPr lang="en-US" altLang="zh-CN" dirty="0"/>
-              <a:t>"</a:t>
-            </a:r>
-            <a:r>
-              <a:rPr lang="zh-CN" altLang="en-US" dirty="0"/>
-              <a:t>｝，</a:t>
-            </a:r>
-            <a:r>
-              <a:rPr lang="en-US" altLang="zh-CN" dirty="0"/>
-              <a:t>4</a:t>
-            </a:r>
-            <a:r>
-              <a:rPr lang="zh-CN" altLang="en-US" dirty="0"/>
-              <a:t>个</a:t>
-            </a:r>
-            <a:r>
-              <a:rPr lang="en-US" altLang="zh-CN" dirty="0"/>
-              <a:t>bool</a:t>
-            </a:r>
-            <a:r>
-              <a:rPr lang="zh-CN" altLang="en-US" dirty="0"/>
-              <a:t>变成一个</a:t>
-            </a:r>
-            <a:r>
-              <a:rPr lang="en-US" altLang="zh-CN" dirty="0"/>
-              <a:t>int</a:t>
-            </a:r>
-            <a:r>
-              <a:rPr lang="zh-CN" altLang="en-US" dirty="0"/>
-              <a:t>。</a:t>
-            </a:r>
-            <a:endParaRPr lang="en-US" altLang="zh-CN" dirty="0"/>
-          </a:p>
-          <a:p>
-            <a:pPr lvl="1"/>
-            <a:r>
-              <a:rPr lang="zh-CN" altLang="en-US" dirty="0"/>
-              <a:t>内存变为</a:t>
-            </a:r>
-            <a:r>
-              <a:rPr lang="en-US" altLang="zh-CN" dirty="0"/>
-              <a:t>68.4M</a:t>
-            </a:r>
-            <a:r>
-              <a:rPr lang="zh-CN" altLang="en-US" dirty="0"/>
-              <a:t>降了</a:t>
-            </a:r>
-            <a:r>
-              <a:rPr lang="en-US" altLang="zh-CN" dirty="0"/>
-              <a:t>2M</a:t>
-            </a:r>
-            <a:r>
-              <a:rPr lang="zh-CN" altLang="en-US" dirty="0"/>
-              <a:t>，不明显</a:t>
-            </a:r>
-            <a:endParaRPr lang="en-US" altLang="zh-CN" dirty="0"/>
-          </a:p>
-          <a:p>
-            <a:pPr lvl="1"/>
-            <a:endParaRPr lang="en-US" altLang="zh-CN" dirty="0"/>
-          </a:p>
-          <a:p>
-            <a:r>
-              <a:rPr lang="zh-CN" altLang="en-US" dirty="0"/>
-              <a:t>列模式，对</a:t>
-            </a:r>
-            <a:r>
-              <a:rPr lang="en-US" altLang="zh-CN" dirty="0" err="1"/>
-              <a:t>int,bool</a:t>
-            </a:r>
-            <a:r>
-              <a:rPr lang="zh-CN" altLang="en-US" dirty="0"/>
-              <a:t>做压缩。当然程序接口仍然不变。如果一个表有</a:t>
-            </a:r>
-            <a:r>
-              <a:rPr lang="en-US" altLang="zh-CN" dirty="0"/>
-              <a:t>5</a:t>
-            </a:r>
-            <a:r>
-              <a:rPr lang="zh-CN" altLang="en-US" dirty="0"/>
-              <a:t>列</a:t>
-            </a:r>
-            <a:r>
-              <a:rPr lang="en-US" altLang="zh-CN" dirty="0"/>
-              <a:t>10000</a:t>
-            </a:r>
-            <a:r>
-              <a:rPr lang="zh-CN" altLang="en-US" dirty="0"/>
-              <a:t>行，那存成</a:t>
+              <a:t>luajit</a:t>
+            </a:r>
+            <a:r>
+              <a:rPr lang="zh-CN" altLang="en-US" dirty="0"/>
+              <a:t>是</a:t>
+            </a:r>
+            <a:r>
+              <a:rPr lang="en-US" altLang="zh-CN" dirty="0"/>
+              <a:t>99.2M,</a:t>
+            </a:r>
+            <a:r>
+              <a:rPr lang="zh-CN" altLang="en-US" dirty="0"/>
+              <a:t>对应官方</a:t>
             </a:r>
             <a:r>
               <a:rPr lang="en-US" altLang="zh-CN" dirty="0"/>
@@ -10685,73 +10653,16 @@
             </a:r>
             <a:r>
               <a:rPr lang="zh-CN" altLang="en-US" dirty="0"/>
-              <a:t>代码就是５行，每行的</a:t>
-            </a:r>
-            <a:r>
-              <a:rPr lang="en-US" altLang="zh-CN" dirty="0"/>
-              <a:t>table</a:t>
-            </a:r>
-            <a:r>
-              <a:rPr lang="zh-CN" altLang="en-US" dirty="0"/>
-              <a:t>里有</a:t>
-            </a:r>
-            <a:r>
-              <a:rPr lang="en-US" altLang="zh-CN" dirty="0"/>
-              <a:t>10000</a:t>
-            </a:r>
-            <a:r>
-              <a:rPr lang="zh-CN" altLang="en-US" dirty="0"/>
-              <a:t>，那么</a:t>
-            </a:r>
-            <a:r>
-              <a:rPr lang="en-US" altLang="zh-CN" dirty="0"/>
-              <a:t>10000</a:t>
-            </a:r>
-            <a:r>
-              <a:rPr lang="zh-CN" altLang="en-US" dirty="0"/>
-              <a:t>个</a:t>
-            </a:r>
-            <a:r>
-              <a:rPr lang="en-US" altLang="zh-CN" dirty="0"/>
-              <a:t>bool</a:t>
-            </a:r>
-            <a:r>
-              <a:rPr lang="zh-CN" altLang="en-US" dirty="0"/>
-              <a:t>，只用存</a:t>
-            </a:r>
-            <a:r>
-              <a:rPr lang="en-US" altLang="zh-CN" dirty="0"/>
-              <a:t>10000/53=189</a:t>
-            </a:r>
-            <a:r>
-              <a:rPr lang="zh-CN" altLang="en-US" dirty="0"/>
-              <a:t>个整数就够了</a:t>
-            </a:r>
-            <a:r>
-              <a:rPr lang="en-US" altLang="zh-CN" dirty="0"/>
-              <a:t>.</a:t>
-            </a:r>
-          </a:p>
-          <a:p>
-            <a:pPr lvl="1"/>
-            <a:r>
-              <a:rPr lang="zh-CN" altLang="en-US" dirty="0"/>
-              <a:t>自动分析，列模式可减内存时使用列模式，内存占用从</a:t>
-            </a:r>
-            <a:r>
-              <a:rPr lang="en-US" altLang="zh-CN" dirty="0"/>
-              <a:t>68.4</a:t>
-            </a:r>
-            <a:r>
-              <a:rPr lang="zh-CN" altLang="en-US" dirty="0"/>
-              <a:t>Ｍ降为</a:t>
-            </a:r>
-            <a:r>
-              <a:rPr lang="en-US" altLang="zh-CN" dirty="0"/>
-              <a:t>54.2M</a:t>
-            </a:r>
-          </a:p>
-          <a:p>
+              <a:t>是</a:t>
+            </a:r>
+            <a:r>
+              <a:rPr lang="en-US" altLang="zh-CN" dirty="0"/>
+              <a:t>155.7M)</a:t>
+            </a:r>
+            <a:r>
+              <a:rPr lang="zh-CN" altLang="en-US" dirty="0"/>
+              <a:t>，需要优化</a:t>
+            </a:r>
             <a:endParaRPr lang="en-US" altLang="zh-CN" dirty="0"/>
           </a:p>
           <a:p>
@@ -10762,7 +10673,7 @@
     </p:spTree>
     <p:extLst>
       <p:ext uri="{BB962C8B-B14F-4D97-AF65-F5344CB8AC3E}">
-        <p14:creationId xmlns:p14="http://schemas.microsoft.com/office/powerpoint/2010/main" val="3381581964"/>
+        <p14:creationId xmlns:p14="http://schemas.microsoft.com/office/powerpoint/2010/main" val="3231034077"/>
       </p:ext>
     </p:extLst>
   </p:cSld>
@@ -10794,7 +10705,7 @@
           <p:cNvPr id="2" name="标题 1">
             <a:extLst>
               <a:ext uri="{FF2B5EF4-FFF2-40B4-BE49-F238E27FC236}">
-                <a16:creationId xmlns:a16="http://schemas.microsoft.com/office/drawing/2014/main" id="{A6A06ACD-7EE1-4763-9427-7F87FCF46ED8}"/>
+                <a16:creationId xmlns:a16="http://schemas.microsoft.com/office/drawing/2014/main" id="{B40114A3-2197-4381-AA3B-CF00F2D3C676}"/>
               </a:ext>
             </a:extLst>
           </p:cNvPr>
@@ -10812,11 +10723,11 @@
           <a:p>
             <a:r>
               <a:rPr lang="en-US" altLang="zh-CN" dirty="0"/>
-              <a:t>Configgen</a:t>
-            </a:r>
-            <a:r>
-              <a:rPr lang="zh-CN" altLang="en-US" dirty="0"/>
-              <a:t>的实现</a:t>
+              <a:t>Lua</a:t>
+            </a:r>
+            <a:r>
+              <a:rPr lang="zh-CN" altLang="en-US" dirty="0"/>
+              <a:t>优化</a:t>
             </a:r>
           </a:p>
         </p:txBody>
@@ -10826,7 +10737,7 @@
           <p:cNvPr id="3" name="内容占位符 2">
             <a:extLst>
               <a:ext uri="{FF2B5EF4-FFF2-40B4-BE49-F238E27FC236}">
-                <a16:creationId xmlns:a16="http://schemas.microsoft.com/office/drawing/2014/main" id="{19253826-06B7-4EA3-B01F-707A7F0A8206}"/>
+                <a16:creationId xmlns:a16="http://schemas.microsoft.com/office/drawing/2014/main" id="{81E6730C-1987-4ACE-A97B-D1719883858D}"/>
               </a:ext>
             </a:extLst>
           </p:cNvPr>
@@ -10837,203 +10748,312 @@
             <p:ph idx="1"/>
           </p:nvPr>
         </p:nvSpPr>
-        <p:spPr/>
-        <p:txBody>
-          <a:bodyPr/>
-          <a:lstStyle/>
-          <a:p>
+        <p:spPr>
+          <a:xfrm>
+            <a:off x="838200" y="1816389"/>
+            <a:ext cx="10515600" cy="4351338"/>
+          </a:xfrm>
+        </p:spPr>
+        <p:txBody>
+          <a:bodyPr>
+            <a:normAutofit fontScale="92500" lnSpcReduction="10000"/>
+          </a:bodyPr>
+          <a:lstStyle/>
+          <a:p>
+            <a:r>
+              <a:rPr lang="zh-CN" altLang="en-US" dirty="0"/>
+              <a:t>提取公共结构。在同一个表中共享。</a:t>
+            </a:r>
+            <a:endParaRPr lang="en-US" altLang="zh-CN" dirty="0"/>
+          </a:p>
+          <a:p>
+            <a:pPr lvl="1"/>
+            <a:r>
+              <a:rPr lang="zh-CN" altLang="en-US" dirty="0"/>
+              <a:t>从</a:t>
+            </a:r>
+            <a:r>
+              <a:rPr lang="en-US" altLang="zh-CN" dirty="0"/>
+              <a:t>99.2M</a:t>
+            </a:r>
+            <a:r>
+              <a:rPr lang="zh-CN" altLang="en-US" dirty="0"/>
+              <a:t>优化到</a:t>
+            </a:r>
+            <a:r>
+              <a:rPr lang="en-US" altLang="zh-CN" dirty="0"/>
+              <a:t>70.3M</a:t>
+            </a:r>
+            <a:r>
+              <a:rPr lang="zh-CN" altLang="en-US" dirty="0"/>
+              <a:t>，优化掉了</a:t>
+            </a:r>
+            <a:r>
+              <a:rPr lang="en-US" altLang="zh-CN" dirty="0"/>
+              <a:t>30</a:t>
+            </a:r>
+            <a:r>
+              <a:rPr lang="zh-CN" altLang="en-US" dirty="0"/>
+              <a:t>Ｍ（只提取空</a:t>
+            </a:r>
+            <a:r>
+              <a:rPr lang="en-US" altLang="zh-CN" dirty="0"/>
+              <a:t>table</a:t>
+            </a:r>
+            <a:r>
+              <a:rPr lang="zh-CN" altLang="en-US" dirty="0"/>
+              <a:t>｛｝就优化了</a:t>
+            </a:r>
+            <a:r>
+              <a:rPr lang="en-US" altLang="zh-CN" dirty="0"/>
+              <a:t>10</a:t>
+            </a:r>
+            <a:r>
+              <a:rPr lang="zh-CN" altLang="en-US" dirty="0"/>
+              <a:t>多Ｍ）</a:t>
+            </a:r>
+            <a:endParaRPr lang="en-US" altLang="zh-CN" dirty="0"/>
+          </a:p>
+          <a:p>
+            <a:pPr lvl="1"/>
+            <a:endParaRPr lang="en-US" altLang="zh-CN" dirty="0"/>
+          </a:p>
+          <a:p>
+            <a:r>
+              <a:rPr lang="zh-CN" altLang="en-US" dirty="0"/>
+              <a:t>结构</a:t>
+            </a:r>
+            <a:r>
+              <a:rPr lang="en-US" altLang="zh-CN" dirty="0"/>
+              <a:t>bean</a:t>
+            </a:r>
+            <a:r>
+              <a:rPr lang="zh-CN" altLang="en-US" dirty="0"/>
+              <a:t>中所有</a:t>
+            </a:r>
+            <a:r>
+              <a:rPr lang="en-US" altLang="zh-CN" dirty="0"/>
+              <a:t>bool</a:t>
+            </a:r>
+            <a:r>
+              <a:rPr lang="zh-CN" altLang="en-US" dirty="0"/>
+              <a:t>类型数压缩成一个</a:t>
+            </a:r>
+            <a:r>
+              <a:rPr lang="en-US" altLang="zh-CN" dirty="0"/>
+              <a:t>int</a:t>
+            </a:r>
+            <a:r>
+              <a:rPr lang="zh-CN" altLang="en-US" dirty="0"/>
+              <a:t>。当然程序接口仍然不变。比如其中一行是｛</a:t>
+            </a:r>
+            <a:r>
+              <a:rPr lang="en-US" altLang="zh-CN" dirty="0"/>
+              <a:t>100, true, false, "</a:t>
+            </a:r>
+            <a:r>
+              <a:rPr lang="en-US" altLang="zh-CN" dirty="0" err="1"/>
+              <a:t>abc</a:t>
+            </a:r>
+            <a:r>
+              <a:rPr lang="en-US" altLang="zh-CN" dirty="0"/>
+              <a:t>", true, true</a:t>
+            </a:r>
+            <a:r>
+              <a:rPr lang="zh-CN" altLang="en-US" dirty="0"/>
+              <a:t>｝</a:t>
+            </a:r>
+            <a:r>
+              <a:rPr lang="en-US" altLang="zh-CN" dirty="0"/>
+              <a:t>,</a:t>
+            </a:r>
+            <a:r>
+              <a:rPr lang="zh-CN" altLang="en-US" dirty="0"/>
+              <a:t>压缩后变成｛</a:t>
+            </a:r>
+            <a:r>
+              <a:rPr lang="en-US" altLang="zh-CN" dirty="0"/>
+              <a:t>100, 0xb, "</a:t>
+            </a:r>
+            <a:r>
+              <a:rPr lang="en-US" altLang="zh-CN" dirty="0" err="1"/>
+              <a:t>abc</a:t>
+            </a:r>
+            <a:r>
+              <a:rPr lang="en-US" altLang="zh-CN" dirty="0"/>
+              <a:t>"</a:t>
+            </a:r>
+            <a:r>
+              <a:rPr lang="zh-CN" altLang="en-US" dirty="0"/>
+              <a:t>｝，</a:t>
+            </a:r>
             <a:r>
               <a:rPr lang="en-US" altLang="zh-CN" dirty="0"/>
               <a:t>4</a:t>
             </a:r>
             <a:r>
               <a:rPr lang="zh-CN" altLang="en-US" dirty="0"/>
-              <a:t>个树结构</a:t>
+              <a:t>个</a:t>
+            </a:r>
+            <a:r>
+              <a:rPr lang="en-US" altLang="zh-CN" dirty="0"/>
+              <a:t>bool</a:t>
+            </a:r>
+            <a:r>
+              <a:rPr lang="zh-CN" altLang="en-US" dirty="0"/>
+              <a:t>变成一个</a:t>
+            </a:r>
+            <a:r>
+              <a:rPr lang="en-US" altLang="zh-CN" dirty="0"/>
+              <a:t>int</a:t>
+            </a:r>
+            <a:r>
+              <a:rPr lang="zh-CN" altLang="en-US" dirty="0"/>
+              <a:t>。</a:t>
             </a:r>
             <a:endParaRPr lang="en-US" altLang="zh-CN" dirty="0"/>
           </a:p>
           <a:p>
             <a:pPr lvl="1"/>
             <a:r>
-              <a:rPr lang="en-US" altLang="zh-CN" dirty="0"/>
-              <a:t>Define</a:t>
-            </a:r>
-          </a:p>
-          <a:p>
-            <a:pPr lvl="2"/>
-            <a:r>
-              <a:rPr lang="zh-CN" altLang="en-US" dirty="0"/>
-              <a:t>对应</a:t>
-            </a:r>
-            <a:r>
-              <a:rPr lang="en-US" altLang="zh-CN" dirty="0"/>
-              <a:t>config.xml</a:t>
-            </a:r>
+              <a:rPr lang="zh-CN" altLang="en-US" dirty="0"/>
+              <a:t>内存变为</a:t>
+            </a:r>
+            <a:r>
+              <a:rPr lang="en-US" altLang="zh-CN" dirty="0"/>
+              <a:t>68.4M</a:t>
+            </a:r>
+            <a:r>
+              <a:rPr lang="zh-CN" altLang="en-US" dirty="0"/>
+              <a:t>降了</a:t>
+            </a:r>
+            <a:r>
+              <a:rPr lang="en-US" altLang="zh-CN" dirty="0"/>
+              <a:t>2M</a:t>
+            </a:r>
+            <a:r>
+              <a:rPr lang="zh-CN" altLang="en-US" dirty="0"/>
+              <a:t>，不明显</a:t>
+            </a:r>
+            <a:endParaRPr lang="en-US" altLang="zh-CN" dirty="0"/>
           </a:p>
           <a:p>
             <a:pPr lvl="1"/>
-            <a:r>
-              <a:rPr lang="en-US" altLang="zh-CN" dirty="0"/>
-              <a:t>Data</a:t>
-            </a:r>
-          </a:p>
-          <a:p>
-            <a:pPr lvl="2"/>
-            <a:r>
-              <a:rPr lang="zh-CN" altLang="en-US" dirty="0"/>
-              <a:t>对应</a:t>
-            </a:r>
-            <a:r>
-              <a:rPr lang="en-US" altLang="zh-CN" dirty="0"/>
-              <a:t>config</a:t>
-            </a:r>
-            <a:r>
-              <a:rPr lang="zh-CN" altLang="en-US" dirty="0"/>
-              <a:t>目录下所有的</a:t>
-            </a:r>
-            <a:r>
-              <a:rPr lang="en-US" altLang="zh-CN" dirty="0"/>
-              <a:t>csv</a:t>
-            </a:r>
-            <a:r>
-              <a:rPr lang="zh-CN" altLang="en-US" dirty="0"/>
-              <a:t>文件，读出来是</a:t>
-            </a:r>
-            <a:r>
-              <a:rPr lang="en-US" altLang="zh-CN" dirty="0"/>
-              <a:t>List&lt;List&lt;String&gt;&gt;</a:t>
-            </a:r>
-          </a:p>
-          <a:p>
-            <a:pPr marL="457200" lvl="1" indent="0">
-              <a:buNone/>
-            </a:pPr>
-            <a:endParaRPr lang="en-US" altLang="zh-CN" dirty="0"/>
+            <a:endParaRPr lang="en-US" altLang="zh-CN" dirty="0"/>
+          </a:p>
+          <a:p>
+            <a:r>
+              <a:rPr lang="zh-CN" altLang="en-US" dirty="0"/>
+              <a:t>列模式，对</a:t>
+            </a:r>
+            <a:r>
+              <a:rPr lang="en-US" altLang="zh-CN" dirty="0" err="1"/>
+              <a:t>int,bool</a:t>
+            </a:r>
+            <a:r>
+              <a:rPr lang="zh-CN" altLang="en-US" dirty="0"/>
+              <a:t>做压缩。当然程序接口仍然不变。如果一个表有</a:t>
+            </a:r>
+            <a:r>
+              <a:rPr lang="en-US" altLang="zh-CN" dirty="0"/>
+              <a:t>5</a:t>
+            </a:r>
+            <a:r>
+              <a:rPr lang="zh-CN" altLang="en-US" dirty="0"/>
+              <a:t>列</a:t>
+            </a:r>
+            <a:r>
+              <a:rPr lang="en-US" altLang="zh-CN" dirty="0"/>
+              <a:t>10000</a:t>
+            </a:r>
+            <a:r>
+              <a:rPr lang="zh-CN" altLang="en-US" dirty="0"/>
+              <a:t>行，那存成</a:t>
+            </a:r>
+            <a:r>
+              <a:rPr lang="en-US" altLang="zh-CN" dirty="0"/>
+              <a:t>lua</a:t>
+            </a:r>
+            <a:r>
+              <a:rPr lang="zh-CN" altLang="en-US" dirty="0"/>
+              <a:t>代码就是５行，每行的</a:t>
+            </a:r>
+            <a:r>
+              <a:rPr lang="en-US" altLang="zh-CN" dirty="0"/>
+              <a:t>table</a:t>
+            </a:r>
+            <a:r>
+              <a:rPr lang="zh-CN" altLang="en-US" dirty="0"/>
+              <a:t>里有</a:t>
+            </a:r>
+            <a:r>
+              <a:rPr lang="en-US" altLang="zh-CN" dirty="0"/>
+              <a:t>10000</a:t>
+            </a:r>
+            <a:r>
+              <a:rPr lang="zh-CN" altLang="en-US" dirty="0"/>
+              <a:t>，那么</a:t>
+            </a:r>
+            <a:r>
+              <a:rPr lang="en-US" altLang="zh-CN" dirty="0"/>
+              <a:t>10000</a:t>
+            </a:r>
+            <a:r>
+              <a:rPr lang="zh-CN" altLang="en-US" dirty="0"/>
+              <a:t>个</a:t>
+            </a:r>
+            <a:r>
+              <a:rPr lang="en-US" altLang="zh-CN" dirty="0"/>
+              <a:t>bool</a:t>
+            </a:r>
+            <a:r>
+              <a:rPr lang="zh-CN" altLang="en-US" dirty="0"/>
+              <a:t>，只用存</a:t>
+            </a:r>
+            <a:r>
+              <a:rPr lang="en-US" altLang="zh-CN" dirty="0"/>
+              <a:t>10000/53=189</a:t>
+            </a:r>
+            <a:r>
+              <a:rPr lang="zh-CN" altLang="en-US" dirty="0"/>
+              <a:t>个整数就够了</a:t>
+            </a:r>
+            <a:r>
+              <a:rPr lang="en-US" altLang="zh-CN" dirty="0"/>
+              <a:t>.</a:t>
+            </a:r>
           </a:p>
           <a:p>
             <a:pPr lvl="1"/>
             <a:r>
-              <a:rPr lang="en-US" altLang="zh-CN" dirty="0"/>
-              <a:t>Type</a:t>
-            </a:r>
-          </a:p>
-          <a:p>
-            <a:pPr lvl="2"/>
-            <a:r>
-              <a:rPr lang="zh-CN" altLang="en-US" dirty="0"/>
-              <a:t>从</a:t>
-            </a:r>
-            <a:r>
-              <a:rPr lang="en-US" altLang="zh-CN" dirty="0"/>
-              <a:t>Define</a:t>
-            </a:r>
-            <a:r>
-              <a:rPr lang="zh-CN" altLang="en-US" dirty="0"/>
-              <a:t>中，解析出类型，建立好链接（外键）关系</a:t>
-            </a:r>
-            <a:endParaRPr lang="en-US" altLang="zh-CN" dirty="0"/>
-          </a:p>
-          <a:p>
-            <a:pPr lvl="1"/>
-            <a:r>
-              <a:rPr lang="en-US" altLang="zh-CN" dirty="0"/>
-              <a:t>Value</a:t>
-            </a:r>
-          </a:p>
-          <a:p>
-            <a:pPr lvl="2"/>
-            <a:r>
-              <a:rPr lang="zh-CN" altLang="en-US" dirty="0"/>
-              <a:t>根据</a:t>
-            </a:r>
-            <a:r>
-              <a:rPr lang="en-US" altLang="zh-CN" dirty="0"/>
-              <a:t>Type</a:t>
-            </a:r>
-            <a:r>
-              <a:rPr lang="zh-CN" altLang="en-US" dirty="0"/>
-              <a:t>把</a:t>
-            </a:r>
-            <a:r>
-              <a:rPr lang="en-US" altLang="zh-CN" dirty="0"/>
-              <a:t>Data</a:t>
-            </a:r>
-            <a:r>
-              <a:rPr lang="zh-CN" altLang="en-US" dirty="0"/>
-              <a:t>中的</a:t>
-            </a:r>
-            <a:r>
-              <a:rPr lang="en-US" altLang="zh-CN" dirty="0"/>
-              <a:t>String</a:t>
-            </a:r>
-            <a:r>
-              <a:rPr lang="zh-CN" altLang="en-US" dirty="0"/>
-              <a:t>，读取成带类型的数据，即包括基本类型数据</a:t>
-            </a:r>
-            <a:r>
-              <a:rPr lang="en-US" altLang="zh-CN" dirty="0"/>
-              <a:t>int</a:t>
-            </a:r>
-            <a:r>
-              <a:rPr lang="zh-CN" altLang="en-US" dirty="0"/>
-              <a:t>，</a:t>
-            </a:r>
-            <a:r>
-              <a:rPr lang="en-US" altLang="zh-CN" dirty="0"/>
-              <a:t>string</a:t>
-            </a:r>
-            <a:r>
-              <a:rPr lang="zh-CN" altLang="en-US" dirty="0"/>
-              <a:t>，</a:t>
-            </a:r>
-            <a:r>
-              <a:rPr lang="en-US" altLang="zh-CN" dirty="0"/>
-              <a:t>bool</a:t>
-            </a:r>
-            <a:r>
-              <a:rPr lang="zh-CN" altLang="en-US" dirty="0"/>
-              <a:t>，也包括</a:t>
-            </a:r>
-            <a:r>
-              <a:rPr lang="en-US" altLang="zh-CN" dirty="0"/>
-              <a:t>bean</a:t>
-            </a:r>
-            <a:r>
-              <a:rPr lang="zh-CN" altLang="en-US" dirty="0"/>
-              <a:t>，</a:t>
-            </a:r>
-            <a:r>
-              <a:rPr lang="en-US" altLang="zh-CN" dirty="0"/>
-              <a:t>list</a:t>
-            </a:r>
-            <a:r>
-              <a:rPr lang="zh-CN" altLang="en-US" dirty="0"/>
-              <a:t>，</a:t>
-            </a:r>
-            <a:r>
-              <a:rPr lang="en-US" altLang="zh-CN" dirty="0"/>
-              <a:t>map</a:t>
-            </a:r>
-            <a:r>
-              <a:rPr lang="zh-CN" altLang="en-US" dirty="0"/>
-              <a:t>结构数据。（包括一格复杂结构也要读取出来，隐藏</a:t>
-            </a:r>
-            <a:r>
-              <a:rPr lang="en-US" altLang="zh-CN" dirty="0" err="1"/>
-              <a:t>compressAsOne</a:t>
-            </a:r>
-            <a:r>
-              <a:rPr lang="zh-CN" altLang="en-US" dirty="0"/>
-              <a:t>这种细节）</a:t>
-            </a:r>
-            <a:endParaRPr lang="en-US" altLang="zh-CN" dirty="0"/>
+              <a:rPr lang="zh-CN" altLang="en-US" dirty="0"/>
+              <a:t>自动分析，列模式可减内存时使用列模式，内存占用从</a:t>
+            </a:r>
+            <a:r>
+              <a:rPr lang="en-US" altLang="zh-CN" dirty="0"/>
+              <a:t>68.4</a:t>
+            </a:r>
+            <a:r>
+              <a:rPr lang="zh-CN" altLang="en-US" dirty="0"/>
+              <a:t>Ｍ降为</a:t>
+            </a:r>
+            <a:r>
+              <a:rPr lang="en-US" altLang="zh-CN" dirty="0"/>
+              <a:t>54.2M</a:t>
+            </a:r>
+          </a:p>
+          <a:p>
+            <a:endParaRPr lang="en-US" altLang="zh-CN" dirty="0"/>
+          </a:p>
+          <a:p>
+            <a:endParaRPr lang="zh-CN" altLang="en-US" dirty="0"/>
           </a:p>
         </p:txBody>
       </p:sp>
     </p:spTree>
     <p:extLst>
       <p:ext uri="{BB962C8B-B14F-4D97-AF65-F5344CB8AC3E}">
-        <p14:creationId xmlns:p14="http://schemas.microsoft.com/office/powerpoint/2010/main" val="3318294367"/>
+        <p14:creationId xmlns:p14="http://schemas.microsoft.com/office/powerpoint/2010/main" val="3381581964"/>
       </p:ext>
     </p:extLst>
   </p:cSld>
@@ -11065,7 +11085,7 @@
           <p:cNvPr id="2" name="标题 1">
             <a:extLst>
               <a:ext uri="{FF2B5EF4-FFF2-40B4-BE49-F238E27FC236}">
-                <a16:creationId xmlns:a16="http://schemas.microsoft.com/office/drawing/2014/main" id="{F99B54A7-CC73-4BEA-AC99-59D661217ACC}"/>
+                <a16:creationId xmlns:a16="http://schemas.microsoft.com/office/drawing/2014/main" id="{A6A06ACD-7EE1-4763-9427-7F87FCF46ED8}"/>
               </a:ext>
             </a:extLst>
           </p:cNvPr>
@@ -11081,49 +11101,230 @@
           <a:bodyPr/>
           <a:lstStyle/>
           <a:p>
-            <a:endParaRPr lang="zh-CN" altLang="en-US"/>
-          </a:p>
-        </p:txBody>
-      </p:sp>
-      <p:pic>
-        <p:nvPicPr>
-          <p:cNvPr id="5" name="内容占位符 4">
+            <a:r>
+              <a:rPr lang="en-US" altLang="zh-CN" dirty="0"/>
+              <a:t>Configgen</a:t>
+            </a:r>
+            <a:r>
+              <a:rPr lang="zh-CN" altLang="en-US" dirty="0"/>
+              <a:t>的实现</a:t>
+            </a:r>
+          </a:p>
+        </p:txBody>
+      </p:sp>
+      <p:sp>
+        <p:nvSpPr>
+          <p:cNvPr id="3" name="内容占位符 2">
             <a:extLst>
               <a:ext uri="{FF2B5EF4-FFF2-40B4-BE49-F238E27FC236}">
-                <a16:creationId xmlns:a16="http://schemas.microsoft.com/office/drawing/2014/main" id="{CF27EC2F-D943-44D5-8403-322AFC60C501}"/>
+                <a16:creationId xmlns:a16="http://schemas.microsoft.com/office/drawing/2014/main" id="{19253826-06B7-4EA3-B01F-707A7F0A8206}"/>
               </a:ext>
             </a:extLst>
           </p:cNvPr>
-          <p:cNvPicPr>
-            <a:picLocks noGrp="1" noChangeAspect="1"/>
-          </p:cNvPicPr>
+          <p:cNvSpPr>
+            <a:spLocks noGrp="1"/>
+          </p:cNvSpPr>
           <p:nvPr>
             <p:ph idx="1"/>
           </p:nvPr>
-        </p:nvPicPr>
-        <p:blipFill>
-          <a:blip r:embed="rId2">
-            <a:extLst>
-              <a:ext uri="{28A0092B-C50C-407E-A947-70E740481C1C}">
-                <a14:useLocalDpi xmlns:a14="http://schemas.microsoft.com/office/drawing/2010/main" val="0"/>
-              </a:ext>
-            </a:extLst>
-          </a:blip>
-          <a:stretch>
-            <a:fillRect/>
-          </a:stretch>
-        </p:blipFill>
-        <p:spPr>
-          <a:xfrm>
-            <a:off x="122082" y="365125"/>
-            <a:ext cx="11947836" cy="5965469"/>
-          </a:xfrm>
-        </p:spPr>
-      </p:pic>
+        </p:nvSpPr>
+        <p:spPr/>
+        <p:txBody>
+          <a:bodyPr/>
+          <a:lstStyle/>
+          <a:p>
+            <a:r>
+              <a:rPr lang="en-US" altLang="zh-CN" dirty="0"/>
+              <a:t>4</a:t>
+            </a:r>
+            <a:r>
+              <a:rPr lang="zh-CN" altLang="en-US" dirty="0"/>
+              <a:t>个树结构</a:t>
+            </a:r>
+            <a:endParaRPr lang="en-US" altLang="zh-CN" dirty="0"/>
+          </a:p>
+          <a:p>
+            <a:pPr lvl="1"/>
+            <a:r>
+              <a:rPr lang="en-US" altLang="zh-CN" dirty="0"/>
+              <a:t>Define</a:t>
+            </a:r>
+          </a:p>
+          <a:p>
+            <a:pPr lvl="2"/>
+            <a:r>
+              <a:rPr lang="zh-CN" altLang="en-US" dirty="0"/>
+              <a:t>对应</a:t>
+            </a:r>
+            <a:r>
+              <a:rPr lang="en-US" altLang="zh-CN" dirty="0"/>
+              <a:t>config.xml</a:t>
+            </a:r>
+          </a:p>
+          <a:p>
+            <a:pPr lvl="1"/>
+            <a:r>
+              <a:rPr lang="en-US" altLang="zh-CN" dirty="0"/>
+              <a:t>Data</a:t>
+            </a:r>
+          </a:p>
+          <a:p>
+            <a:pPr lvl="2"/>
+            <a:r>
+              <a:rPr lang="zh-CN" altLang="en-US" dirty="0"/>
+              <a:t>对应</a:t>
+            </a:r>
+            <a:r>
+              <a:rPr lang="en-US" altLang="zh-CN" dirty="0"/>
+              <a:t>config</a:t>
+            </a:r>
+            <a:r>
+              <a:rPr lang="zh-CN" altLang="en-US" dirty="0"/>
+              <a:t>目录下所有的</a:t>
+            </a:r>
+            <a:r>
+              <a:rPr lang="en-US" altLang="zh-CN" dirty="0"/>
+              <a:t>csv</a:t>
+            </a:r>
+            <a:r>
+              <a:rPr lang="zh-CN" altLang="en-US" dirty="0"/>
+              <a:t>文件，读出来是</a:t>
+            </a:r>
+            <a:r>
+              <a:rPr lang="en-US" altLang="zh-CN" dirty="0"/>
+              <a:t>List&lt;List&lt;String&gt;&gt;</a:t>
+            </a:r>
+          </a:p>
+          <a:p>
+            <a:pPr marL="457200" lvl="1" indent="0">
+              <a:buNone/>
+            </a:pPr>
+            <a:endParaRPr lang="en-US" altLang="zh-CN" dirty="0"/>
+          </a:p>
+          <a:p>
+            <a:pPr lvl="1"/>
+            <a:r>
+              <a:rPr lang="en-US" altLang="zh-CN" dirty="0"/>
+              <a:t>Type</a:t>
+            </a:r>
+          </a:p>
+          <a:p>
+            <a:pPr lvl="2"/>
+            <a:r>
+              <a:rPr lang="zh-CN" altLang="en-US" dirty="0"/>
+              <a:t>从</a:t>
+            </a:r>
+            <a:r>
+              <a:rPr lang="en-US" altLang="zh-CN" dirty="0"/>
+              <a:t>Define</a:t>
+            </a:r>
+            <a:r>
+              <a:rPr lang="zh-CN" altLang="en-US" dirty="0"/>
+              <a:t>中，解析出类型，建立好链接（外键）关系</a:t>
+            </a:r>
+            <a:endParaRPr lang="en-US" altLang="zh-CN" dirty="0"/>
+          </a:p>
+          <a:p>
+            <a:pPr lvl="1"/>
+            <a:r>
+              <a:rPr lang="en-US" altLang="zh-CN" dirty="0"/>
+              <a:t>Value</a:t>
+            </a:r>
+          </a:p>
+          <a:p>
+            <a:pPr lvl="2"/>
+            <a:r>
+              <a:rPr lang="zh-CN" altLang="en-US" dirty="0"/>
+              <a:t>根据</a:t>
+            </a:r>
+            <a:r>
+              <a:rPr lang="en-US" altLang="zh-CN" dirty="0"/>
+              <a:t>Type</a:t>
+            </a:r>
+            <a:r>
+              <a:rPr lang="zh-CN" altLang="en-US" dirty="0"/>
+              <a:t>把</a:t>
+            </a:r>
+            <a:r>
+              <a:rPr lang="en-US" altLang="zh-CN" dirty="0"/>
+              <a:t>Data</a:t>
+            </a:r>
+            <a:r>
+              <a:rPr lang="zh-CN" altLang="en-US" dirty="0"/>
+              <a:t>中的</a:t>
+            </a:r>
+            <a:r>
+              <a:rPr lang="en-US" altLang="zh-CN" dirty="0"/>
+              <a:t>String</a:t>
+            </a:r>
+            <a:r>
+              <a:rPr lang="zh-CN" altLang="en-US" dirty="0"/>
+              <a:t>，读取成带类型的数据，即包括基本类型数据</a:t>
+            </a:r>
+            <a:r>
+              <a:rPr lang="en-US" altLang="zh-CN" dirty="0"/>
+              <a:t>int</a:t>
+            </a:r>
+            <a:r>
+              <a:rPr lang="zh-CN" altLang="en-US" dirty="0"/>
+              <a:t>，</a:t>
+            </a:r>
+            <a:r>
+              <a:rPr lang="en-US" altLang="zh-CN" dirty="0"/>
+              <a:t>string</a:t>
+            </a:r>
+            <a:r>
+              <a:rPr lang="zh-CN" altLang="en-US" dirty="0"/>
+              <a:t>，</a:t>
+            </a:r>
+            <a:r>
+              <a:rPr lang="en-US" altLang="zh-CN" dirty="0"/>
+              <a:t>bool</a:t>
+            </a:r>
+            <a:r>
+              <a:rPr lang="zh-CN" altLang="en-US" dirty="0"/>
+              <a:t>，也包括</a:t>
+            </a:r>
+            <a:r>
+              <a:rPr lang="en-US" altLang="zh-CN" dirty="0"/>
+              <a:t>bean</a:t>
+            </a:r>
+            <a:r>
+              <a:rPr lang="zh-CN" altLang="en-US" dirty="0"/>
+              <a:t>，</a:t>
+            </a:r>
+            <a:r>
+              <a:rPr lang="en-US" altLang="zh-CN" dirty="0"/>
+              <a:t>list</a:t>
+            </a:r>
+            <a:r>
+              <a:rPr lang="zh-CN" altLang="en-US" dirty="0"/>
+              <a:t>，</a:t>
+            </a:r>
+            <a:r>
+              <a:rPr lang="en-US" altLang="zh-CN" dirty="0"/>
+              <a:t>map</a:t>
+            </a:r>
+            <a:r>
+              <a:rPr lang="zh-CN" altLang="en-US" dirty="0"/>
+              <a:t>结构数据。（包括一格复杂结构也要读取出来，隐藏</a:t>
+            </a:r>
+            <a:r>
+              <a:rPr lang="en-US" altLang="zh-CN" dirty="0" err="1"/>
+              <a:t>compressAsOne</a:t>
+            </a:r>
+            <a:r>
+              <a:rPr lang="zh-CN" altLang="en-US" dirty="0"/>
+              <a:t>这种细节）</a:t>
+            </a:r>
+            <a:endParaRPr lang="en-US" altLang="zh-CN" dirty="0"/>
+          </a:p>
+        </p:txBody>
+      </p:sp>
     </p:spTree>
     <p:extLst>
       <p:ext uri="{BB962C8B-B14F-4D97-AF65-F5344CB8AC3E}">
-        <p14:creationId xmlns:p14="http://schemas.microsoft.com/office/powerpoint/2010/main" val="2408010756"/>
+        <p14:creationId xmlns:p14="http://schemas.microsoft.com/office/powerpoint/2010/main" val="3318294367"/>
       </p:ext>
     </p:extLst>
   </p:cSld>
@@ -11155,7 +11356,7 @@
           <p:cNvPr id="2" name="标题 1">
             <a:extLst>
               <a:ext uri="{FF2B5EF4-FFF2-40B4-BE49-F238E27FC236}">
-                <a16:creationId xmlns:a16="http://schemas.microsoft.com/office/drawing/2014/main" id="{B56DFC8C-77FA-42DB-BE04-CD763AC24EE3}"/>
+                <a16:creationId xmlns:a16="http://schemas.microsoft.com/office/drawing/2014/main" id="{F99B54A7-CC73-4BEA-AC99-59D661217ACC}"/>
               </a:ext>
             </a:extLst>
           </p:cNvPr>
@@ -11171,279 +11372,49 @@
           <a:bodyPr/>
           <a:lstStyle/>
           <a:p>
-            <a:r>
-              <a:rPr lang="zh-CN" altLang="en-US" dirty="0"/>
-              <a:t>处理流程</a:t>
-            </a:r>
-          </a:p>
-        </p:txBody>
-      </p:sp>
-      <p:sp>
-        <p:nvSpPr>
-          <p:cNvPr id="3" name="内容占位符 2">
+            <a:endParaRPr lang="zh-CN" altLang="en-US"/>
+          </a:p>
+        </p:txBody>
+      </p:sp>
+      <p:pic>
+        <p:nvPicPr>
+          <p:cNvPr id="5" name="内容占位符 4">
             <a:extLst>
               <a:ext uri="{FF2B5EF4-FFF2-40B4-BE49-F238E27FC236}">
-                <a16:creationId xmlns:a16="http://schemas.microsoft.com/office/drawing/2014/main" id="{8394BBCC-7343-4A5C-8CD1-CF115FDF43A3}"/>
+                <a16:creationId xmlns:a16="http://schemas.microsoft.com/office/drawing/2014/main" id="{CF27EC2F-D943-44D5-8403-322AFC60C501}"/>
               </a:ext>
             </a:extLst>
           </p:cNvPr>
-          <p:cNvSpPr>
-            <a:spLocks noGrp="1"/>
-          </p:cNvSpPr>
+          <p:cNvPicPr>
+            <a:picLocks noGrp="1" noChangeAspect="1"/>
+          </p:cNvPicPr>
           <p:nvPr>
             <p:ph idx="1"/>
           </p:nvPr>
-        </p:nvSpPr>
-        <p:spPr/>
-        <p:txBody>
-          <a:bodyPr>
-            <a:normAutofit fontScale="70000" lnSpcReduction="20000"/>
-          </a:bodyPr>
-          <a:lstStyle/>
-          <a:p>
-            <a:r>
-              <a:rPr lang="zh-CN" altLang="en-US" dirty="0"/>
-              <a:t>读取</a:t>
-            </a:r>
-            <a:r>
-              <a:rPr lang="en-US" altLang="zh-CN" dirty="0"/>
-              <a:t>config.xml, csv</a:t>
-            </a:r>
-            <a:r>
-              <a:rPr lang="zh-CN" altLang="en-US" dirty="0"/>
-              <a:t>文件，生成</a:t>
-            </a:r>
-            <a:r>
-              <a:rPr lang="en-US" altLang="zh-CN" dirty="0" err="1"/>
-              <a:t>FullDefine</a:t>
-            </a:r>
-            <a:r>
-              <a:rPr lang="zh-CN" altLang="en-US" dirty="0"/>
-              <a:t>，</a:t>
-            </a:r>
-            <a:r>
-              <a:rPr lang="en-US" altLang="zh-CN" dirty="0" err="1"/>
-              <a:t>FullType</a:t>
-            </a:r>
-            <a:r>
-              <a:rPr lang="zh-CN" altLang="en-US" dirty="0"/>
-              <a:t>，</a:t>
-            </a:r>
-            <a:r>
-              <a:rPr lang="en-US" altLang="zh-CN" dirty="0"/>
-              <a:t>Data</a:t>
-            </a:r>
-            <a:r>
-              <a:rPr lang="zh-CN" altLang="en-US" dirty="0"/>
-              <a:t>。</a:t>
-            </a:r>
-            <a:endParaRPr lang="en-US" altLang="zh-CN" dirty="0"/>
-          </a:p>
-          <a:p>
-            <a:endParaRPr lang="en-US" altLang="zh-CN" dirty="0"/>
-          </a:p>
-          <a:p>
-            <a:pPr>
-              <a:lnSpc>
-                <a:spcPct val="120000"/>
-              </a:lnSpc>
-            </a:pPr>
-            <a:r>
-              <a:rPr lang="zh-CN" altLang="en-US" dirty="0"/>
-              <a:t>然后根据</a:t>
-            </a:r>
-            <a:r>
-              <a:rPr lang="en-US" altLang="zh-CN" dirty="0"/>
-              <a:t>Data, csv</a:t>
-            </a:r>
-            <a:r>
-              <a:rPr lang="zh-CN" altLang="en-US" dirty="0"/>
-              <a:t>前</a:t>
-            </a:r>
-            <a:r>
-              <a:rPr lang="en-US" altLang="zh-CN" dirty="0"/>
-              <a:t>2</a:t>
-            </a:r>
-            <a:r>
-              <a:rPr lang="zh-CN" altLang="en-US" dirty="0"/>
-              <a:t>行里的信息来自动完善</a:t>
-            </a:r>
-            <a:r>
-              <a:rPr lang="en-US" altLang="zh-CN" dirty="0" err="1"/>
-              <a:t>FullDefine</a:t>
-            </a:r>
-            <a:r>
-              <a:rPr lang="en-US" altLang="zh-CN" dirty="0"/>
-              <a:t> </a:t>
-            </a:r>
-            <a:r>
-              <a:rPr lang="zh-CN" altLang="en-US" dirty="0"/>
-              <a:t>，</a:t>
-            </a:r>
-            <a:r>
-              <a:rPr lang="en-US" altLang="zh-CN" dirty="0"/>
-              <a:t> </a:t>
-            </a:r>
-            <a:r>
-              <a:rPr lang="en-US" altLang="zh-CN" dirty="0" err="1"/>
-              <a:t>FullType</a:t>
-            </a:r>
-            <a:r>
-              <a:rPr lang="en-US" altLang="zh-CN" dirty="0"/>
-              <a:t> </a:t>
-            </a:r>
-            <a:r>
-              <a:rPr lang="zh-CN" altLang="en-US" dirty="0"/>
-              <a:t>（补充</a:t>
-            </a:r>
-            <a:r>
-              <a:rPr lang="en-US" altLang="zh-CN" dirty="0"/>
-              <a:t>column</a:t>
-            </a:r>
-            <a:r>
-              <a:rPr lang="zh-CN" altLang="en-US" dirty="0"/>
-              <a:t>，猜测</a:t>
-            </a:r>
-            <a:r>
-              <a:rPr lang="en-US" altLang="zh-CN" dirty="0"/>
-              <a:t>type</a:t>
-            </a:r>
-            <a:r>
-              <a:rPr lang="zh-CN" altLang="en-US" dirty="0"/>
-              <a:t>），之后保存完善后的</a:t>
-            </a:r>
-            <a:r>
-              <a:rPr lang="en-US" altLang="zh-CN" dirty="0"/>
-              <a:t>Define</a:t>
-            </a:r>
-            <a:r>
-              <a:rPr lang="zh-CN" altLang="en-US" dirty="0"/>
-              <a:t>到</a:t>
-            </a:r>
-            <a:r>
-              <a:rPr lang="en-US" altLang="zh-CN" dirty="0"/>
-              <a:t>config.xml</a:t>
-            </a:r>
-            <a:r>
-              <a:rPr lang="zh-CN" altLang="en-US" dirty="0"/>
-              <a:t>，同时让</a:t>
-            </a:r>
-            <a:r>
-              <a:rPr lang="en-US" altLang="zh-CN" dirty="0"/>
-              <a:t>Data</a:t>
-            </a:r>
-            <a:r>
-              <a:rPr lang="zh-CN" altLang="en-US" dirty="0"/>
-              <a:t>内含自己的</a:t>
-            </a:r>
-            <a:r>
-              <a:rPr lang="en-US" altLang="zh-CN" dirty="0" err="1"/>
-              <a:t>FullType</a:t>
-            </a:r>
-            <a:endParaRPr lang="en-US" altLang="zh-CN" dirty="0"/>
-          </a:p>
-          <a:p>
-            <a:endParaRPr lang="en-US" altLang="zh-CN" dirty="0"/>
-          </a:p>
-          <a:p>
-            <a:r>
-              <a:rPr lang="zh-CN" altLang="en-US" dirty="0"/>
-              <a:t>如有部分提取，根据</a:t>
-            </a:r>
-            <a:r>
-              <a:rPr lang="en-US" altLang="zh-CN" dirty="0"/>
-              <a:t>Full Define</a:t>
-            </a:r>
-            <a:r>
-              <a:rPr lang="zh-CN" altLang="en-US" dirty="0"/>
-              <a:t>和</a:t>
-            </a:r>
-            <a:r>
-              <a:rPr lang="en-US" altLang="zh-CN" dirty="0"/>
-              <a:t>own</a:t>
-            </a:r>
-            <a:r>
-              <a:rPr lang="zh-CN" altLang="en-US" dirty="0"/>
-              <a:t>生成提取后</a:t>
-            </a:r>
-            <a:r>
-              <a:rPr lang="en-US" altLang="zh-CN" dirty="0" err="1"/>
-              <a:t>SubType</a:t>
-            </a:r>
-            <a:endParaRPr lang="en-US" altLang="zh-CN" dirty="0"/>
-          </a:p>
-          <a:p>
-            <a:endParaRPr lang="en-US" altLang="zh-CN" dirty="0"/>
-          </a:p>
-          <a:p>
-            <a:r>
-              <a:rPr lang="zh-CN" altLang="en-US" dirty="0"/>
-              <a:t>根据</a:t>
-            </a:r>
-            <a:r>
-              <a:rPr lang="en-US" altLang="zh-CN" dirty="0" err="1"/>
-              <a:t>SubType</a:t>
-            </a:r>
-            <a:r>
-              <a:rPr lang="zh-CN" altLang="en-US" dirty="0"/>
-              <a:t>和</a:t>
-            </a:r>
-            <a:r>
-              <a:rPr lang="en-US" altLang="zh-CN" dirty="0"/>
-              <a:t>Data</a:t>
-            </a:r>
-            <a:r>
-              <a:rPr lang="zh-CN" altLang="en-US" dirty="0"/>
-              <a:t>生成</a:t>
-            </a:r>
-            <a:r>
-              <a:rPr lang="en-US" altLang="zh-CN" dirty="0"/>
-              <a:t>Value</a:t>
-            </a:r>
-            <a:r>
-              <a:rPr lang="zh-CN" altLang="en-US" dirty="0"/>
-              <a:t>，检验实际数据的约束</a:t>
-            </a:r>
-            <a:endParaRPr lang="en-US" altLang="zh-CN" dirty="0"/>
-          </a:p>
-          <a:p>
-            <a:endParaRPr lang="en-US" altLang="zh-CN" dirty="0"/>
-          </a:p>
-          <a:p>
-            <a:endParaRPr lang="en-US" altLang="zh-CN" dirty="0"/>
-          </a:p>
-          <a:p>
-            <a:r>
-              <a:rPr lang="zh-CN" altLang="en-US" dirty="0"/>
-              <a:t>根据</a:t>
-            </a:r>
-            <a:r>
-              <a:rPr lang="en-US" altLang="zh-CN" dirty="0" err="1"/>
-              <a:t>SubType</a:t>
-            </a:r>
-            <a:r>
-              <a:rPr lang="zh-CN" altLang="en-US" dirty="0"/>
-              <a:t>和</a:t>
-            </a:r>
-            <a:r>
-              <a:rPr lang="en-US" altLang="zh-CN" dirty="0"/>
-              <a:t>Value</a:t>
-            </a:r>
-            <a:r>
-              <a:rPr lang="zh-CN" altLang="en-US" dirty="0"/>
-              <a:t>生成各语言的代码和数据文件</a:t>
-            </a:r>
-            <a:endParaRPr lang="en-US" altLang="zh-CN" dirty="0"/>
-          </a:p>
-          <a:p>
-            <a:endParaRPr lang="zh-CN" altLang="en-US" dirty="0"/>
-          </a:p>
-        </p:txBody>
-      </p:sp>
+        </p:nvPicPr>
+        <p:blipFill>
+          <a:blip r:embed="rId2">
+            <a:extLst>
+              <a:ext uri="{28A0092B-C50C-407E-A947-70E740481C1C}">
+                <a14:useLocalDpi xmlns:a14="http://schemas.microsoft.com/office/drawing/2010/main" val="0"/>
+              </a:ext>
+            </a:extLst>
+          </a:blip>
+          <a:stretch>
+            <a:fillRect/>
+          </a:stretch>
+        </p:blipFill>
+        <p:spPr>
+          <a:xfrm>
+            <a:off x="122082" y="365125"/>
+            <a:ext cx="11947836" cy="5965469"/>
+          </a:xfrm>
+        </p:spPr>
+      </p:pic>
     </p:spTree>
     <p:extLst>
       <p:ext uri="{BB962C8B-B14F-4D97-AF65-F5344CB8AC3E}">
-        <p14:creationId xmlns:p14="http://schemas.microsoft.com/office/powerpoint/2010/main" val="559816761"/>
+        <p14:creationId xmlns:p14="http://schemas.microsoft.com/office/powerpoint/2010/main" val="2408010756"/>
       </p:ext>
     </p:extLst>
   </p:cSld>
@@ -11475,6 +11446,326 @@
           <p:cNvPr id="2" name="标题 1">
             <a:extLst>
               <a:ext uri="{FF2B5EF4-FFF2-40B4-BE49-F238E27FC236}">
+                <a16:creationId xmlns:a16="http://schemas.microsoft.com/office/drawing/2014/main" id="{B56DFC8C-77FA-42DB-BE04-CD763AC24EE3}"/>
+              </a:ext>
+            </a:extLst>
+          </p:cNvPr>
+          <p:cNvSpPr>
+            <a:spLocks noGrp="1"/>
+          </p:cNvSpPr>
+          <p:nvPr>
+            <p:ph type="title"/>
+          </p:nvPr>
+        </p:nvSpPr>
+        <p:spPr/>
+        <p:txBody>
+          <a:bodyPr/>
+          <a:lstStyle/>
+          <a:p>
+            <a:r>
+              <a:rPr lang="zh-CN" altLang="en-US" dirty="0"/>
+              <a:t>处理流程</a:t>
+            </a:r>
+          </a:p>
+        </p:txBody>
+      </p:sp>
+      <p:sp>
+        <p:nvSpPr>
+          <p:cNvPr id="3" name="内容占位符 2">
+            <a:extLst>
+              <a:ext uri="{FF2B5EF4-FFF2-40B4-BE49-F238E27FC236}">
+                <a16:creationId xmlns:a16="http://schemas.microsoft.com/office/drawing/2014/main" id="{8394BBCC-7343-4A5C-8CD1-CF115FDF43A3}"/>
+              </a:ext>
+            </a:extLst>
+          </p:cNvPr>
+          <p:cNvSpPr>
+            <a:spLocks noGrp="1"/>
+          </p:cNvSpPr>
+          <p:nvPr>
+            <p:ph idx="1"/>
+          </p:nvPr>
+        </p:nvSpPr>
+        <p:spPr/>
+        <p:txBody>
+          <a:bodyPr>
+            <a:normAutofit fontScale="70000" lnSpcReduction="20000"/>
+          </a:bodyPr>
+          <a:lstStyle/>
+          <a:p>
+            <a:r>
+              <a:rPr lang="zh-CN" altLang="en-US" dirty="0"/>
+              <a:t>读取</a:t>
+            </a:r>
+            <a:r>
+              <a:rPr lang="en-US" altLang="zh-CN" dirty="0"/>
+              <a:t>config.xml, csv</a:t>
+            </a:r>
+            <a:r>
+              <a:rPr lang="zh-CN" altLang="en-US" dirty="0"/>
+              <a:t>文件，生成</a:t>
+            </a:r>
+            <a:r>
+              <a:rPr lang="en-US" altLang="zh-CN" dirty="0" err="1"/>
+              <a:t>FullDefine</a:t>
+            </a:r>
+            <a:r>
+              <a:rPr lang="zh-CN" altLang="en-US" dirty="0"/>
+              <a:t>，</a:t>
+            </a:r>
+            <a:r>
+              <a:rPr lang="en-US" altLang="zh-CN" dirty="0" err="1"/>
+              <a:t>FullType</a:t>
+            </a:r>
+            <a:r>
+              <a:rPr lang="zh-CN" altLang="en-US" dirty="0"/>
+              <a:t>，</a:t>
+            </a:r>
+            <a:r>
+              <a:rPr lang="en-US" altLang="zh-CN" dirty="0"/>
+              <a:t>Data</a:t>
+            </a:r>
+            <a:r>
+              <a:rPr lang="zh-CN" altLang="en-US" dirty="0"/>
+              <a:t>。</a:t>
+            </a:r>
+            <a:endParaRPr lang="en-US" altLang="zh-CN" dirty="0"/>
+          </a:p>
+          <a:p>
+            <a:endParaRPr lang="en-US" altLang="zh-CN" dirty="0"/>
+          </a:p>
+          <a:p>
+            <a:pPr>
+              <a:lnSpc>
+                <a:spcPct val="120000"/>
+              </a:lnSpc>
+            </a:pPr>
+            <a:r>
+              <a:rPr lang="zh-CN" altLang="en-US" dirty="0"/>
+              <a:t>然后根据</a:t>
+            </a:r>
+            <a:r>
+              <a:rPr lang="en-US" altLang="zh-CN" dirty="0"/>
+              <a:t>Data, csv</a:t>
+            </a:r>
+            <a:r>
+              <a:rPr lang="zh-CN" altLang="en-US" dirty="0"/>
+              <a:t>前</a:t>
+            </a:r>
+            <a:r>
+              <a:rPr lang="en-US" altLang="zh-CN" dirty="0"/>
+              <a:t>2</a:t>
+            </a:r>
+            <a:r>
+              <a:rPr lang="zh-CN" altLang="en-US" dirty="0"/>
+              <a:t>行里的信息来自动完善</a:t>
+            </a:r>
+            <a:r>
+              <a:rPr lang="en-US" altLang="zh-CN" dirty="0" err="1"/>
+              <a:t>FullDefine</a:t>
+            </a:r>
+            <a:r>
+              <a:rPr lang="en-US" altLang="zh-CN" dirty="0"/>
+              <a:t> </a:t>
+            </a:r>
+            <a:r>
+              <a:rPr lang="zh-CN" altLang="en-US" dirty="0"/>
+              <a:t>，</a:t>
+            </a:r>
+            <a:r>
+              <a:rPr lang="en-US" altLang="zh-CN" dirty="0"/>
+              <a:t> </a:t>
+            </a:r>
+            <a:r>
+              <a:rPr lang="en-US" altLang="zh-CN" dirty="0" err="1"/>
+              <a:t>FullType</a:t>
+            </a:r>
+            <a:r>
+              <a:rPr lang="en-US" altLang="zh-CN" dirty="0"/>
+              <a:t> </a:t>
+            </a:r>
+            <a:r>
+              <a:rPr lang="zh-CN" altLang="en-US" dirty="0"/>
+              <a:t>（补充</a:t>
+            </a:r>
+            <a:r>
+              <a:rPr lang="en-US" altLang="zh-CN" dirty="0"/>
+              <a:t>column</a:t>
+            </a:r>
+            <a:r>
+              <a:rPr lang="zh-CN" altLang="en-US" dirty="0"/>
+              <a:t>，猜测</a:t>
+            </a:r>
+            <a:r>
+              <a:rPr lang="en-US" altLang="zh-CN" dirty="0"/>
+              <a:t>type</a:t>
+            </a:r>
+            <a:r>
+              <a:rPr lang="zh-CN" altLang="en-US" dirty="0"/>
+              <a:t>），之后保存完善后的</a:t>
+            </a:r>
+            <a:r>
+              <a:rPr lang="en-US" altLang="zh-CN" dirty="0"/>
+              <a:t>Define</a:t>
+            </a:r>
+            <a:r>
+              <a:rPr lang="zh-CN" altLang="en-US" dirty="0"/>
+              <a:t>到</a:t>
+            </a:r>
+            <a:r>
+              <a:rPr lang="en-US" altLang="zh-CN" dirty="0"/>
+              <a:t>config.xml</a:t>
+            </a:r>
+            <a:r>
+              <a:rPr lang="zh-CN" altLang="en-US" dirty="0"/>
+              <a:t>，同时让</a:t>
+            </a:r>
+            <a:r>
+              <a:rPr lang="en-US" altLang="zh-CN" dirty="0"/>
+              <a:t>Data</a:t>
+            </a:r>
+            <a:r>
+              <a:rPr lang="zh-CN" altLang="en-US" dirty="0"/>
+              <a:t>内含自己的</a:t>
+            </a:r>
+            <a:r>
+              <a:rPr lang="en-US" altLang="zh-CN" dirty="0" err="1"/>
+              <a:t>FullType</a:t>
+            </a:r>
+            <a:endParaRPr lang="en-US" altLang="zh-CN" dirty="0"/>
+          </a:p>
+          <a:p>
+            <a:endParaRPr lang="en-US" altLang="zh-CN" dirty="0"/>
+          </a:p>
+          <a:p>
+            <a:r>
+              <a:rPr lang="zh-CN" altLang="en-US" dirty="0"/>
+              <a:t>如有部分提取，根据</a:t>
+            </a:r>
+            <a:r>
+              <a:rPr lang="en-US" altLang="zh-CN" dirty="0"/>
+              <a:t>Full Define</a:t>
+            </a:r>
+            <a:r>
+              <a:rPr lang="zh-CN" altLang="en-US" dirty="0"/>
+              <a:t>和</a:t>
+            </a:r>
+            <a:r>
+              <a:rPr lang="en-US" altLang="zh-CN" dirty="0"/>
+              <a:t>own</a:t>
+            </a:r>
+            <a:r>
+              <a:rPr lang="zh-CN" altLang="en-US" dirty="0"/>
+              <a:t>生成提取后</a:t>
+            </a:r>
+            <a:r>
+              <a:rPr lang="en-US" altLang="zh-CN" dirty="0" err="1"/>
+              <a:t>SubType</a:t>
+            </a:r>
+            <a:endParaRPr lang="en-US" altLang="zh-CN" dirty="0"/>
+          </a:p>
+          <a:p>
+            <a:endParaRPr lang="en-US" altLang="zh-CN" dirty="0"/>
+          </a:p>
+          <a:p>
+            <a:r>
+              <a:rPr lang="zh-CN" altLang="en-US" dirty="0"/>
+              <a:t>根据</a:t>
+            </a:r>
+            <a:r>
+              <a:rPr lang="en-US" altLang="zh-CN" dirty="0" err="1"/>
+              <a:t>SubType</a:t>
+            </a:r>
+            <a:r>
+              <a:rPr lang="zh-CN" altLang="en-US" dirty="0"/>
+              <a:t>和</a:t>
+            </a:r>
+            <a:r>
+              <a:rPr lang="en-US" altLang="zh-CN" dirty="0"/>
+              <a:t>Data</a:t>
+            </a:r>
+            <a:r>
+              <a:rPr lang="zh-CN" altLang="en-US" dirty="0"/>
+              <a:t>生成</a:t>
+            </a:r>
+            <a:r>
+              <a:rPr lang="en-US" altLang="zh-CN" dirty="0"/>
+              <a:t>Value</a:t>
+            </a:r>
+            <a:r>
+              <a:rPr lang="zh-CN" altLang="en-US" dirty="0"/>
+              <a:t>，检验实际数据的约束</a:t>
+            </a:r>
+            <a:endParaRPr lang="en-US" altLang="zh-CN" dirty="0"/>
+          </a:p>
+          <a:p>
+            <a:endParaRPr lang="en-US" altLang="zh-CN" dirty="0"/>
+          </a:p>
+          <a:p>
+            <a:endParaRPr lang="en-US" altLang="zh-CN" dirty="0"/>
+          </a:p>
+          <a:p>
+            <a:r>
+              <a:rPr lang="zh-CN" altLang="en-US" dirty="0"/>
+              <a:t>根据</a:t>
+            </a:r>
+            <a:r>
+              <a:rPr lang="en-US" altLang="zh-CN" dirty="0" err="1"/>
+              <a:t>SubType</a:t>
+            </a:r>
+            <a:r>
+              <a:rPr lang="zh-CN" altLang="en-US" dirty="0"/>
+              <a:t>和</a:t>
+            </a:r>
+            <a:r>
+              <a:rPr lang="en-US" altLang="zh-CN" dirty="0"/>
+              <a:t>Value</a:t>
+            </a:r>
+            <a:r>
+              <a:rPr lang="zh-CN" altLang="en-US" dirty="0"/>
+              <a:t>生成各语言的代码和数据文件</a:t>
+            </a:r>
+            <a:endParaRPr lang="en-US" altLang="zh-CN" dirty="0"/>
+          </a:p>
+          <a:p>
+            <a:endParaRPr lang="zh-CN" altLang="en-US" dirty="0"/>
+          </a:p>
+        </p:txBody>
+      </p:sp>
+    </p:spTree>
+    <p:extLst>
+      <p:ext uri="{BB962C8B-B14F-4D97-AF65-F5344CB8AC3E}">
+        <p14:creationId xmlns:p14="http://schemas.microsoft.com/office/powerpoint/2010/main" val="559816761"/>
+      </p:ext>
+    </p:extLst>
+  </p:cSld>
+  <p:clrMapOvr>
+    <a:masterClrMapping/>
+  </p:clrMapOvr>
+</p:sld>
+</file>
+
+<file path=ppt/slides/slide46.xml><?xml version="1.0" encoding="utf-8"?>
+<p:sld xmlns:a="http://schemas.openxmlformats.org/drawingml/2006/main" xmlns:r="http://schemas.openxmlformats.org/officeDocument/2006/relationships" xmlns:p="http://schemas.openxmlformats.org/presentationml/2006/main">
+  <p:cSld>
+    <p:spTree>
+      <p:nvGrpSpPr>
+        <p:cNvPr id="1" name=""/>
+        <p:cNvGrpSpPr/>
+        <p:nvPr/>
+      </p:nvGrpSpPr>
+      <p:grpSpPr>
+        <a:xfrm>
+          <a:off x="0" y="0"/>
+          <a:ext cx="0" cy="0"/>
+          <a:chOff x="0" y="0"/>
+          <a:chExt cx="0" cy="0"/>
+        </a:xfrm>
+      </p:grpSpPr>
+      <p:sp>
+        <p:nvSpPr>
+          <p:cNvPr id="2" name="标题 1">
+            <a:extLst>
+              <a:ext uri="{FF2B5EF4-FFF2-40B4-BE49-F238E27FC236}">
                 <a16:creationId xmlns:a16="http://schemas.microsoft.com/office/drawing/2014/main" id="{BD27CFA5-0945-4FE3-BBC8-232677B75DD6}"/>
               </a:ext>
             </a:extLst>
@@ -11669,7 +11960,7 @@
 </p:sld>
 </file>
 
-<file path=ppt/slides/slide46.xml><?xml version="1.0" encoding="utf-8"?>
+<file path=ppt/slides/slide47.xml><?xml version="1.0" encoding="utf-8"?>
 <p:sld xmlns:a="http://schemas.openxmlformats.org/drawingml/2006/main" xmlns:r="http://schemas.openxmlformats.org/officeDocument/2006/relationships" xmlns:p="http://schemas.openxmlformats.org/presentationml/2006/main">
   <p:cSld>
     <p:spTree>
